--- a/CPT and OPT.pptx
+++ b/CPT and OPT.pptx
@@ -12,10 +12,12 @@
     <p:sldId id="261" r:id="rId6"/>
     <p:sldId id="270" r:id="rId7"/>
     <p:sldId id="271" r:id="rId8"/>
-    <p:sldId id="264" r:id="rId9"/>
-    <p:sldId id="272" r:id="rId10"/>
-    <p:sldId id="266" r:id="rId11"/>
-    <p:sldId id="268" r:id="rId12"/>
+    <p:sldId id="273" r:id="rId9"/>
+    <p:sldId id="274" r:id="rId10"/>
+    <p:sldId id="264" r:id="rId11"/>
+    <p:sldId id="272" r:id="rId12"/>
+    <p:sldId id="266" r:id="rId13"/>
+    <p:sldId id="268" r:id="rId14"/>
   </p:sldIdLst>
   <p:sldSz cx="12192000" cy="6858000"/>
   <p:notesSz cx="6858000" cy="9144000"/>
@@ -2041,6 +2043,13 @@
         </dgm:presLayoutVars>
       </dgm:prSet>
       <dgm:spPr/>
+      <dgm:t>
+        <a:bodyPr/>
+        <a:lstStyle/>
+        <a:p>
+          <a:endParaRPr lang="en-US"/>
+        </a:p>
+      </dgm:t>
     </dgm:pt>
     <dgm:pt modelId="{4281D983-A221-4073-AF3D-60B7BFBD6500}" type="pres">
       <dgm:prSet presAssocID="{006112B5-7039-4839-9256-13B76EC06C7F}" presName="parAndChTx" presStyleLbl="node1" presStyleIdx="0" presStyleCnt="1">
@@ -2049,20 +2058,27 @@
         </dgm:presLayoutVars>
       </dgm:prSet>
       <dgm:spPr/>
+      <dgm:t>
+        <a:bodyPr/>
+        <a:lstStyle/>
+        <a:p>
+          <a:endParaRPr lang="en-US"/>
+        </a:p>
+      </dgm:t>
     </dgm:pt>
   </dgm:ptLst>
   <dgm:cxnLst>
-    <dgm:cxn modelId="{9274CA00-A1B5-4721-9FCC-21247D7161E6}" srcId="{006112B5-7039-4839-9256-13B76EC06C7F}" destId="{274AC8AB-1156-41F9-AB12-5C3A2377E66C}" srcOrd="1" destOrd="0" parTransId="{D801BEFD-634D-4BE4-AB5F-2BC2176EE121}" sibTransId="{2B21A208-9A50-4E17-AEC1-9768C9A21EB3}"/>
-    <dgm:cxn modelId="{2456890D-C3A9-43B6-9CCB-AB37AD834D5D}" type="presOf" srcId="{6C8B3412-E5A8-4408-A376-95B46DAF4878}" destId="{2009BC28-A593-40F0-9F26-E14F02E85715}" srcOrd="0" destOrd="0" presId="urn:microsoft.com/office/officeart/2005/8/layout/hChevron3"/>
     <dgm:cxn modelId="{5AAC375B-706C-4329-AEE8-79C55112BC84}" type="presOf" srcId="{274AC8AB-1156-41F9-AB12-5C3A2377E66C}" destId="{4281D983-A221-4073-AF3D-60B7BFBD6500}" srcOrd="0" destOrd="4" presId="urn:microsoft.com/office/officeart/2005/8/layout/hChevron3"/>
-    <dgm:cxn modelId="{836FA270-88DD-4F3F-8BAD-03BD607AD08B}" type="presOf" srcId="{39E2EE67-0A6B-42D1-9967-00FD9DC75B09}" destId="{4281D983-A221-4073-AF3D-60B7BFBD6500}" srcOrd="0" destOrd="3" presId="urn:microsoft.com/office/officeart/2005/8/layout/hChevron3"/>
-    <dgm:cxn modelId="{327FB571-E694-47D1-B3B4-96ECC5D8B0F7}" srcId="{6C8B3412-E5A8-4408-A376-95B46DAF4878}" destId="{006112B5-7039-4839-9256-13B76EC06C7F}" srcOrd="0" destOrd="0" parTransId="{B6C84DD6-9DEA-4A3D-A532-A4D6C52329D8}" sibTransId="{62851068-E2CA-4F2D-819A-60282C23AEE3}"/>
-    <dgm:cxn modelId="{5B92AE8C-312D-4289-8561-F30B33931964}" srcId="{006112B5-7039-4839-9256-13B76EC06C7F}" destId="{E2CE7B7B-B091-4F9B-ACF1-381AB8702348}" srcOrd="0" destOrd="0" parTransId="{DCD9355B-53EF-4414-B92F-33B23D533E53}" sibTransId="{8E822134-8B09-4FD0-A28C-D1A509F2B0AE}"/>
-    <dgm:cxn modelId="{82C402BC-5962-4892-8DB8-08ED1F042582}" type="presOf" srcId="{006112B5-7039-4839-9256-13B76EC06C7F}" destId="{4281D983-A221-4073-AF3D-60B7BFBD6500}" srcOrd="0" destOrd="0" presId="urn:microsoft.com/office/officeart/2005/8/layout/hChevron3"/>
-    <dgm:cxn modelId="{2CC012CF-FEAE-42AF-AEFE-9CE2B91BF60A}" type="presOf" srcId="{E2CE7B7B-B091-4F9B-ACF1-381AB8702348}" destId="{4281D983-A221-4073-AF3D-60B7BFBD6500}" srcOrd="0" destOrd="1" presId="urn:microsoft.com/office/officeart/2005/8/layout/hChevron3"/>
     <dgm:cxn modelId="{ED9A5FD9-DA81-4A51-8E08-36736DC067A7}" srcId="{E2CE7B7B-B091-4F9B-ACF1-381AB8702348}" destId="{39E2EE67-0A6B-42D1-9967-00FD9DC75B09}" srcOrd="1" destOrd="0" parTransId="{D43667D5-44CE-44EB-8F37-4650B8E3BD1E}" sibTransId="{327B3AA2-E8CD-4138-9569-D96FD45AF85E}"/>
     <dgm:cxn modelId="{7EA465DC-3CB1-47A3-8F15-2724B5F6C796}" type="presOf" srcId="{301D3D61-A15A-42C5-BFA1-1AAFC9D4665E}" destId="{4281D983-A221-4073-AF3D-60B7BFBD6500}" srcOrd="0" destOrd="2" presId="urn:microsoft.com/office/officeart/2005/8/layout/hChevron3"/>
+    <dgm:cxn modelId="{5B92AE8C-312D-4289-8561-F30B33931964}" srcId="{006112B5-7039-4839-9256-13B76EC06C7F}" destId="{E2CE7B7B-B091-4F9B-ACF1-381AB8702348}" srcOrd="0" destOrd="0" parTransId="{DCD9355B-53EF-4414-B92F-33B23D533E53}" sibTransId="{8E822134-8B09-4FD0-A28C-D1A509F2B0AE}"/>
     <dgm:cxn modelId="{1FFECCF2-F9DE-4576-B34D-0A810247E870}" srcId="{E2CE7B7B-B091-4F9B-ACF1-381AB8702348}" destId="{301D3D61-A15A-42C5-BFA1-1AAFC9D4665E}" srcOrd="0" destOrd="0" parTransId="{A16E58FC-82DB-422E-8611-5C405E41F8CB}" sibTransId="{A84246BB-72B6-4FF0-B1FF-4A07C3E5B470}"/>
+    <dgm:cxn modelId="{327FB571-E694-47D1-B3B4-96ECC5D8B0F7}" srcId="{6C8B3412-E5A8-4408-A376-95B46DAF4878}" destId="{006112B5-7039-4839-9256-13B76EC06C7F}" srcOrd="0" destOrd="0" parTransId="{B6C84DD6-9DEA-4A3D-A532-A4D6C52329D8}" sibTransId="{62851068-E2CA-4F2D-819A-60282C23AEE3}"/>
+    <dgm:cxn modelId="{82C402BC-5962-4892-8DB8-08ED1F042582}" type="presOf" srcId="{006112B5-7039-4839-9256-13B76EC06C7F}" destId="{4281D983-A221-4073-AF3D-60B7BFBD6500}" srcOrd="0" destOrd="0" presId="urn:microsoft.com/office/officeart/2005/8/layout/hChevron3"/>
+    <dgm:cxn modelId="{2456890D-C3A9-43B6-9CCB-AB37AD834D5D}" type="presOf" srcId="{6C8B3412-E5A8-4408-A376-95B46DAF4878}" destId="{2009BC28-A593-40F0-9F26-E14F02E85715}" srcOrd="0" destOrd="0" presId="urn:microsoft.com/office/officeart/2005/8/layout/hChevron3"/>
+    <dgm:cxn modelId="{9274CA00-A1B5-4721-9FCC-21247D7161E6}" srcId="{006112B5-7039-4839-9256-13B76EC06C7F}" destId="{274AC8AB-1156-41F9-AB12-5C3A2377E66C}" srcOrd="1" destOrd="0" parTransId="{D801BEFD-634D-4BE4-AB5F-2BC2176EE121}" sibTransId="{2B21A208-9A50-4E17-AEC1-9768C9A21EB3}"/>
+    <dgm:cxn modelId="{2CC012CF-FEAE-42AF-AEFE-9CE2B91BF60A}" type="presOf" srcId="{E2CE7B7B-B091-4F9B-ACF1-381AB8702348}" destId="{4281D983-A221-4073-AF3D-60B7BFBD6500}" srcOrd="0" destOrd="1" presId="urn:microsoft.com/office/officeart/2005/8/layout/hChevron3"/>
+    <dgm:cxn modelId="{836FA270-88DD-4F3F-8BAD-03BD607AD08B}" type="presOf" srcId="{39E2EE67-0A6B-42D1-9967-00FD9DC75B09}" destId="{4281D983-A221-4073-AF3D-60B7BFBD6500}" srcOrd="0" destOrd="3" presId="urn:microsoft.com/office/officeart/2005/8/layout/hChevron3"/>
     <dgm:cxn modelId="{C7C5F0EC-9CC5-4AF4-B928-3CE093BC7F03}" type="presParOf" srcId="{2009BC28-A593-40F0-9F26-E14F02E85715}" destId="{4281D983-A221-4073-AF3D-60B7BFBD6500}" srcOrd="0" destOrd="0" presId="urn:microsoft.com/office/officeart/2005/8/layout/hChevron3"/>
   </dgm:cxnLst>
   <dgm:bg/>
@@ -2201,6 +2217,13 @@
         </dgm:presLayoutVars>
       </dgm:prSet>
       <dgm:spPr/>
+      <dgm:t>
+        <a:bodyPr/>
+        <a:lstStyle/>
+        <a:p>
+          <a:endParaRPr lang="en-US"/>
+        </a:p>
+      </dgm:t>
     </dgm:pt>
     <dgm:pt modelId="{BAC536FA-B47A-4718-A4F8-0725381F3705}" type="pres">
       <dgm:prSet presAssocID="{A37C3363-D476-4BF3-A4BD-FE087920D069}" presName="parentText" presStyleLbl="node1" presStyleIdx="0" presStyleCnt="1" custLinFactY="242" custLinFactNeighborX="-1993" custLinFactNeighborY="100000">
@@ -2210,6 +2233,13 @@
         </dgm:presLayoutVars>
       </dgm:prSet>
       <dgm:spPr/>
+      <dgm:t>
+        <a:bodyPr/>
+        <a:lstStyle/>
+        <a:p>
+          <a:endParaRPr lang="en-US"/>
+        </a:p>
+      </dgm:t>
     </dgm:pt>
     <dgm:pt modelId="{AF97CE33-3F34-457A-9C93-02FDA15FC48C}" type="pres">
       <dgm:prSet presAssocID="{A37C3363-D476-4BF3-A4BD-FE087920D069}" presName="childText" presStyleLbl="revTx" presStyleIdx="0" presStyleCnt="1">
@@ -2218,14 +2248,21 @@
         </dgm:presLayoutVars>
       </dgm:prSet>
       <dgm:spPr/>
+      <dgm:t>
+        <a:bodyPr/>
+        <a:lstStyle/>
+        <a:p>
+          <a:endParaRPr lang="en-US"/>
+        </a:p>
+      </dgm:t>
     </dgm:pt>
   </dgm:ptLst>
   <dgm:cxnLst>
+    <dgm:cxn modelId="{85A083AE-8B18-47AB-8D16-48424044A66D}" type="presOf" srcId="{6B61D85C-71F4-464F-8CAD-D6F607032A98}" destId="{AD435070-A5A7-48D2-B091-423A769712D0}" srcOrd="0" destOrd="0" presId="urn:microsoft.com/office/officeart/2005/8/layout/vList2"/>
+    <dgm:cxn modelId="{3A976EA3-6EC6-45B2-B438-03F3F3DF5AA4}" type="presOf" srcId="{A37C3363-D476-4BF3-A4BD-FE087920D069}" destId="{BAC536FA-B47A-4718-A4F8-0725381F3705}" srcOrd="0" destOrd="0" presId="urn:microsoft.com/office/officeart/2005/8/layout/vList2"/>
+    <dgm:cxn modelId="{A5A31AF2-FA6F-4548-B9B5-88F3ECE4A43F}" type="presOf" srcId="{042428B4-4E78-44A6-AB6C-A997AA452542}" destId="{AF97CE33-3F34-457A-9C93-02FDA15FC48C}" srcOrd="0" destOrd="0" presId="urn:microsoft.com/office/officeart/2005/8/layout/vList2"/>
+    <dgm:cxn modelId="{AA262DD0-83F2-4E71-A5C3-AB2212FBE54E}" srcId="{6B61D85C-71F4-464F-8CAD-D6F607032A98}" destId="{A37C3363-D476-4BF3-A4BD-FE087920D069}" srcOrd="0" destOrd="0" parTransId="{287CDB09-51B6-4F16-A2BC-6A414D39F6AA}" sibTransId="{7CD46BE4-327B-4374-9FDB-AB0138DB9A00}"/>
     <dgm:cxn modelId="{3293C72A-A855-4D09-8974-3ABBD409A5C5}" srcId="{A37C3363-D476-4BF3-A4BD-FE087920D069}" destId="{042428B4-4E78-44A6-AB6C-A997AA452542}" srcOrd="0" destOrd="0" parTransId="{1A841534-EDE4-47CC-B9F4-E53B89C54306}" sibTransId="{23A79525-E332-4528-8B01-598A1A8E1883}"/>
-    <dgm:cxn modelId="{3A976EA3-6EC6-45B2-B438-03F3F3DF5AA4}" type="presOf" srcId="{A37C3363-D476-4BF3-A4BD-FE087920D069}" destId="{BAC536FA-B47A-4718-A4F8-0725381F3705}" srcOrd="0" destOrd="0" presId="urn:microsoft.com/office/officeart/2005/8/layout/vList2"/>
-    <dgm:cxn modelId="{85A083AE-8B18-47AB-8D16-48424044A66D}" type="presOf" srcId="{6B61D85C-71F4-464F-8CAD-D6F607032A98}" destId="{AD435070-A5A7-48D2-B091-423A769712D0}" srcOrd="0" destOrd="0" presId="urn:microsoft.com/office/officeart/2005/8/layout/vList2"/>
-    <dgm:cxn modelId="{AA262DD0-83F2-4E71-A5C3-AB2212FBE54E}" srcId="{6B61D85C-71F4-464F-8CAD-D6F607032A98}" destId="{A37C3363-D476-4BF3-A4BD-FE087920D069}" srcOrd="0" destOrd="0" parTransId="{287CDB09-51B6-4F16-A2BC-6A414D39F6AA}" sibTransId="{7CD46BE4-327B-4374-9FDB-AB0138DB9A00}"/>
-    <dgm:cxn modelId="{A5A31AF2-FA6F-4548-B9B5-88F3ECE4A43F}" type="presOf" srcId="{042428B4-4E78-44A6-AB6C-A997AA452542}" destId="{AF97CE33-3F34-457A-9C93-02FDA15FC48C}" srcOrd="0" destOrd="0" presId="urn:microsoft.com/office/officeart/2005/8/layout/vList2"/>
     <dgm:cxn modelId="{23D7CCBF-99EC-4DDE-8EE1-C280952FEC8C}" type="presParOf" srcId="{AD435070-A5A7-48D2-B091-423A769712D0}" destId="{BAC536FA-B47A-4718-A4F8-0725381F3705}" srcOrd="0" destOrd="0" presId="urn:microsoft.com/office/officeart/2005/8/layout/vList2"/>
     <dgm:cxn modelId="{9FA2B108-2325-4777-802D-45C5F30E1234}" type="presParOf" srcId="{AD435070-A5A7-48D2-B091-423A769712D0}" destId="{AF97CE33-3F34-457A-9C93-02FDA15FC48C}" srcOrd="1" destOrd="0" presId="urn:microsoft.com/office/officeart/2005/8/layout/vList2"/>
   </dgm:cxnLst>
@@ -2304,7 +2341,7 @@
         </a:bodyPr>
         <a:lstStyle/>
         <a:p>
-          <a:pPr marL="0" lvl="0" indent="0" algn="l" defTabSz="1778000">
+          <a:pPr lvl="0" algn="l" defTabSz="1778000">
             <a:lnSpc>
               <a:spcPct val="90000"/>
             </a:lnSpc>
@@ -2330,7 +2367,7 @@
               <a:spcPct val="15000"/>
             </a:spcAft>
             <a:buFont typeface="Arial" panose="020B0604020202020204" pitchFamily="34" charset="0"/>
-            <a:buChar char="•"/>
+            <a:buChar char="••"/>
           </a:pPr>
           <a:r>
             <a:rPr lang="en-US" sz="3100" kern="1200" dirty="0"/>
@@ -2349,7 +2386,7 @@
               <a:spcPct val="15000"/>
             </a:spcAft>
             <a:buFont typeface="Arial" panose="020B0604020202020204" pitchFamily="34" charset="0"/>
-            <a:buChar char="•"/>
+            <a:buChar char="••"/>
           </a:pPr>
           <a:r>
             <a:rPr lang="en-US" sz="3100" kern="1200" dirty="0"/>
@@ -2368,7 +2405,7 @@
               <a:spcPct val="15000"/>
             </a:spcAft>
             <a:buFont typeface="Arial" panose="020B0604020202020204" pitchFamily="34" charset="0"/>
-            <a:buChar char="•"/>
+            <a:buChar char="••"/>
           </a:pPr>
           <a:r>
             <a:rPr lang="en-US" sz="3100" kern="1200" dirty="0"/>
@@ -2387,7 +2424,7 @@
               <a:spcPct val="15000"/>
             </a:spcAft>
             <a:buFont typeface="Arial" panose="020B0604020202020204" pitchFamily="34" charset="0"/>
-            <a:buChar char="•"/>
+            <a:buChar char="••"/>
           </a:pPr>
           <a:r>
             <a:rPr lang="en-US" sz="3100" kern="1200" dirty="0"/>
@@ -2457,7 +2494,7 @@
         </a:bodyPr>
         <a:lstStyle/>
         <a:p>
-          <a:pPr marL="0" lvl="0" indent="0" algn="l" defTabSz="1022350">
+          <a:pPr lvl="0" algn="l" defTabSz="1022350">
             <a:lnSpc>
               <a:spcPct val="90000"/>
             </a:lnSpc>
@@ -2467,7 +2504,6 @@
             <a:spcAft>
               <a:spcPct val="35000"/>
             </a:spcAft>
-            <a:buNone/>
           </a:pPr>
           <a:r>
             <a:rPr lang="en-US" sz="2300" kern="1200" dirty="0"/>
@@ -2475,7 +2511,7 @@
           </a:r>
         </a:p>
         <a:p>
-          <a:pPr marL="0" lvl="0" indent="0" algn="l" defTabSz="1022350">
+          <a:pPr lvl="0" algn="l" defTabSz="1022350">
             <a:lnSpc>
               <a:spcPct val="90000"/>
             </a:lnSpc>
@@ -2485,12 +2521,11 @@
             <a:spcAft>
               <a:spcPct val="35000"/>
             </a:spcAft>
-            <a:buNone/>
           </a:pPr>
           <a:endParaRPr lang="en-US" sz="2300" kern="1200" dirty="0"/>
         </a:p>
         <a:p>
-          <a:pPr marL="0" lvl="0" indent="0" algn="l" defTabSz="1022350">
+          <a:pPr lvl="0" algn="l" defTabSz="1022350">
             <a:lnSpc>
               <a:spcPct val="90000"/>
             </a:lnSpc>
@@ -2500,7 +2535,6 @@
             <a:spcAft>
               <a:spcPct val="35000"/>
             </a:spcAft>
-            <a:buNone/>
           </a:pPr>
           <a:r>
             <a:rPr lang="en-US" sz="2300" kern="1200" dirty="0"/>
@@ -2508,7 +2542,7 @@
           </a:r>
         </a:p>
         <a:p>
-          <a:pPr marL="0" lvl="0" indent="0" algn="l" defTabSz="1022350">
+          <a:pPr lvl="0" algn="l" defTabSz="1022350">
             <a:lnSpc>
               <a:spcPct val="90000"/>
             </a:lnSpc>
@@ -2518,12 +2552,11 @@
             <a:spcAft>
               <a:spcPct val="35000"/>
             </a:spcAft>
-            <a:buNone/>
           </a:pPr>
           <a:endParaRPr lang="en-US" sz="2300" kern="1200" dirty="0"/>
         </a:p>
         <a:p>
-          <a:pPr marL="0" lvl="0" indent="0" algn="l" defTabSz="1022350">
+          <a:pPr lvl="0" algn="l" defTabSz="1022350">
             <a:lnSpc>
               <a:spcPct val="90000"/>
             </a:lnSpc>
@@ -2533,7 +2566,6 @@
             <a:spcAft>
               <a:spcPct val="35000"/>
             </a:spcAft>
-            <a:buNone/>
           </a:pPr>
           <a:r>
             <a:rPr lang="en-US" sz="2300" kern="1200" dirty="0"/>
@@ -2593,7 +2625,7 @@
             <a:spcAft>
               <a:spcPct val="20000"/>
             </a:spcAft>
-            <a:buChar char="•"/>
+            <a:buChar char="••"/>
           </a:pPr>
           <a:endParaRPr lang="en-US" sz="1800" kern="1200" dirty="0"/>
         </a:p>
@@ -5243,7 +5275,7 @@
           <a:p>
             <a:fld id="{61107180-7E2A-4246-B9B9-D5E36F6BF286}" type="datetimeFigureOut">
               <a:rPr lang="en-US" smtClean="0"/>
-              <a:t>30-Oct-18</a:t>
+              <a:t>10/31/2018</a:t>
             </a:fld>
             <a:endParaRPr lang="en-US"/>
           </a:p>
@@ -5411,7 +5443,7 @@
           <a:p>
             <a:fld id="{61107180-7E2A-4246-B9B9-D5E36F6BF286}" type="datetimeFigureOut">
               <a:rPr lang="en-US" smtClean="0"/>
-              <a:t>30-Oct-18</a:t>
+              <a:t>10/31/2018</a:t>
             </a:fld>
             <a:endParaRPr lang="en-US"/>
           </a:p>
@@ -5589,7 +5621,7 @@
           <a:p>
             <a:fld id="{61107180-7E2A-4246-B9B9-D5E36F6BF286}" type="datetimeFigureOut">
               <a:rPr lang="en-US" smtClean="0"/>
-              <a:t>30-Oct-18</a:t>
+              <a:t>10/31/2018</a:t>
             </a:fld>
             <a:endParaRPr lang="en-US"/>
           </a:p>
@@ -5757,7 +5789,7 @@
           <a:p>
             <a:fld id="{61107180-7E2A-4246-B9B9-D5E36F6BF286}" type="datetimeFigureOut">
               <a:rPr lang="en-US" smtClean="0"/>
-              <a:t>30-Oct-18</a:t>
+              <a:t>10/31/2018</a:t>
             </a:fld>
             <a:endParaRPr lang="en-US"/>
           </a:p>
@@ -6002,7 +6034,7 @@
           <a:p>
             <a:fld id="{61107180-7E2A-4246-B9B9-D5E36F6BF286}" type="datetimeFigureOut">
               <a:rPr lang="en-US" smtClean="0"/>
-              <a:t>30-Oct-18</a:t>
+              <a:t>10/31/2018</a:t>
             </a:fld>
             <a:endParaRPr lang="en-US"/>
           </a:p>
@@ -6231,7 +6263,7 @@
           <a:p>
             <a:fld id="{61107180-7E2A-4246-B9B9-D5E36F6BF286}" type="datetimeFigureOut">
               <a:rPr lang="en-US" smtClean="0"/>
-              <a:t>30-Oct-18</a:t>
+              <a:t>10/31/2018</a:t>
             </a:fld>
             <a:endParaRPr lang="en-US"/>
           </a:p>
@@ -6595,7 +6627,7 @@
           <a:p>
             <a:fld id="{61107180-7E2A-4246-B9B9-D5E36F6BF286}" type="datetimeFigureOut">
               <a:rPr lang="en-US" smtClean="0"/>
-              <a:t>30-Oct-18</a:t>
+              <a:t>10/31/2018</a:t>
             </a:fld>
             <a:endParaRPr lang="en-US"/>
           </a:p>
@@ -6712,7 +6744,7 @@
           <a:p>
             <a:fld id="{61107180-7E2A-4246-B9B9-D5E36F6BF286}" type="datetimeFigureOut">
               <a:rPr lang="en-US" smtClean="0"/>
-              <a:t>30-Oct-18</a:t>
+              <a:t>10/31/2018</a:t>
             </a:fld>
             <a:endParaRPr lang="en-US"/>
           </a:p>
@@ -6807,7 +6839,7 @@
           <a:p>
             <a:fld id="{61107180-7E2A-4246-B9B9-D5E36F6BF286}" type="datetimeFigureOut">
               <a:rPr lang="en-US" smtClean="0"/>
-              <a:t>30-Oct-18</a:t>
+              <a:t>10/31/2018</a:t>
             </a:fld>
             <a:endParaRPr lang="en-US"/>
           </a:p>
@@ -7082,7 +7114,7 @@
           <a:p>
             <a:fld id="{61107180-7E2A-4246-B9B9-D5E36F6BF286}" type="datetimeFigureOut">
               <a:rPr lang="en-US" smtClean="0"/>
-              <a:t>30-Oct-18</a:t>
+              <a:t>10/31/2018</a:t>
             </a:fld>
             <a:endParaRPr lang="en-US"/>
           </a:p>
@@ -7334,7 +7366,7 @@
           <a:p>
             <a:fld id="{61107180-7E2A-4246-B9B9-D5E36F6BF286}" type="datetimeFigureOut">
               <a:rPr lang="en-US" smtClean="0"/>
-              <a:t>30-Oct-18</a:t>
+              <a:t>10/31/2018</a:t>
             </a:fld>
             <a:endParaRPr lang="en-US"/>
           </a:p>
@@ -7545,7 +7577,7 @@
           <a:p>
             <a:fld id="{61107180-7E2A-4246-B9B9-D5E36F6BF286}" type="datetimeFigureOut">
               <a:rPr lang="en-US" smtClean="0"/>
-              <a:t>30-Oct-18</a:t>
+              <a:t>10/31/2018</a:t>
             </a:fld>
             <a:endParaRPr lang="en-US"/>
           </a:p>
@@ -7963,10 +7995,10 @@
           <p:cNvPr id="1033" name="Rectangle 70">
             <a:extLst>
               <a:ext uri="{FF2B5EF4-FFF2-40B4-BE49-F238E27FC236}">
-                <a16:creationId xmlns:a16="http://schemas.microsoft.com/office/drawing/2014/main" id="{6753252F-4873-4F63-801D-CC719279A7D5}"/>
+                <a16:creationId xmlns:a16="http://schemas.microsoft.com/office/drawing/2014/main" xmlns="" id="{6753252F-4873-4F63-801D-CC719279A7D5}"/>
               </a:ext>
               <a:ext uri="{C183D7F6-B498-43B3-948B-1728B52AA6E4}">
-                <adec:decorative xmlns:adec="http://schemas.microsoft.com/office/drawing/2017/decorative" val="1"/>
+                <adec:decorative xmlns:adec="http://schemas.microsoft.com/office/drawing/2017/decorative" xmlns="" val="1"/>
               </a:ext>
             </a:extLst>
           </p:cNvPr>
@@ -7976,7 +8008,7 @@
           <p:nvPr>
             <p:extLst>
               <p:ext uri="{386F3935-93C4-4BCD-93E2-E3B085C9AB24}">
-                <p16:designElem xmlns:p16="http://schemas.microsoft.com/office/powerpoint/2015/main" val="1"/>
+                <p16:designElem xmlns:p16="http://schemas.microsoft.com/office/powerpoint/2015/main" xmlns="" val="1"/>
               </p:ext>
             </p:extLst>
           </p:nvPr>
@@ -8026,10 +8058,10 @@
           <p:cNvPr id="1034" name="Rectangle 72">
             <a:extLst>
               <a:ext uri="{FF2B5EF4-FFF2-40B4-BE49-F238E27FC236}">
-                <a16:creationId xmlns:a16="http://schemas.microsoft.com/office/drawing/2014/main" id="{047C8CCB-F95D-4249-92DD-651249D3535A}"/>
+                <a16:creationId xmlns:a16="http://schemas.microsoft.com/office/drawing/2014/main" xmlns="" id="{047C8CCB-F95D-4249-92DD-651249D3535A}"/>
               </a:ext>
               <a:ext uri="{C183D7F6-B498-43B3-948B-1728B52AA6E4}">
-                <adec:decorative xmlns:adec="http://schemas.microsoft.com/office/drawing/2017/decorative" val="1"/>
+                <adec:decorative xmlns:adec="http://schemas.microsoft.com/office/drawing/2017/decorative" xmlns="" val="1"/>
               </a:ext>
             </a:extLst>
           </p:cNvPr>
@@ -8039,7 +8071,7 @@
           <p:nvPr>
             <p:extLst>
               <p:ext uri="{386F3935-93C4-4BCD-93E2-E3B085C9AB24}">
-                <p16:designElem xmlns:p16="http://schemas.microsoft.com/office/powerpoint/2015/main" val="1"/>
+                <p16:designElem xmlns:p16="http://schemas.microsoft.com/office/powerpoint/2015/main" xmlns="" val="1"/>
               </p:ext>
             </p:extLst>
           </p:nvPr>
@@ -8167,7 +8199,7 @@
           <p:cNvPr id="1026" name="Picture 2" descr="Image result for new paltz logo">
             <a:extLst>
               <a:ext uri="{FF2B5EF4-FFF2-40B4-BE49-F238E27FC236}">
-                <a16:creationId xmlns:a16="http://schemas.microsoft.com/office/drawing/2014/main" id="{09ED0BD5-6E64-4181-BA1F-19F414243769}"/>
+                <a16:creationId xmlns:a16="http://schemas.microsoft.com/office/drawing/2014/main" xmlns="" id="{09ED0BD5-6E64-4181-BA1F-19F414243769}"/>
               </a:ext>
             </a:extLst>
           </p:cNvPr>
@@ -8219,10 +8251,2790 @@
   <p:clrMapOvr>
     <a:masterClrMapping/>
   </p:clrMapOvr>
+  <p:timing>
+    <p:tnLst>
+      <p:par>
+        <p:cTn id="1" dur="indefinite" restart="never" nodeType="tmRoot"/>
+      </p:par>
+    </p:tnLst>
+  </p:timing>
 </p:sld>
 </file>
 
 <file path=ppt/slides/slide10.xml><?xml version="1.0" encoding="utf-8"?>
+<p:sld xmlns:a="http://schemas.openxmlformats.org/drawingml/2006/main" xmlns:r="http://schemas.openxmlformats.org/officeDocument/2006/relationships" xmlns:p="http://schemas.openxmlformats.org/presentationml/2006/main">
+  <p:cSld>
+    <p:bg>
+      <p:bgPr>
+        <a:solidFill>
+          <a:srgbClr val="404040"/>
+        </a:solidFill>
+        <a:effectLst/>
+      </p:bgPr>
+    </p:bg>
+    <p:spTree>
+      <p:nvGrpSpPr>
+        <p:cNvPr id="1" name=""/>
+        <p:cNvGrpSpPr/>
+        <p:nvPr/>
+      </p:nvGrpSpPr>
+      <p:grpSpPr>
+        <a:xfrm>
+          <a:off x="0" y="0"/>
+          <a:ext cx="0" cy="0"/>
+          <a:chOff x="0" y="0"/>
+          <a:chExt cx="0" cy="0"/>
+        </a:xfrm>
+      </p:grpSpPr>
+      <p:sp>
+        <p:nvSpPr>
+          <p:cNvPr id="14" name="Rectangle 13">
+            <a:extLst>
+              <a:ext uri="{FF2B5EF4-FFF2-40B4-BE49-F238E27FC236}">
+                <a16:creationId xmlns:a16="http://schemas.microsoft.com/office/drawing/2014/main" xmlns="" id="{EA67B5B4-3A24-436E-B663-1B2EBFF8A0CD}"/>
+              </a:ext>
+              <a:ext uri="{C183D7F6-B498-43B3-948B-1728B52AA6E4}">
+                <adec:decorative xmlns:adec="http://schemas.microsoft.com/office/drawing/2017/decorative" xmlns="" val="1"/>
+              </a:ext>
+            </a:extLst>
+          </p:cNvPr>
+          <p:cNvSpPr>
+            <a:spLocks noGrp="1" noRot="1" noChangeAspect="1" noMove="1" noResize="1" noEditPoints="1" noAdjustHandles="1" noChangeArrowheads="1" noChangeShapeType="1" noTextEdit="1"/>
+          </p:cNvSpPr>
+          <p:nvPr>
+            <p:extLst>
+              <p:ext uri="{386F3935-93C4-4BCD-93E2-E3B085C9AB24}">
+                <p16:designElem xmlns:p16="http://schemas.microsoft.com/office/powerpoint/2015/main" xmlns="" val="1"/>
+              </p:ext>
+            </p:extLst>
+          </p:nvPr>
+        </p:nvSpPr>
+        <p:spPr>
+          <a:xfrm>
+            <a:off x="0" y="-3324"/>
+            <a:ext cx="12192000" cy="6861324"/>
+          </a:xfrm>
+          <a:prstGeom prst="rect">
+            <a:avLst/>
+          </a:prstGeom>
+          <a:solidFill>
+            <a:srgbClr val="404040"/>
+          </a:solidFill>
+          <a:ln>
+            <a:noFill/>
+          </a:ln>
+        </p:spPr>
+        <p:style>
+          <a:lnRef idx="2">
+            <a:schemeClr val="accent1">
+              <a:shade val="50000"/>
+            </a:schemeClr>
+          </a:lnRef>
+          <a:fillRef idx="1">
+            <a:schemeClr val="accent1"/>
+          </a:fillRef>
+          <a:effectRef idx="0">
+            <a:schemeClr val="accent1"/>
+          </a:effectRef>
+          <a:fontRef idx="minor">
+            <a:schemeClr val="lt1"/>
+          </a:fontRef>
+        </p:style>
+        <p:txBody>
+          <a:bodyPr rtlCol="0" anchor="ctr"/>
+          <a:lstStyle/>
+          <a:p>
+            <a:pPr algn="ctr"/>
+            <a:endParaRPr lang="en-US"/>
+          </a:p>
+        </p:txBody>
+      </p:sp>
+      <p:sp>
+        <p:nvSpPr>
+          <p:cNvPr id="16" name="Freeform 13">
+            <a:extLst>
+              <a:ext uri="{FF2B5EF4-FFF2-40B4-BE49-F238E27FC236}">
+                <a16:creationId xmlns:a16="http://schemas.microsoft.com/office/drawing/2014/main" xmlns="" id="{987FDF89-C993-41F4-A1B8-DBAFF16008A9}"/>
+              </a:ext>
+              <a:ext uri="{C183D7F6-B498-43B3-948B-1728B52AA6E4}">
+                <adec:decorative xmlns:adec="http://schemas.microsoft.com/office/drawing/2017/decorative" xmlns="" val="1"/>
+              </a:ext>
+            </a:extLst>
+          </p:cNvPr>
+          <p:cNvSpPr>
+            <a:spLocks noGrp="1" noRot="1" noChangeAspect="1" noMove="1" noResize="1" noEditPoints="1" noAdjustHandles="1" noChangeArrowheads="1" noChangeShapeType="1" noTextEdit="1"/>
+          </p:cNvSpPr>
+          <p:nvPr>
+            <p:extLst>
+              <p:ext uri="{386F3935-93C4-4BCD-93E2-E3B085C9AB24}">
+                <p16:designElem xmlns:p16="http://schemas.microsoft.com/office/powerpoint/2015/main" xmlns="" val="1"/>
+              </p:ext>
+            </p:extLst>
+          </p:nvPr>
+        </p:nvSpPr>
+        <p:spPr>
+          <a:xfrm>
+            <a:off x="0" y="0"/>
+            <a:ext cx="11786754" cy="6858000"/>
+          </a:xfrm>
+          <a:custGeom>
+            <a:avLst/>
+            <a:gdLst>
+              <a:gd name="connsiteX0" fmla="*/ 0 w 11786754"/>
+              <a:gd name="connsiteY0" fmla="*/ 0 h 6858000"/>
+              <a:gd name="connsiteX1" fmla="*/ 8610600 w 11786754"/>
+              <a:gd name="connsiteY1" fmla="*/ 0 h 6858000"/>
+              <a:gd name="connsiteX2" fmla="*/ 11786754 w 11786754"/>
+              <a:gd name="connsiteY2" fmla="*/ 6858000 h 6858000"/>
+              <a:gd name="connsiteX3" fmla="*/ 0 w 11786754"/>
+              <a:gd name="connsiteY3" fmla="*/ 6858000 h 6858000"/>
+            </a:gdLst>
+            <a:ahLst/>
+            <a:cxnLst>
+              <a:cxn ang="0">
+                <a:pos x="connsiteX0" y="connsiteY0"/>
+              </a:cxn>
+              <a:cxn ang="0">
+                <a:pos x="connsiteX1" y="connsiteY1"/>
+              </a:cxn>
+              <a:cxn ang="0">
+                <a:pos x="connsiteX2" y="connsiteY2"/>
+              </a:cxn>
+              <a:cxn ang="0">
+                <a:pos x="connsiteX3" y="connsiteY3"/>
+              </a:cxn>
+            </a:cxnLst>
+            <a:rect l="l" t="t" r="r" b="b"/>
+            <a:pathLst>
+              <a:path w="11786754" h="6858000">
+                <a:moveTo>
+                  <a:pt x="0" y="0"/>
+                </a:moveTo>
+                <a:lnTo>
+                  <a:pt x="8610600" y="0"/>
+                </a:lnTo>
+                <a:lnTo>
+                  <a:pt x="11786754" y="6858000"/>
+                </a:lnTo>
+                <a:lnTo>
+                  <a:pt x="0" y="6858000"/>
+                </a:lnTo>
+                <a:close/>
+              </a:path>
+            </a:pathLst>
+          </a:custGeom>
+          <a:solidFill>
+            <a:srgbClr val="000000">
+              <a:alpha val="29804"/>
+            </a:srgbClr>
+          </a:solidFill>
+          <a:ln>
+            <a:noFill/>
+          </a:ln>
+        </p:spPr>
+        <p:style>
+          <a:lnRef idx="2">
+            <a:schemeClr val="accent1">
+              <a:shade val="50000"/>
+            </a:schemeClr>
+          </a:lnRef>
+          <a:fillRef idx="1">
+            <a:schemeClr val="accent1"/>
+          </a:fillRef>
+          <a:effectRef idx="0">
+            <a:schemeClr val="accent1"/>
+          </a:effectRef>
+          <a:fontRef idx="minor">
+            <a:schemeClr val="lt1"/>
+          </a:fontRef>
+        </p:style>
+        <p:txBody>
+          <a:bodyPr rtlCol="0" anchor="ctr"/>
+          <a:lstStyle/>
+          <a:p>
+            <a:pPr algn="ctr"/>
+            <a:endParaRPr lang="en-US"/>
+          </a:p>
+        </p:txBody>
+      </p:sp>
+      <p:sp>
+        <p:nvSpPr>
+          <p:cNvPr id="18" name="Freeform 11">
+            <a:extLst>
+              <a:ext uri="{FF2B5EF4-FFF2-40B4-BE49-F238E27FC236}">
+                <a16:creationId xmlns:a16="http://schemas.microsoft.com/office/drawing/2014/main" xmlns="" id="{64E585EA-75FD-4025-8270-F66A58A15CDA}"/>
+              </a:ext>
+              <a:ext uri="{C183D7F6-B498-43B3-948B-1728B52AA6E4}">
+                <adec:decorative xmlns:adec="http://schemas.microsoft.com/office/drawing/2017/decorative" xmlns="" val="1"/>
+              </a:ext>
+            </a:extLst>
+          </p:cNvPr>
+          <p:cNvSpPr>
+            <a:spLocks noGrp="1" noRot="1" noChangeAspect="1" noMove="1" noResize="1" noEditPoints="1" noAdjustHandles="1" noChangeArrowheads="1" noChangeShapeType="1" noTextEdit="1"/>
+          </p:cNvSpPr>
+          <p:nvPr>
+            <p:extLst>
+              <p:ext uri="{386F3935-93C4-4BCD-93E2-E3B085C9AB24}">
+                <p16:designElem xmlns:p16="http://schemas.microsoft.com/office/powerpoint/2015/main" xmlns="" val="1"/>
+              </p:ext>
+            </p:extLst>
+          </p:nvPr>
+        </p:nvSpPr>
+        <p:spPr>
+          <a:xfrm>
+            <a:off x="0" y="0"/>
+            <a:ext cx="3581400" cy="6858000"/>
+          </a:xfrm>
+          <a:custGeom>
+            <a:avLst/>
+            <a:gdLst>
+              <a:gd name="connsiteX0" fmla="*/ 0 w 3581400"/>
+              <a:gd name="connsiteY0" fmla="*/ 0 h 6858000"/>
+              <a:gd name="connsiteX1" fmla="*/ 405246 w 3581400"/>
+              <a:gd name="connsiteY1" fmla="*/ 0 h 6858000"/>
+              <a:gd name="connsiteX2" fmla="*/ 3581400 w 3581400"/>
+              <a:gd name="connsiteY2" fmla="*/ 6858000 h 6858000"/>
+              <a:gd name="connsiteX3" fmla="*/ 0 w 3581400"/>
+              <a:gd name="connsiteY3" fmla="*/ 6858000 h 6858000"/>
+            </a:gdLst>
+            <a:ahLst/>
+            <a:cxnLst>
+              <a:cxn ang="0">
+                <a:pos x="connsiteX0" y="connsiteY0"/>
+              </a:cxn>
+              <a:cxn ang="0">
+                <a:pos x="connsiteX1" y="connsiteY1"/>
+              </a:cxn>
+              <a:cxn ang="0">
+                <a:pos x="connsiteX2" y="connsiteY2"/>
+              </a:cxn>
+              <a:cxn ang="0">
+                <a:pos x="connsiteX3" y="connsiteY3"/>
+              </a:cxn>
+            </a:cxnLst>
+            <a:rect l="l" t="t" r="r" b="b"/>
+            <a:pathLst>
+              <a:path w="3581400" h="6858000">
+                <a:moveTo>
+                  <a:pt x="0" y="0"/>
+                </a:moveTo>
+                <a:lnTo>
+                  <a:pt x="405246" y="0"/>
+                </a:lnTo>
+                <a:lnTo>
+                  <a:pt x="3581400" y="6858000"/>
+                </a:lnTo>
+                <a:lnTo>
+                  <a:pt x="0" y="6858000"/>
+                </a:lnTo>
+                <a:close/>
+              </a:path>
+            </a:pathLst>
+          </a:custGeom>
+          <a:solidFill>
+            <a:srgbClr val="000000">
+              <a:alpha val="29804"/>
+            </a:srgbClr>
+          </a:solidFill>
+          <a:ln>
+            <a:noFill/>
+          </a:ln>
+        </p:spPr>
+        <p:style>
+          <a:lnRef idx="2">
+            <a:schemeClr val="accent1">
+              <a:shade val="50000"/>
+            </a:schemeClr>
+          </a:lnRef>
+          <a:fillRef idx="1">
+            <a:schemeClr val="accent1"/>
+          </a:fillRef>
+          <a:effectRef idx="0">
+            <a:schemeClr val="accent1"/>
+          </a:effectRef>
+          <a:fontRef idx="minor">
+            <a:schemeClr val="lt1"/>
+          </a:fontRef>
+        </p:style>
+        <p:txBody>
+          <a:bodyPr wrap="square" rtlCol="0" anchor="ctr">
+            <a:noAutofit/>
+          </a:bodyPr>
+          <a:lstStyle/>
+          <a:p>
+            <a:pPr algn="ctr"/>
+            <a:endParaRPr lang="en-US"/>
+          </a:p>
+        </p:txBody>
+      </p:sp>
+      <p:sp>
+        <p:nvSpPr>
+          <p:cNvPr id="9" name="TextBox 8"/>
+          <p:cNvSpPr txBox="1"/>
+          <p:nvPr/>
+        </p:nvSpPr>
+        <p:spPr>
+          <a:xfrm>
+            <a:off x="555099" y="1393714"/>
+            <a:ext cx="10515598" cy="4989976"/>
+          </a:xfrm>
+          <a:prstGeom prst="rect">
+            <a:avLst/>
+          </a:prstGeom>
+        </p:spPr>
+        <p:txBody>
+          <a:bodyPr vert="horz" lIns="91440" tIns="45720" rIns="91440" bIns="45720" rtlCol="0">
+            <a:noAutofit/>
+          </a:bodyPr>
+          <a:lstStyle/>
+          <a:p>
+            <a:pPr marL="514350" indent="-228600">
+              <a:lnSpc>
+                <a:spcPct val="90000"/>
+              </a:lnSpc>
+              <a:spcAft>
+                <a:spcPts val="600"/>
+              </a:spcAft>
+              <a:buFont typeface="Arial" panose="020B0604020202020204" pitchFamily="34" charset="0"/>
+              <a:buChar char="•"/>
+            </a:pPr>
+            <a:r>
+              <a:rPr lang="en-US" sz="3200" dirty="0">
+                <a:solidFill>
+                  <a:srgbClr val="FFFFFF"/>
+                </a:solidFill>
+              </a:rPr>
+              <a:t>Maximum 20 hours per week</a:t>
+            </a:r>
+          </a:p>
+          <a:p>
+            <a:pPr marL="514350" indent="-228600">
+              <a:lnSpc>
+                <a:spcPct val="90000"/>
+              </a:lnSpc>
+              <a:spcAft>
+                <a:spcPts val="600"/>
+              </a:spcAft>
+              <a:buFont typeface="Arial" panose="020B0604020202020204" pitchFamily="34" charset="0"/>
+              <a:buChar char="•"/>
+            </a:pPr>
+            <a:r>
+              <a:rPr lang="en-US" sz="3200" dirty="0">
+                <a:solidFill>
+                  <a:srgbClr val="FFFFFF"/>
+                </a:solidFill>
+              </a:rPr>
+              <a:t>Must have completed one academic year</a:t>
+            </a:r>
+          </a:p>
+          <a:p>
+            <a:pPr marL="514350" indent="-228600">
+              <a:lnSpc>
+                <a:spcPct val="90000"/>
+              </a:lnSpc>
+              <a:spcAft>
+                <a:spcPts val="600"/>
+              </a:spcAft>
+              <a:buFont typeface="Arial" panose="020B0604020202020204" pitchFamily="34" charset="0"/>
+              <a:buChar char="•"/>
+            </a:pPr>
+            <a:r>
+              <a:rPr lang="en-US" sz="3200" dirty="0">
+                <a:solidFill>
+                  <a:srgbClr val="FFFFFF"/>
+                </a:solidFill>
+              </a:rPr>
+              <a:t>Must be enrolled full-time</a:t>
+            </a:r>
+          </a:p>
+          <a:p>
+            <a:pPr marL="514350" indent="-228600">
+              <a:lnSpc>
+                <a:spcPct val="90000"/>
+              </a:lnSpc>
+              <a:spcAft>
+                <a:spcPts val="600"/>
+              </a:spcAft>
+              <a:buFont typeface="Arial" panose="020B0604020202020204" pitchFamily="34" charset="0"/>
+              <a:buChar char="•"/>
+            </a:pPr>
+            <a:r>
+              <a:rPr lang="en-US" sz="3200" dirty="0">
+                <a:solidFill>
+                  <a:srgbClr val="FFFFFF"/>
+                </a:solidFill>
+              </a:rPr>
+              <a:t>Employment must be a required part of degree requirements, ex: Internship course, practicum project</a:t>
+            </a:r>
+          </a:p>
+          <a:p>
+            <a:pPr marL="514350" indent="-228600">
+              <a:lnSpc>
+                <a:spcPct val="90000"/>
+              </a:lnSpc>
+              <a:spcAft>
+                <a:spcPts val="600"/>
+              </a:spcAft>
+              <a:buFont typeface="Arial" panose="020B0604020202020204" pitchFamily="34" charset="0"/>
+              <a:buChar char="•"/>
+            </a:pPr>
+            <a:r>
+              <a:rPr lang="en-US" sz="3200" dirty="0">
+                <a:solidFill>
+                  <a:srgbClr val="FFFFFF"/>
+                </a:solidFill>
+              </a:rPr>
+              <a:t>Must have letter/form from advisor and employer</a:t>
+            </a:r>
+          </a:p>
+          <a:p>
+            <a:pPr marL="514350" indent="-228600">
+              <a:lnSpc>
+                <a:spcPct val="90000"/>
+              </a:lnSpc>
+              <a:spcAft>
+                <a:spcPts val="600"/>
+              </a:spcAft>
+              <a:buFont typeface="Arial" panose="020B0604020202020204" pitchFamily="34" charset="0"/>
+              <a:buChar char="•"/>
+            </a:pPr>
+            <a:r>
+              <a:rPr lang="en-US" sz="3200" dirty="0">
+                <a:solidFill>
+                  <a:srgbClr val="FFFFFF"/>
+                </a:solidFill>
+              </a:rPr>
+              <a:t>IA will add authorization to I-20</a:t>
+            </a:r>
+          </a:p>
+          <a:p>
+            <a:pPr marL="514350" indent="-228600">
+              <a:lnSpc>
+                <a:spcPct val="90000"/>
+              </a:lnSpc>
+              <a:spcAft>
+                <a:spcPts val="600"/>
+              </a:spcAft>
+              <a:buFont typeface="Arial" panose="020B0604020202020204" pitchFamily="34" charset="0"/>
+              <a:buChar char="•"/>
+            </a:pPr>
+            <a:r>
+              <a:rPr lang="en-US" sz="3200" dirty="0">
+                <a:solidFill>
+                  <a:srgbClr val="FFFFFF"/>
+                </a:solidFill>
+              </a:rPr>
+              <a:t>No limit on part-time CPT.  12 month limit on full-time CPT.  FT will effect OPT eligibility.</a:t>
+            </a:r>
+          </a:p>
+        </p:txBody>
+      </p:sp>
+      <p:sp>
+        <p:nvSpPr>
+          <p:cNvPr id="2" name="TextBox 1">
+            <a:extLst>
+              <a:ext uri="{FF2B5EF4-FFF2-40B4-BE49-F238E27FC236}">
+                <a16:creationId xmlns:a16="http://schemas.microsoft.com/office/drawing/2014/main" xmlns="" id="{3614BBA4-F862-41F0-912E-6FABB413CA74}"/>
+              </a:ext>
+            </a:extLst>
+          </p:cNvPr>
+          <p:cNvSpPr txBox="1"/>
+          <p:nvPr/>
+        </p:nvSpPr>
+        <p:spPr>
+          <a:xfrm>
+            <a:off x="1330729" y="410792"/>
+            <a:ext cx="9493942" cy="1046440"/>
+          </a:xfrm>
+          <a:prstGeom prst="rect">
+            <a:avLst/>
+          </a:prstGeom>
+          <a:noFill/>
+        </p:spPr>
+        <p:txBody>
+          <a:bodyPr wrap="square" rtlCol="0">
+            <a:spAutoFit/>
+          </a:bodyPr>
+          <a:lstStyle/>
+          <a:p>
+            <a:r>
+              <a:rPr lang="en-US" sz="4400" dirty="0">
+                <a:solidFill>
+                  <a:srgbClr val="FFFFFF"/>
+                </a:solidFill>
+              </a:rPr>
+              <a:t>Curricular Practical Training</a:t>
+            </a:r>
+          </a:p>
+          <a:p>
+            <a:endParaRPr lang="en-US" dirty="0"/>
+          </a:p>
+        </p:txBody>
+      </p:sp>
+    </p:spTree>
+    <p:extLst>
+      <p:ext uri="{BB962C8B-B14F-4D97-AF65-F5344CB8AC3E}">
+        <p14:creationId xmlns:p14="http://schemas.microsoft.com/office/powerpoint/2010/main" val="2952571430"/>
+      </p:ext>
+    </p:extLst>
+  </p:cSld>
+  <p:clrMapOvr>
+    <a:overrideClrMapping bg1="dk1" tx1="lt1" bg2="dk2" tx2="lt2" accent1="accent1" accent2="accent2" accent3="accent3" accent4="accent4" accent5="accent5" accent6="accent6" hlink="hlink" folHlink="folHlink"/>
+  </p:clrMapOvr>
+  <p:timing>
+    <p:tnLst>
+      <p:par>
+        <p:cTn id="1" dur="indefinite" restart="never" nodeType="tmRoot">
+          <p:childTnLst>
+            <p:seq concurrent="1" nextAc="seek">
+              <p:cTn id="2" dur="indefinite" nodeType="mainSeq">
+                <p:childTnLst>
+                  <p:par>
+                    <p:cTn id="3" fill="hold">
+                      <p:stCondLst>
+                        <p:cond delay="indefinite"/>
+                      </p:stCondLst>
+                      <p:childTnLst>
+                        <p:par>
+                          <p:cTn id="4" fill="hold">
+                            <p:stCondLst>
+                              <p:cond delay="0"/>
+                            </p:stCondLst>
+                            <p:childTnLst>
+                              <p:par>
+                                <p:cTn id="5" presetID="2" presetClass="entr" presetSubtype="4" fill="hold" nodeType="clickEffect">
+                                  <p:stCondLst>
+                                    <p:cond delay="0"/>
+                                  </p:stCondLst>
+                                  <p:childTnLst>
+                                    <p:set>
+                                      <p:cBhvr>
+                                        <p:cTn id="6" dur="1" fill="hold">
+                                          <p:stCondLst>
+                                            <p:cond delay="0"/>
+                                          </p:stCondLst>
+                                        </p:cTn>
+                                        <p:tgtEl>
+                                          <p:spTgt spid="9">
+                                            <p:txEl>
+                                              <p:pRg st="0" end="0"/>
+                                            </p:txEl>
+                                          </p:spTgt>
+                                        </p:tgtEl>
+                                        <p:attrNameLst>
+                                          <p:attrName>style.visibility</p:attrName>
+                                        </p:attrNameLst>
+                                      </p:cBhvr>
+                                      <p:to>
+                                        <p:strVal val="visible"/>
+                                      </p:to>
+                                    </p:set>
+                                    <p:anim calcmode="lin" valueType="num">
+                                      <p:cBhvr additive="base">
+                                        <p:cTn id="7" dur="500" fill="hold"/>
+                                        <p:tgtEl>
+                                          <p:spTgt spid="9">
+                                            <p:txEl>
+                                              <p:pRg st="0" end="0"/>
+                                            </p:txEl>
+                                          </p:spTgt>
+                                        </p:tgtEl>
+                                        <p:attrNameLst>
+                                          <p:attrName>ppt_x</p:attrName>
+                                        </p:attrNameLst>
+                                      </p:cBhvr>
+                                      <p:tavLst>
+                                        <p:tav tm="0">
+                                          <p:val>
+                                            <p:strVal val="#ppt_x"/>
+                                          </p:val>
+                                        </p:tav>
+                                        <p:tav tm="100000">
+                                          <p:val>
+                                            <p:strVal val="#ppt_x"/>
+                                          </p:val>
+                                        </p:tav>
+                                      </p:tavLst>
+                                    </p:anim>
+                                    <p:anim calcmode="lin" valueType="num">
+                                      <p:cBhvr additive="base">
+                                        <p:cTn id="8" dur="500" fill="hold"/>
+                                        <p:tgtEl>
+                                          <p:spTgt spid="9">
+                                            <p:txEl>
+                                              <p:pRg st="0" end="0"/>
+                                            </p:txEl>
+                                          </p:spTgt>
+                                        </p:tgtEl>
+                                        <p:attrNameLst>
+                                          <p:attrName>ppt_y</p:attrName>
+                                        </p:attrNameLst>
+                                      </p:cBhvr>
+                                      <p:tavLst>
+                                        <p:tav tm="0">
+                                          <p:val>
+                                            <p:strVal val="1+#ppt_h/2"/>
+                                          </p:val>
+                                        </p:tav>
+                                        <p:tav tm="100000">
+                                          <p:val>
+                                            <p:strVal val="#ppt_y"/>
+                                          </p:val>
+                                        </p:tav>
+                                      </p:tavLst>
+                                    </p:anim>
+                                  </p:childTnLst>
+                                </p:cTn>
+                              </p:par>
+                            </p:childTnLst>
+                          </p:cTn>
+                        </p:par>
+                      </p:childTnLst>
+                    </p:cTn>
+                  </p:par>
+                  <p:par>
+                    <p:cTn id="9" fill="hold">
+                      <p:stCondLst>
+                        <p:cond delay="indefinite"/>
+                      </p:stCondLst>
+                      <p:childTnLst>
+                        <p:par>
+                          <p:cTn id="10" fill="hold">
+                            <p:stCondLst>
+                              <p:cond delay="0"/>
+                            </p:stCondLst>
+                            <p:childTnLst>
+                              <p:par>
+                                <p:cTn id="11" presetID="2" presetClass="entr" presetSubtype="4" fill="hold" nodeType="clickEffect">
+                                  <p:stCondLst>
+                                    <p:cond delay="0"/>
+                                  </p:stCondLst>
+                                  <p:childTnLst>
+                                    <p:set>
+                                      <p:cBhvr>
+                                        <p:cTn id="12" dur="1" fill="hold">
+                                          <p:stCondLst>
+                                            <p:cond delay="0"/>
+                                          </p:stCondLst>
+                                        </p:cTn>
+                                        <p:tgtEl>
+                                          <p:spTgt spid="9">
+                                            <p:txEl>
+                                              <p:pRg st="1" end="1"/>
+                                            </p:txEl>
+                                          </p:spTgt>
+                                        </p:tgtEl>
+                                        <p:attrNameLst>
+                                          <p:attrName>style.visibility</p:attrName>
+                                        </p:attrNameLst>
+                                      </p:cBhvr>
+                                      <p:to>
+                                        <p:strVal val="visible"/>
+                                      </p:to>
+                                    </p:set>
+                                    <p:anim calcmode="lin" valueType="num">
+                                      <p:cBhvr additive="base">
+                                        <p:cTn id="13" dur="500" fill="hold"/>
+                                        <p:tgtEl>
+                                          <p:spTgt spid="9">
+                                            <p:txEl>
+                                              <p:pRg st="1" end="1"/>
+                                            </p:txEl>
+                                          </p:spTgt>
+                                        </p:tgtEl>
+                                        <p:attrNameLst>
+                                          <p:attrName>ppt_x</p:attrName>
+                                        </p:attrNameLst>
+                                      </p:cBhvr>
+                                      <p:tavLst>
+                                        <p:tav tm="0">
+                                          <p:val>
+                                            <p:strVal val="#ppt_x"/>
+                                          </p:val>
+                                        </p:tav>
+                                        <p:tav tm="100000">
+                                          <p:val>
+                                            <p:strVal val="#ppt_x"/>
+                                          </p:val>
+                                        </p:tav>
+                                      </p:tavLst>
+                                    </p:anim>
+                                    <p:anim calcmode="lin" valueType="num">
+                                      <p:cBhvr additive="base">
+                                        <p:cTn id="14" dur="500" fill="hold"/>
+                                        <p:tgtEl>
+                                          <p:spTgt spid="9">
+                                            <p:txEl>
+                                              <p:pRg st="1" end="1"/>
+                                            </p:txEl>
+                                          </p:spTgt>
+                                        </p:tgtEl>
+                                        <p:attrNameLst>
+                                          <p:attrName>ppt_y</p:attrName>
+                                        </p:attrNameLst>
+                                      </p:cBhvr>
+                                      <p:tavLst>
+                                        <p:tav tm="0">
+                                          <p:val>
+                                            <p:strVal val="1+#ppt_h/2"/>
+                                          </p:val>
+                                        </p:tav>
+                                        <p:tav tm="100000">
+                                          <p:val>
+                                            <p:strVal val="#ppt_y"/>
+                                          </p:val>
+                                        </p:tav>
+                                      </p:tavLst>
+                                    </p:anim>
+                                  </p:childTnLst>
+                                </p:cTn>
+                              </p:par>
+                            </p:childTnLst>
+                          </p:cTn>
+                        </p:par>
+                      </p:childTnLst>
+                    </p:cTn>
+                  </p:par>
+                  <p:par>
+                    <p:cTn id="15" fill="hold">
+                      <p:stCondLst>
+                        <p:cond delay="indefinite"/>
+                      </p:stCondLst>
+                      <p:childTnLst>
+                        <p:par>
+                          <p:cTn id="16" fill="hold">
+                            <p:stCondLst>
+                              <p:cond delay="0"/>
+                            </p:stCondLst>
+                            <p:childTnLst>
+                              <p:par>
+                                <p:cTn id="17" presetID="2" presetClass="entr" presetSubtype="4" fill="hold" nodeType="clickEffect">
+                                  <p:stCondLst>
+                                    <p:cond delay="0"/>
+                                  </p:stCondLst>
+                                  <p:childTnLst>
+                                    <p:set>
+                                      <p:cBhvr>
+                                        <p:cTn id="18" dur="1" fill="hold">
+                                          <p:stCondLst>
+                                            <p:cond delay="0"/>
+                                          </p:stCondLst>
+                                        </p:cTn>
+                                        <p:tgtEl>
+                                          <p:spTgt spid="9">
+                                            <p:txEl>
+                                              <p:pRg st="2" end="2"/>
+                                            </p:txEl>
+                                          </p:spTgt>
+                                        </p:tgtEl>
+                                        <p:attrNameLst>
+                                          <p:attrName>style.visibility</p:attrName>
+                                        </p:attrNameLst>
+                                      </p:cBhvr>
+                                      <p:to>
+                                        <p:strVal val="visible"/>
+                                      </p:to>
+                                    </p:set>
+                                    <p:anim calcmode="lin" valueType="num">
+                                      <p:cBhvr additive="base">
+                                        <p:cTn id="19" dur="500" fill="hold"/>
+                                        <p:tgtEl>
+                                          <p:spTgt spid="9">
+                                            <p:txEl>
+                                              <p:pRg st="2" end="2"/>
+                                            </p:txEl>
+                                          </p:spTgt>
+                                        </p:tgtEl>
+                                        <p:attrNameLst>
+                                          <p:attrName>ppt_x</p:attrName>
+                                        </p:attrNameLst>
+                                      </p:cBhvr>
+                                      <p:tavLst>
+                                        <p:tav tm="0">
+                                          <p:val>
+                                            <p:strVal val="#ppt_x"/>
+                                          </p:val>
+                                        </p:tav>
+                                        <p:tav tm="100000">
+                                          <p:val>
+                                            <p:strVal val="#ppt_x"/>
+                                          </p:val>
+                                        </p:tav>
+                                      </p:tavLst>
+                                    </p:anim>
+                                    <p:anim calcmode="lin" valueType="num">
+                                      <p:cBhvr additive="base">
+                                        <p:cTn id="20" dur="500" fill="hold"/>
+                                        <p:tgtEl>
+                                          <p:spTgt spid="9">
+                                            <p:txEl>
+                                              <p:pRg st="2" end="2"/>
+                                            </p:txEl>
+                                          </p:spTgt>
+                                        </p:tgtEl>
+                                        <p:attrNameLst>
+                                          <p:attrName>ppt_y</p:attrName>
+                                        </p:attrNameLst>
+                                      </p:cBhvr>
+                                      <p:tavLst>
+                                        <p:tav tm="0">
+                                          <p:val>
+                                            <p:strVal val="1+#ppt_h/2"/>
+                                          </p:val>
+                                        </p:tav>
+                                        <p:tav tm="100000">
+                                          <p:val>
+                                            <p:strVal val="#ppt_y"/>
+                                          </p:val>
+                                        </p:tav>
+                                      </p:tavLst>
+                                    </p:anim>
+                                  </p:childTnLst>
+                                </p:cTn>
+                              </p:par>
+                            </p:childTnLst>
+                          </p:cTn>
+                        </p:par>
+                      </p:childTnLst>
+                    </p:cTn>
+                  </p:par>
+                  <p:par>
+                    <p:cTn id="21" fill="hold">
+                      <p:stCondLst>
+                        <p:cond delay="indefinite"/>
+                      </p:stCondLst>
+                      <p:childTnLst>
+                        <p:par>
+                          <p:cTn id="22" fill="hold">
+                            <p:stCondLst>
+                              <p:cond delay="0"/>
+                            </p:stCondLst>
+                            <p:childTnLst>
+                              <p:par>
+                                <p:cTn id="23" presetID="2" presetClass="entr" presetSubtype="4" fill="hold" nodeType="clickEffect">
+                                  <p:stCondLst>
+                                    <p:cond delay="0"/>
+                                  </p:stCondLst>
+                                  <p:childTnLst>
+                                    <p:set>
+                                      <p:cBhvr>
+                                        <p:cTn id="24" dur="1" fill="hold">
+                                          <p:stCondLst>
+                                            <p:cond delay="0"/>
+                                          </p:stCondLst>
+                                        </p:cTn>
+                                        <p:tgtEl>
+                                          <p:spTgt spid="9">
+                                            <p:txEl>
+                                              <p:pRg st="3" end="3"/>
+                                            </p:txEl>
+                                          </p:spTgt>
+                                        </p:tgtEl>
+                                        <p:attrNameLst>
+                                          <p:attrName>style.visibility</p:attrName>
+                                        </p:attrNameLst>
+                                      </p:cBhvr>
+                                      <p:to>
+                                        <p:strVal val="visible"/>
+                                      </p:to>
+                                    </p:set>
+                                    <p:anim calcmode="lin" valueType="num">
+                                      <p:cBhvr additive="base">
+                                        <p:cTn id="25" dur="500" fill="hold"/>
+                                        <p:tgtEl>
+                                          <p:spTgt spid="9">
+                                            <p:txEl>
+                                              <p:pRg st="3" end="3"/>
+                                            </p:txEl>
+                                          </p:spTgt>
+                                        </p:tgtEl>
+                                        <p:attrNameLst>
+                                          <p:attrName>ppt_x</p:attrName>
+                                        </p:attrNameLst>
+                                      </p:cBhvr>
+                                      <p:tavLst>
+                                        <p:tav tm="0">
+                                          <p:val>
+                                            <p:strVal val="#ppt_x"/>
+                                          </p:val>
+                                        </p:tav>
+                                        <p:tav tm="100000">
+                                          <p:val>
+                                            <p:strVal val="#ppt_x"/>
+                                          </p:val>
+                                        </p:tav>
+                                      </p:tavLst>
+                                    </p:anim>
+                                    <p:anim calcmode="lin" valueType="num">
+                                      <p:cBhvr additive="base">
+                                        <p:cTn id="26" dur="500" fill="hold"/>
+                                        <p:tgtEl>
+                                          <p:spTgt spid="9">
+                                            <p:txEl>
+                                              <p:pRg st="3" end="3"/>
+                                            </p:txEl>
+                                          </p:spTgt>
+                                        </p:tgtEl>
+                                        <p:attrNameLst>
+                                          <p:attrName>ppt_y</p:attrName>
+                                        </p:attrNameLst>
+                                      </p:cBhvr>
+                                      <p:tavLst>
+                                        <p:tav tm="0">
+                                          <p:val>
+                                            <p:strVal val="1+#ppt_h/2"/>
+                                          </p:val>
+                                        </p:tav>
+                                        <p:tav tm="100000">
+                                          <p:val>
+                                            <p:strVal val="#ppt_y"/>
+                                          </p:val>
+                                        </p:tav>
+                                      </p:tavLst>
+                                    </p:anim>
+                                  </p:childTnLst>
+                                </p:cTn>
+                              </p:par>
+                            </p:childTnLst>
+                          </p:cTn>
+                        </p:par>
+                      </p:childTnLst>
+                    </p:cTn>
+                  </p:par>
+                  <p:par>
+                    <p:cTn id="27" fill="hold">
+                      <p:stCondLst>
+                        <p:cond delay="indefinite"/>
+                      </p:stCondLst>
+                      <p:childTnLst>
+                        <p:par>
+                          <p:cTn id="28" fill="hold">
+                            <p:stCondLst>
+                              <p:cond delay="0"/>
+                            </p:stCondLst>
+                            <p:childTnLst>
+                              <p:par>
+                                <p:cTn id="29" presetID="2" presetClass="entr" presetSubtype="4" fill="hold" nodeType="clickEffect">
+                                  <p:stCondLst>
+                                    <p:cond delay="0"/>
+                                  </p:stCondLst>
+                                  <p:childTnLst>
+                                    <p:set>
+                                      <p:cBhvr>
+                                        <p:cTn id="30" dur="1" fill="hold">
+                                          <p:stCondLst>
+                                            <p:cond delay="0"/>
+                                          </p:stCondLst>
+                                        </p:cTn>
+                                        <p:tgtEl>
+                                          <p:spTgt spid="9">
+                                            <p:txEl>
+                                              <p:pRg st="4" end="4"/>
+                                            </p:txEl>
+                                          </p:spTgt>
+                                        </p:tgtEl>
+                                        <p:attrNameLst>
+                                          <p:attrName>style.visibility</p:attrName>
+                                        </p:attrNameLst>
+                                      </p:cBhvr>
+                                      <p:to>
+                                        <p:strVal val="visible"/>
+                                      </p:to>
+                                    </p:set>
+                                    <p:anim calcmode="lin" valueType="num">
+                                      <p:cBhvr additive="base">
+                                        <p:cTn id="31" dur="500" fill="hold"/>
+                                        <p:tgtEl>
+                                          <p:spTgt spid="9">
+                                            <p:txEl>
+                                              <p:pRg st="4" end="4"/>
+                                            </p:txEl>
+                                          </p:spTgt>
+                                        </p:tgtEl>
+                                        <p:attrNameLst>
+                                          <p:attrName>ppt_x</p:attrName>
+                                        </p:attrNameLst>
+                                      </p:cBhvr>
+                                      <p:tavLst>
+                                        <p:tav tm="0">
+                                          <p:val>
+                                            <p:strVal val="#ppt_x"/>
+                                          </p:val>
+                                        </p:tav>
+                                        <p:tav tm="100000">
+                                          <p:val>
+                                            <p:strVal val="#ppt_x"/>
+                                          </p:val>
+                                        </p:tav>
+                                      </p:tavLst>
+                                    </p:anim>
+                                    <p:anim calcmode="lin" valueType="num">
+                                      <p:cBhvr additive="base">
+                                        <p:cTn id="32" dur="500" fill="hold"/>
+                                        <p:tgtEl>
+                                          <p:spTgt spid="9">
+                                            <p:txEl>
+                                              <p:pRg st="4" end="4"/>
+                                            </p:txEl>
+                                          </p:spTgt>
+                                        </p:tgtEl>
+                                        <p:attrNameLst>
+                                          <p:attrName>ppt_y</p:attrName>
+                                        </p:attrNameLst>
+                                      </p:cBhvr>
+                                      <p:tavLst>
+                                        <p:tav tm="0">
+                                          <p:val>
+                                            <p:strVal val="1+#ppt_h/2"/>
+                                          </p:val>
+                                        </p:tav>
+                                        <p:tav tm="100000">
+                                          <p:val>
+                                            <p:strVal val="#ppt_y"/>
+                                          </p:val>
+                                        </p:tav>
+                                      </p:tavLst>
+                                    </p:anim>
+                                  </p:childTnLst>
+                                </p:cTn>
+                              </p:par>
+                            </p:childTnLst>
+                          </p:cTn>
+                        </p:par>
+                      </p:childTnLst>
+                    </p:cTn>
+                  </p:par>
+                  <p:par>
+                    <p:cTn id="33" fill="hold">
+                      <p:stCondLst>
+                        <p:cond delay="indefinite"/>
+                      </p:stCondLst>
+                      <p:childTnLst>
+                        <p:par>
+                          <p:cTn id="34" fill="hold">
+                            <p:stCondLst>
+                              <p:cond delay="0"/>
+                            </p:stCondLst>
+                            <p:childTnLst>
+                              <p:par>
+                                <p:cTn id="35" presetID="2" presetClass="entr" presetSubtype="4" fill="hold" nodeType="clickEffect">
+                                  <p:stCondLst>
+                                    <p:cond delay="0"/>
+                                  </p:stCondLst>
+                                  <p:childTnLst>
+                                    <p:set>
+                                      <p:cBhvr>
+                                        <p:cTn id="36" dur="1" fill="hold">
+                                          <p:stCondLst>
+                                            <p:cond delay="0"/>
+                                          </p:stCondLst>
+                                        </p:cTn>
+                                        <p:tgtEl>
+                                          <p:spTgt spid="9">
+                                            <p:txEl>
+                                              <p:pRg st="5" end="5"/>
+                                            </p:txEl>
+                                          </p:spTgt>
+                                        </p:tgtEl>
+                                        <p:attrNameLst>
+                                          <p:attrName>style.visibility</p:attrName>
+                                        </p:attrNameLst>
+                                      </p:cBhvr>
+                                      <p:to>
+                                        <p:strVal val="visible"/>
+                                      </p:to>
+                                    </p:set>
+                                    <p:anim calcmode="lin" valueType="num">
+                                      <p:cBhvr additive="base">
+                                        <p:cTn id="37" dur="500" fill="hold"/>
+                                        <p:tgtEl>
+                                          <p:spTgt spid="9">
+                                            <p:txEl>
+                                              <p:pRg st="5" end="5"/>
+                                            </p:txEl>
+                                          </p:spTgt>
+                                        </p:tgtEl>
+                                        <p:attrNameLst>
+                                          <p:attrName>ppt_x</p:attrName>
+                                        </p:attrNameLst>
+                                      </p:cBhvr>
+                                      <p:tavLst>
+                                        <p:tav tm="0">
+                                          <p:val>
+                                            <p:strVal val="#ppt_x"/>
+                                          </p:val>
+                                        </p:tav>
+                                        <p:tav tm="100000">
+                                          <p:val>
+                                            <p:strVal val="#ppt_x"/>
+                                          </p:val>
+                                        </p:tav>
+                                      </p:tavLst>
+                                    </p:anim>
+                                    <p:anim calcmode="lin" valueType="num">
+                                      <p:cBhvr additive="base">
+                                        <p:cTn id="38" dur="500" fill="hold"/>
+                                        <p:tgtEl>
+                                          <p:spTgt spid="9">
+                                            <p:txEl>
+                                              <p:pRg st="5" end="5"/>
+                                            </p:txEl>
+                                          </p:spTgt>
+                                        </p:tgtEl>
+                                        <p:attrNameLst>
+                                          <p:attrName>ppt_y</p:attrName>
+                                        </p:attrNameLst>
+                                      </p:cBhvr>
+                                      <p:tavLst>
+                                        <p:tav tm="0">
+                                          <p:val>
+                                            <p:strVal val="1+#ppt_h/2"/>
+                                          </p:val>
+                                        </p:tav>
+                                        <p:tav tm="100000">
+                                          <p:val>
+                                            <p:strVal val="#ppt_y"/>
+                                          </p:val>
+                                        </p:tav>
+                                      </p:tavLst>
+                                    </p:anim>
+                                  </p:childTnLst>
+                                </p:cTn>
+                              </p:par>
+                            </p:childTnLst>
+                          </p:cTn>
+                        </p:par>
+                      </p:childTnLst>
+                    </p:cTn>
+                  </p:par>
+                  <p:par>
+                    <p:cTn id="39" fill="hold">
+                      <p:stCondLst>
+                        <p:cond delay="indefinite"/>
+                      </p:stCondLst>
+                      <p:childTnLst>
+                        <p:par>
+                          <p:cTn id="40" fill="hold">
+                            <p:stCondLst>
+                              <p:cond delay="0"/>
+                            </p:stCondLst>
+                            <p:childTnLst>
+                              <p:par>
+                                <p:cTn id="41" presetID="2" presetClass="entr" presetSubtype="4" fill="hold" nodeType="clickEffect">
+                                  <p:stCondLst>
+                                    <p:cond delay="0"/>
+                                  </p:stCondLst>
+                                  <p:childTnLst>
+                                    <p:set>
+                                      <p:cBhvr>
+                                        <p:cTn id="42" dur="1" fill="hold">
+                                          <p:stCondLst>
+                                            <p:cond delay="0"/>
+                                          </p:stCondLst>
+                                        </p:cTn>
+                                        <p:tgtEl>
+                                          <p:spTgt spid="9">
+                                            <p:txEl>
+                                              <p:pRg st="6" end="6"/>
+                                            </p:txEl>
+                                          </p:spTgt>
+                                        </p:tgtEl>
+                                        <p:attrNameLst>
+                                          <p:attrName>style.visibility</p:attrName>
+                                        </p:attrNameLst>
+                                      </p:cBhvr>
+                                      <p:to>
+                                        <p:strVal val="visible"/>
+                                      </p:to>
+                                    </p:set>
+                                    <p:anim calcmode="lin" valueType="num">
+                                      <p:cBhvr additive="base">
+                                        <p:cTn id="43" dur="500" fill="hold"/>
+                                        <p:tgtEl>
+                                          <p:spTgt spid="9">
+                                            <p:txEl>
+                                              <p:pRg st="6" end="6"/>
+                                            </p:txEl>
+                                          </p:spTgt>
+                                        </p:tgtEl>
+                                        <p:attrNameLst>
+                                          <p:attrName>ppt_x</p:attrName>
+                                        </p:attrNameLst>
+                                      </p:cBhvr>
+                                      <p:tavLst>
+                                        <p:tav tm="0">
+                                          <p:val>
+                                            <p:strVal val="#ppt_x"/>
+                                          </p:val>
+                                        </p:tav>
+                                        <p:tav tm="100000">
+                                          <p:val>
+                                            <p:strVal val="#ppt_x"/>
+                                          </p:val>
+                                        </p:tav>
+                                      </p:tavLst>
+                                    </p:anim>
+                                    <p:anim calcmode="lin" valueType="num">
+                                      <p:cBhvr additive="base">
+                                        <p:cTn id="44" dur="500" fill="hold"/>
+                                        <p:tgtEl>
+                                          <p:spTgt spid="9">
+                                            <p:txEl>
+                                              <p:pRg st="6" end="6"/>
+                                            </p:txEl>
+                                          </p:spTgt>
+                                        </p:tgtEl>
+                                        <p:attrNameLst>
+                                          <p:attrName>ppt_y</p:attrName>
+                                        </p:attrNameLst>
+                                      </p:cBhvr>
+                                      <p:tavLst>
+                                        <p:tav tm="0">
+                                          <p:val>
+                                            <p:strVal val="1+#ppt_h/2"/>
+                                          </p:val>
+                                        </p:tav>
+                                        <p:tav tm="100000">
+                                          <p:val>
+                                            <p:strVal val="#ppt_y"/>
+                                          </p:val>
+                                        </p:tav>
+                                      </p:tavLst>
+                                    </p:anim>
+                                  </p:childTnLst>
+                                </p:cTn>
+                              </p:par>
+                            </p:childTnLst>
+                          </p:cTn>
+                        </p:par>
+                      </p:childTnLst>
+                    </p:cTn>
+                  </p:par>
+                </p:childTnLst>
+              </p:cTn>
+              <p:prevCondLst>
+                <p:cond evt="onPrev" delay="0">
+                  <p:tgtEl>
+                    <p:sldTgt/>
+                  </p:tgtEl>
+                </p:cond>
+              </p:prevCondLst>
+              <p:nextCondLst>
+                <p:cond evt="onNext" delay="0">
+                  <p:tgtEl>
+                    <p:sldTgt/>
+                  </p:tgtEl>
+                </p:cond>
+              </p:nextCondLst>
+            </p:seq>
+          </p:childTnLst>
+        </p:cTn>
+      </p:par>
+    </p:tnLst>
+  </p:timing>
+</p:sld>
+</file>
+
+<file path=ppt/slides/slide11.xml><?xml version="1.0" encoding="utf-8"?>
+<p:sld xmlns:a="http://schemas.openxmlformats.org/drawingml/2006/main" xmlns:r="http://schemas.openxmlformats.org/officeDocument/2006/relationships" xmlns:p="http://schemas.openxmlformats.org/presentationml/2006/main">
+  <p:cSld>
+    <p:bg>
+      <p:bgPr>
+        <a:solidFill>
+          <a:srgbClr val="404040"/>
+        </a:solidFill>
+        <a:effectLst/>
+      </p:bgPr>
+    </p:bg>
+    <p:spTree>
+      <p:nvGrpSpPr>
+        <p:cNvPr id="1" name=""/>
+        <p:cNvGrpSpPr/>
+        <p:nvPr/>
+      </p:nvGrpSpPr>
+      <p:grpSpPr>
+        <a:xfrm>
+          <a:off x="0" y="0"/>
+          <a:ext cx="0" cy="0"/>
+          <a:chOff x="0" y="0"/>
+          <a:chExt cx="0" cy="0"/>
+        </a:xfrm>
+      </p:grpSpPr>
+      <p:sp>
+        <p:nvSpPr>
+          <p:cNvPr id="16" name="Freeform 13">
+            <a:extLst>
+              <a:ext uri="{FF2B5EF4-FFF2-40B4-BE49-F238E27FC236}">
+                <a16:creationId xmlns:a16="http://schemas.microsoft.com/office/drawing/2014/main" xmlns="" id="{987FDF89-C993-41F4-A1B8-DBAFF16008A9}"/>
+              </a:ext>
+              <a:ext uri="{C183D7F6-B498-43B3-948B-1728B52AA6E4}">
+                <adec:decorative xmlns:adec="http://schemas.microsoft.com/office/drawing/2017/decorative" xmlns="" val="1"/>
+              </a:ext>
+            </a:extLst>
+          </p:cNvPr>
+          <p:cNvSpPr>
+            <a:spLocks noGrp="1" noRot="1" noChangeAspect="1" noMove="1" noResize="1" noEditPoints="1" noAdjustHandles="1" noChangeArrowheads="1" noChangeShapeType="1" noTextEdit="1"/>
+          </p:cNvSpPr>
+          <p:nvPr>
+            <p:extLst>
+              <p:ext uri="{386F3935-93C4-4BCD-93E2-E3B085C9AB24}">
+                <p16:designElem xmlns:p16="http://schemas.microsoft.com/office/powerpoint/2015/main" xmlns="" val="1"/>
+              </p:ext>
+            </p:extLst>
+          </p:nvPr>
+        </p:nvSpPr>
+        <p:spPr>
+          <a:xfrm>
+            <a:off x="0" y="0"/>
+            <a:ext cx="11786754" cy="6858000"/>
+          </a:xfrm>
+          <a:custGeom>
+            <a:avLst/>
+            <a:gdLst>
+              <a:gd name="connsiteX0" fmla="*/ 0 w 11786754"/>
+              <a:gd name="connsiteY0" fmla="*/ 0 h 6858000"/>
+              <a:gd name="connsiteX1" fmla="*/ 8610600 w 11786754"/>
+              <a:gd name="connsiteY1" fmla="*/ 0 h 6858000"/>
+              <a:gd name="connsiteX2" fmla="*/ 11786754 w 11786754"/>
+              <a:gd name="connsiteY2" fmla="*/ 6858000 h 6858000"/>
+              <a:gd name="connsiteX3" fmla="*/ 0 w 11786754"/>
+              <a:gd name="connsiteY3" fmla="*/ 6858000 h 6858000"/>
+            </a:gdLst>
+            <a:ahLst/>
+            <a:cxnLst>
+              <a:cxn ang="0">
+                <a:pos x="connsiteX0" y="connsiteY0"/>
+              </a:cxn>
+              <a:cxn ang="0">
+                <a:pos x="connsiteX1" y="connsiteY1"/>
+              </a:cxn>
+              <a:cxn ang="0">
+                <a:pos x="connsiteX2" y="connsiteY2"/>
+              </a:cxn>
+              <a:cxn ang="0">
+                <a:pos x="connsiteX3" y="connsiteY3"/>
+              </a:cxn>
+            </a:cxnLst>
+            <a:rect l="l" t="t" r="r" b="b"/>
+            <a:pathLst>
+              <a:path w="11786754" h="6858000">
+                <a:moveTo>
+                  <a:pt x="0" y="0"/>
+                </a:moveTo>
+                <a:lnTo>
+                  <a:pt x="8610600" y="0"/>
+                </a:lnTo>
+                <a:lnTo>
+                  <a:pt x="11786754" y="6858000"/>
+                </a:lnTo>
+                <a:lnTo>
+                  <a:pt x="0" y="6858000"/>
+                </a:lnTo>
+                <a:close/>
+              </a:path>
+            </a:pathLst>
+          </a:custGeom>
+          <a:solidFill>
+            <a:srgbClr val="000000">
+              <a:alpha val="29804"/>
+            </a:srgbClr>
+          </a:solidFill>
+          <a:ln>
+            <a:noFill/>
+          </a:ln>
+        </p:spPr>
+        <p:style>
+          <a:lnRef idx="2">
+            <a:schemeClr val="accent1">
+              <a:shade val="50000"/>
+            </a:schemeClr>
+          </a:lnRef>
+          <a:fillRef idx="1">
+            <a:schemeClr val="accent1"/>
+          </a:fillRef>
+          <a:effectRef idx="0">
+            <a:schemeClr val="accent1"/>
+          </a:effectRef>
+          <a:fontRef idx="minor">
+            <a:schemeClr val="lt1"/>
+          </a:fontRef>
+        </p:style>
+        <p:txBody>
+          <a:bodyPr rtlCol="0" anchor="ctr"/>
+          <a:lstStyle/>
+          <a:p>
+            <a:pPr algn="ctr"/>
+            <a:endParaRPr lang="en-US"/>
+          </a:p>
+        </p:txBody>
+      </p:sp>
+      <p:sp>
+        <p:nvSpPr>
+          <p:cNvPr id="18" name="Freeform 11">
+            <a:extLst>
+              <a:ext uri="{FF2B5EF4-FFF2-40B4-BE49-F238E27FC236}">
+                <a16:creationId xmlns:a16="http://schemas.microsoft.com/office/drawing/2014/main" xmlns="" id="{64E585EA-75FD-4025-8270-F66A58A15CDA}"/>
+              </a:ext>
+              <a:ext uri="{C183D7F6-B498-43B3-948B-1728B52AA6E4}">
+                <adec:decorative xmlns:adec="http://schemas.microsoft.com/office/drawing/2017/decorative" xmlns="" val="1"/>
+              </a:ext>
+            </a:extLst>
+          </p:cNvPr>
+          <p:cNvSpPr>
+            <a:spLocks noGrp="1" noRot="1" noChangeAspect="1" noMove="1" noResize="1" noEditPoints="1" noAdjustHandles="1" noChangeArrowheads="1" noChangeShapeType="1" noTextEdit="1"/>
+          </p:cNvSpPr>
+          <p:nvPr>
+            <p:extLst>
+              <p:ext uri="{386F3935-93C4-4BCD-93E2-E3B085C9AB24}">
+                <p16:designElem xmlns:p16="http://schemas.microsoft.com/office/powerpoint/2015/main" xmlns="" val="1"/>
+              </p:ext>
+            </p:extLst>
+          </p:nvPr>
+        </p:nvSpPr>
+        <p:spPr>
+          <a:xfrm>
+            <a:off x="0" y="0"/>
+            <a:ext cx="3581400" cy="6858000"/>
+          </a:xfrm>
+          <a:custGeom>
+            <a:avLst/>
+            <a:gdLst>
+              <a:gd name="connsiteX0" fmla="*/ 0 w 3581400"/>
+              <a:gd name="connsiteY0" fmla="*/ 0 h 6858000"/>
+              <a:gd name="connsiteX1" fmla="*/ 405246 w 3581400"/>
+              <a:gd name="connsiteY1" fmla="*/ 0 h 6858000"/>
+              <a:gd name="connsiteX2" fmla="*/ 3581400 w 3581400"/>
+              <a:gd name="connsiteY2" fmla="*/ 6858000 h 6858000"/>
+              <a:gd name="connsiteX3" fmla="*/ 0 w 3581400"/>
+              <a:gd name="connsiteY3" fmla="*/ 6858000 h 6858000"/>
+            </a:gdLst>
+            <a:ahLst/>
+            <a:cxnLst>
+              <a:cxn ang="0">
+                <a:pos x="connsiteX0" y="connsiteY0"/>
+              </a:cxn>
+              <a:cxn ang="0">
+                <a:pos x="connsiteX1" y="connsiteY1"/>
+              </a:cxn>
+              <a:cxn ang="0">
+                <a:pos x="connsiteX2" y="connsiteY2"/>
+              </a:cxn>
+              <a:cxn ang="0">
+                <a:pos x="connsiteX3" y="connsiteY3"/>
+              </a:cxn>
+            </a:cxnLst>
+            <a:rect l="l" t="t" r="r" b="b"/>
+            <a:pathLst>
+              <a:path w="3581400" h="6858000">
+                <a:moveTo>
+                  <a:pt x="0" y="0"/>
+                </a:moveTo>
+                <a:lnTo>
+                  <a:pt x="405246" y="0"/>
+                </a:lnTo>
+                <a:lnTo>
+                  <a:pt x="3581400" y="6858000"/>
+                </a:lnTo>
+                <a:lnTo>
+                  <a:pt x="0" y="6858000"/>
+                </a:lnTo>
+                <a:close/>
+              </a:path>
+            </a:pathLst>
+          </a:custGeom>
+          <a:solidFill>
+            <a:srgbClr val="000000">
+              <a:alpha val="29804"/>
+            </a:srgbClr>
+          </a:solidFill>
+          <a:ln>
+            <a:noFill/>
+          </a:ln>
+        </p:spPr>
+        <p:style>
+          <a:lnRef idx="2">
+            <a:schemeClr val="accent1">
+              <a:shade val="50000"/>
+            </a:schemeClr>
+          </a:lnRef>
+          <a:fillRef idx="1">
+            <a:schemeClr val="accent1"/>
+          </a:fillRef>
+          <a:effectRef idx="0">
+            <a:schemeClr val="accent1"/>
+          </a:effectRef>
+          <a:fontRef idx="minor">
+            <a:schemeClr val="lt1"/>
+          </a:fontRef>
+        </p:style>
+        <p:txBody>
+          <a:bodyPr wrap="square" rtlCol="0" anchor="ctr">
+            <a:noAutofit/>
+          </a:bodyPr>
+          <a:lstStyle/>
+          <a:p>
+            <a:pPr algn="ctr"/>
+            <a:endParaRPr lang="en-US"/>
+          </a:p>
+        </p:txBody>
+      </p:sp>
+      <p:sp>
+        <p:nvSpPr>
+          <p:cNvPr id="6" name="Title 4">
+            <a:extLst>
+              <a:ext uri="{FF2B5EF4-FFF2-40B4-BE49-F238E27FC236}">
+                <a16:creationId xmlns:a16="http://schemas.microsoft.com/office/drawing/2014/main" xmlns="" id="{206590B4-9C02-4A55-871E-7F56D35DA76A}"/>
+              </a:ext>
+            </a:extLst>
+          </p:cNvPr>
+          <p:cNvSpPr>
+            <a:spLocks noGrp="1"/>
+          </p:cNvSpPr>
+          <p:nvPr>
+            <p:ph type="title"/>
+          </p:nvPr>
+        </p:nvSpPr>
+        <p:spPr>
+          <a:xfrm>
+            <a:off x="635577" y="107604"/>
+            <a:ext cx="10515600" cy="1325563"/>
+          </a:xfrm>
+        </p:spPr>
+        <p:txBody>
+          <a:bodyPr/>
+          <a:lstStyle/>
+          <a:p>
+            <a:pPr algn="ctr"/>
+            <a:r>
+              <a:rPr lang="en-US" dirty="0"/>
+              <a:t>CPT &amp; OPT for F-1 Visa Students</a:t>
+            </a:r>
+          </a:p>
+        </p:txBody>
+      </p:sp>
+      <p:graphicFrame>
+        <p:nvGraphicFramePr>
+          <p:cNvPr id="2" name="Table 1">
+            <a:extLst>
+              <a:ext uri="{FF2B5EF4-FFF2-40B4-BE49-F238E27FC236}">
+                <a16:creationId xmlns:a16="http://schemas.microsoft.com/office/drawing/2014/main" xmlns="" id="{70054709-7A81-4160-A4BC-C9CC114C87A9}"/>
+              </a:ext>
+            </a:extLst>
+          </p:cNvPr>
+          <p:cNvGraphicFramePr>
+            <a:graphicFrameLocks noGrp="1"/>
+          </p:cNvGraphicFramePr>
+          <p:nvPr>
+            <p:extLst>
+              <p:ext uri="{D42A27DB-BD31-4B8C-83A1-F6EECF244321}">
+                <p14:modId xmlns:p14="http://schemas.microsoft.com/office/powerpoint/2010/main" val="3983231572"/>
+              </p:ext>
+            </p:extLst>
+          </p:nvPr>
+        </p:nvGraphicFramePr>
+        <p:xfrm>
+          <a:off x="1093693" y="1453515"/>
+          <a:ext cx="9592236" cy="5212080"/>
+        </p:xfrm>
+        <a:graphic>
+          <a:graphicData uri="http://schemas.openxmlformats.org/drawingml/2006/table">
+            <a:tbl>
+              <a:tblPr firstRow="1" bandRow="1">
+                <a:tableStyleId>{5C22544A-7EE6-4342-B048-85BDC9FD1C3A}</a:tableStyleId>
+              </a:tblPr>
+              <a:tblGrid>
+                <a:gridCol w="4796118">
+                  <a:extLst>
+                    <a:ext uri="{9D8B030D-6E8A-4147-A177-3AD203B41FA5}">
+                      <a16:colId xmlns:a16="http://schemas.microsoft.com/office/drawing/2014/main" xmlns="" val="3423524140"/>
+                    </a:ext>
+                  </a:extLst>
+                </a:gridCol>
+                <a:gridCol w="4796118">
+                  <a:extLst>
+                    <a:ext uri="{9D8B030D-6E8A-4147-A177-3AD203B41FA5}">
+                      <a16:colId xmlns:a16="http://schemas.microsoft.com/office/drawing/2014/main" xmlns="" val="574161364"/>
+                    </a:ext>
+                  </a:extLst>
+                </a:gridCol>
+              </a:tblGrid>
+              <a:tr h="806767">
+                <a:tc>
+                  <a:txBody>
+                    <a:bodyPr/>
+                    <a:lstStyle/>
+                    <a:p>
+                      <a:pPr marL="0" marR="0" lvl="0" indent="0" algn="l" defTabSz="914400" rtl="0" eaLnBrk="1" fontAlgn="auto" latinLnBrk="0" hangingPunct="1">
+                        <a:lnSpc>
+                          <a:spcPct val="100000"/>
+                        </a:lnSpc>
+                        <a:spcBef>
+                          <a:spcPts val="0"/>
+                        </a:spcBef>
+                        <a:spcAft>
+                          <a:spcPts val="0"/>
+                        </a:spcAft>
+                        <a:buClrTx/>
+                        <a:buSzTx/>
+                        <a:buFontTx/>
+                        <a:buNone/>
+                        <a:tabLst/>
+                        <a:defRPr/>
+                      </a:pPr>
+                      <a:r>
+                        <a:rPr lang="en-US" sz="2400" i="1" dirty="0"/>
+                        <a:t>Curricular Practical Training (CPT</a:t>
+                      </a:r>
+                      <a:r>
+                        <a:rPr lang="en-US" sz="2400" i="1" dirty="0" smtClean="0"/>
+                        <a:t>)</a:t>
+                      </a:r>
+                      <a:endParaRPr lang="en-US" sz="2400" i="1" dirty="0"/>
+                    </a:p>
+                  </a:txBody>
+                  <a:tcPr/>
+                </a:tc>
+                <a:tc>
+                  <a:txBody>
+                    <a:bodyPr/>
+                    <a:lstStyle/>
+                    <a:p>
+                      <a:pPr marL="0" marR="0" lvl="0" indent="0" algn="l" defTabSz="914400" rtl="0" eaLnBrk="1" fontAlgn="auto" latinLnBrk="0" hangingPunct="1">
+                        <a:lnSpc>
+                          <a:spcPct val="100000"/>
+                        </a:lnSpc>
+                        <a:spcBef>
+                          <a:spcPts val="0"/>
+                        </a:spcBef>
+                        <a:spcAft>
+                          <a:spcPts val="0"/>
+                        </a:spcAft>
+                        <a:buClrTx/>
+                        <a:buSzTx/>
+                        <a:buFontTx/>
+                        <a:buNone/>
+                        <a:tabLst/>
+                        <a:defRPr/>
+                      </a:pPr>
+                      <a:r>
+                        <a:rPr lang="en-US" sz="2400" i="1" dirty="0"/>
+                        <a:t>Optional Practical Training (OPT)</a:t>
+                      </a:r>
+                    </a:p>
+                    <a:p>
+                      <a:endParaRPr lang="en-US" sz="2400" dirty="0"/>
+                    </a:p>
+                  </a:txBody>
+                  <a:tcPr/>
+                </a:tc>
+                <a:extLst>
+                  <a:ext uri="{0D108BD9-81ED-4DB2-BD59-A6C34878D82A}">
+                    <a16:rowId xmlns:a16="http://schemas.microsoft.com/office/drawing/2014/main" xmlns="" val="1463514421"/>
+                  </a:ext>
+                </a:extLst>
+              </a:tr>
+              <a:tr h="806767">
+                <a:tc>
+                  <a:txBody>
+                    <a:bodyPr/>
+                    <a:lstStyle/>
+                    <a:p>
+                      <a:pPr marL="0" marR="0" lvl="0" indent="0" algn="l" defTabSz="914400" rtl="0" eaLnBrk="1" fontAlgn="auto" latinLnBrk="0" hangingPunct="1">
+                        <a:lnSpc>
+                          <a:spcPct val="100000"/>
+                        </a:lnSpc>
+                        <a:spcBef>
+                          <a:spcPts val="0"/>
+                        </a:spcBef>
+                        <a:spcAft>
+                          <a:spcPts val="0"/>
+                        </a:spcAft>
+                        <a:buClrTx/>
+                        <a:buSzTx/>
+                        <a:buFontTx/>
+                        <a:buNone/>
+                        <a:tabLst/>
+                        <a:defRPr/>
+                      </a:pPr>
+                      <a:r>
+                        <a:rPr lang="en-US" sz="2400" dirty="0"/>
+                        <a:t>Only BEFORE you complete your degree</a:t>
+                      </a:r>
+                    </a:p>
+                    <a:p>
+                      <a:endParaRPr lang="en-US" sz="2400" dirty="0"/>
+                    </a:p>
+                  </a:txBody>
+                  <a:tcPr/>
+                </a:tc>
+                <a:tc>
+                  <a:txBody>
+                    <a:bodyPr/>
+                    <a:lstStyle/>
+                    <a:p>
+                      <a:pPr marL="0" marR="0" lvl="0" indent="0" algn="l" defTabSz="914400" rtl="0" eaLnBrk="1" fontAlgn="auto" latinLnBrk="0" hangingPunct="1">
+                        <a:lnSpc>
+                          <a:spcPct val="100000"/>
+                        </a:lnSpc>
+                        <a:spcBef>
+                          <a:spcPts val="0"/>
+                        </a:spcBef>
+                        <a:spcAft>
+                          <a:spcPts val="0"/>
+                        </a:spcAft>
+                        <a:buClrTx/>
+                        <a:buSzTx/>
+                        <a:buFontTx/>
+                        <a:buNone/>
+                        <a:tabLst/>
+                        <a:defRPr/>
+                      </a:pPr>
+                      <a:r>
+                        <a:rPr lang="en-US" sz="2400" dirty="0"/>
+                        <a:t>Usually AFTER you complete your degree</a:t>
+                      </a:r>
+                    </a:p>
+                    <a:p>
+                      <a:endParaRPr lang="en-US" sz="2400" dirty="0"/>
+                    </a:p>
+                  </a:txBody>
+                  <a:tcPr/>
+                </a:tc>
+                <a:extLst>
+                  <a:ext uri="{0D108BD9-81ED-4DB2-BD59-A6C34878D82A}">
+                    <a16:rowId xmlns:a16="http://schemas.microsoft.com/office/drawing/2014/main" xmlns="" val="2469953183"/>
+                  </a:ext>
+                </a:extLst>
+              </a:tr>
+              <a:tr h="1152526">
+                <a:tc>
+                  <a:txBody>
+                    <a:bodyPr/>
+                    <a:lstStyle/>
+                    <a:p>
+                      <a:pPr marL="0" marR="0" lvl="0" indent="0" algn="l" defTabSz="914400" rtl="0" eaLnBrk="1" fontAlgn="auto" latinLnBrk="0" hangingPunct="1">
+                        <a:lnSpc>
+                          <a:spcPct val="100000"/>
+                        </a:lnSpc>
+                        <a:spcBef>
+                          <a:spcPts val="0"/>
+                        </a:spcBef>
+                        <a:spcAft>
+                          <a:spcPts val="0"/>
+                        </a:spcAft>
+                        <a:buClrTx/>
+                        <a:buSzTx/>
+                        <a:buFontTx/>
+                        <a:buNone/>
+                        <a:tabLst/>
+                        <a:defRPr/>
+                      </a:pPr>
+                      <a:r>
+                        <a:rPr lang="en-US" sz="2400" dirty="0"/>
+                        <a:t>Can have many part-time CPTs before students graduate</a:t>
+                      </a:r>
+                    </a:p>
+                  </a:txBody>
+                  <a:tcPr/>
+                </a:tc>
+                <a:tc>
+                  <a:txBody>
+                    <a:bodyPr/>
+                    <a:lstStyle/>
+                    <a:p>
+                      <a:pPr marL="0" marR="0" lvl="0" indent="0" algn="l" defTabSz="914400" rtl="0" eaLnBrk="1" fontAlgn="auto" latinLnBrk="0" hangingPunct="1">
+                        <a:lnSpc>
+                          <a:spcPct val="100000"/>
+                        </a:lnSpc>
+                        <a:spcBef>
+                          <a:spcPts val="0"/>
+                        </a:spcBef>
+                        <a:spcAft>
+                          <a:spcPts val="0"/>
+                        </a:spcAft>
+                        <a:buClrTx/>
+                        <a:buSzTx/>
+                        <a:buFontTx/>
+                        <a:buNone/>
+                        <a:tabLst/>
+                        <a:defRPr/>
+                      </a:pPr>
+                      <a:r>
+                        <a:rPr lang="en-US" sz="2400" dirty="0"/>
+                        <a:t>12 months after completion of degree requirements</a:t>
+                      </a:r>
+                    </a:p>
+                    <a:p>
+                      <a:endParaRPr lang="en-US" sz="2400" dirty="0"/>
+                    </a:p>
+                  </a:txBody>
+                  <a:tcPr/>
+                </a:tc>
+                <a:extLst>
+                  <a:ext uri="{0D108BD9-81ED-4DB2-BD59-A6C34878D82A}">
+                    <a16:rowId xmlns:a16="http://schemas.microsoft.com/office/drawing/2014/main" xmlns="" val="3098398895"/>
+                  </a:ext>
+                </a:extLst>
+              </a:tr>
+              <a:tr h="806767">
+                <a:tc>
+                  <a:txBody>
+                    <a:bodyPr/>
+                    <a:lstStyle/>
+                    <a:p>
+                      <a:pPr marL="0" marR="0" lvl="0" indent="0" algn="l" defTabSz="914400" rtl="0" eaLnBrk="1" fontAlgn="auto" latinLnBrk="0" hangingPunct="1">
+                        <a:lnSpc>
+                          <a:spcPct val="100000"/>
+                        </a:lnSpc>
+                        <a:spcBef>
+                          <a:spcPts val="0"/>
+                        </a:spcBef>
+                        <a:spcAft>
+                          <a:spcPts val="0"/>
+                        </a:spcAft>
+                        <a:buClrTx/>
+                        <a:buSzTx/>
+                        <a:buFontTx/>
+                        <a:buNone/>
+                        <a:tabLst/>
+                        <a:defRPr/>
+                      </a:pPr>
+                      <a:r>
+                        <a:rPr lang="en-US" sz="2400" dirty="0"/>
+                        <a:t>Requires Job offer</a:t>
+                      </a:r>
+                    </a:p>
+                    <a:p>
+                      <a:endParaRPr lang="en-US" sz="2400" dirty="0"/>
+                    </a:p>
+                  </a:txBody>
+                  <a:tcPr/>
+                </a:tc>
+                <a:tc>
+                  <a:txBody>
+                    <a:bodyPr/>
+                    <a:lstStyle/>
+                    <a:p>
+                      <a:pPr marL="0" marR="0" lvl="0" indent="0" algn="l" defTabSz="914400" rtl="0" eaLnBrk="1" fontAlgn="auto" latinLnBrk="0" hangingPunct="1">
+                        <a:lnSpc>
+                          <a:spcPct val="100000"/>
+                        </a:lnSpc>
+                        <a:spcBef>
+                          <a:spcPts val="0"/>
+                        </a:spcBef>
+                        <a:spcAft>
+                          <a:spcPts val="0"/>
+                        </a:spcAft>
+                        <a:buClrTx/>
+                        <a:buSzTx/>
+                        <a:buFontTx/>
+                        <a:buNone/>
+                        <a:tabLst/>
+                        <a:defRPr/>
+                      </a:pPr>
+                      <a:r>
+                        <a:rPr lang="en-US" sz="2400" dirty="0"/>
+                        <a:t>No Job offer requires</a:t>
+                      </a:r>
+                    </a:p>
+                    <a:p>
+                      <a:endParaRPr lang="en-US" sz="2400" dirty="0"/>
+                    </a:p>
+                  </a:txBody>
+                  <a:tcPr/>
+                </a:tc>
+                <a:extLst>
+                  <a:ext uri="{0D108BD9-81ED-4DB2-BD59-A6C34878D82A}">
+                    <a16:rowId xmlns:a16="http://schemas.microsoft.com/office/drawing/2014/main" xmlns="" val="4123979802"/>
+                  </a:ext>
+                </a:extLst>
+              </a:tr>
+              <a:tr h="806767">
+                <a:tc>
+                  <a:txBody>
+                    <a:bodyPr/>
+                    <a:lstStyle/>
+                    <a:p>
+                      <a:pPr marL="0" marR="0" lvl="0" indent="0" algn="l" defTabSz="914400" rtl="0" eaLnBrk="1" fontAlgn="auto" latinLnBrk="0" hangingPunct="1">
+                        <a:lnSpc>
+                          <a:spcPct val="100000"/>
+                        </a:lnSpc>
+                        <a:spcBef>
+                          <a:spcPts val="0"/>
+                        </a:spcBef>
+                        <a:spcAft>
+                          <a:spcPts val="0"/>
+                        </a:spcAft>
+                        <a:buClrTx/>
+                        <a:buSzTx/>
+                        <a:buFontTx/>
+                        <a:buNone/>
+                        <a:tabLst/>
+                        <a:defRPr/>
+                      </a:pPr>
+                      <a:r>
+                        <a:rPr lang="en-US" sz="2400" dirty="0" smtClean="0"/>
+                        <a:t>Requires faculty approval and IA office authorization on I-20.</a:t>
+                      </a:r>
+                    </a:p>
+                    <a:p>
+                      <a:endParaRPr lang="en-US" sz="2400" dirty="0"/>
+                    </a:p>
+                  </a:txBody>
+                  <a:tcPr/>
+                </a:tc>
+                <a:tc>
+                  <a:txBody>
+                    <a:bodyPr/>
+                    <a:lstStyle/>
+                    <a:p>
+                      <a:pPr marL="0" marR="0" lvl="0" indent="0" algn="l" defTabSz="914400" rtl="0" eaLnBrk="1" fontAlgn="auto" latinLnBrk="0" hangingPunct="1">
+                        <a:lnSpc>
+                          <a:spcPct val="100000"/>
+                        </a:lnSpc>
+                        <a:spcBef>
+                          <a:spcPts val="0"/>
+                        </a:spcBef>
+                        <a:spcAft>
+                          <a:spcPts val="0"/>
+                        </a:spcAft>
+                        <a:buClrTx/>
+                        <a:buSzTx/>
+                        <a:buFontTx/>
+                        <a:buNone/>
+                        <a:tabLst/>
+                        <a:defRPr/>
+                      </a:pPr>
+                      <a:r>
+                        <a:rPr lang="en-US" sz="2400" dirty="0" smtClean="0"/>
+                        <a:t>Requires USCIS approval and EAD card</a:t>
+                      </a:r>
+                    </a:p>
+                    <a:p>
+                      <a:endParaRPr lang="en-US" sz="2400" dirty="0"/>
+                    </a:p>
+                  </a:txBody>
+                  <a:tcPr/>
+                </a:tc>
+              </a:tr>
+            </a:tbl>
+          </a:graphicData>
+        </a:graphic>
+      </p:graphicFrame>
+      <p:sp>
+        <p:nvSpPr>
+          <p:cNvPr id="3" name="Rectangle 2"/>
+          <p:cNvSpPr/>
+          <p:nvPr/>
+        </p:nvSpPr>
+        <p:spPr>
+          <a:xfrm>
+            <a:off x="1093694" y="2277035"/>
+            <a:ext cx="4799683" cy="1151965"/>
+          </a:xfrm>
+          <a:prstGeom prst="rect">
+            <a:avLst/>
+          </a:prstGeom>
+          <a:solidFill>
+            <a:schemeClr val="accent1">
+              <a:lumMod val="20000"/>
+              <a:lumOff val="80000"/>
+            </a:schemeClr>
+          </a:solidFill>
+          <a:ln>
+            <a:solidFill>
+              <a:schemeClr val="tx1"/>
+            </a:solidFill>
+          </a:ln>
+        </p:spPr>
+        <p:style>
+          <a:lnRef idx="2">
+            <a:schemeClr val="accent1">
+              <a:shade val="50000"/>
+            </a:schemeClr>
+          </a:lnRef>
+          <a:fillRef idx="1">
+            <a:schemeClr val="accent1"/>
+          </a:fillRef>
+          <a:effectRef idx="0">
+            <a:schemeClr val="accent1"/>
+          </a:effectRef>
+          <a:fontRef idx="minor">
+            <a:schemeClr val="lt1"/>
+          </a:fontRef>
+        </p:style>
+        <p:txBody>
+          <a:bodyPr rtlCol="0" anchor="ctr"/>
+          <a:lstStyle/>
+          <a:p>
+            <a:pPr algn="ctr"/>
+            <a:endParaRPr lang="en-US"/>
+          </a:p>
+        </p:txBody>
+      </p:sp>
+      <p:sp>
+        <p:nvSpPr>
+          <p:cNvPr id="8" name="Rectangle 7"/>
+          <p:cNvSpPr/>
+          <p:nvPr/>
+        </p:nvSpPr>
+        <p:spPr>
+          <a:xfrm>
+            <a:off x="5893377" y="2277036"/>
+            <a:ext cx="4799683" cy="1151964"/>
+          </a:xfrm>
+          <a:prstGeom prst="rect">
+            <a:avLst/>
+          </a:prstGeom>
+          <a:solidFill>
+            <a:schemeClr val="accent1">
+              <a:lumMod val="20000"/>
+              <a:lumOff val="80000"/>
+            </a:schemeClr>
+          </a:solidFill>
+          <a:ln>
+            <a:solidFill>
+              <a:schemeClr val="tx1"/>
+            </a:solidFill>
+          </a:ln>
+        </p:spPr>
+        <p:style>
+          <a:lnRef idx="2">
+            <a:schemeClr val="accent1">
+              <a:shade val="50000"/>
+            </a:schemeClr>
+          </a:lnRef>
+          <a:fillRef idx="1">
+            <a:schemeClr val="accent1"/>
+          </a:fillRef>
+          <a:effectRef idx="0">
+            <a:schemeClr val="accent1"/>
+          </a:effectRef>
+          <a:fontRef idx="minor">
+            <a:schemeClr val="lt1"/>
+          </a:fontRef>
+        </p:style>
+        <p:txBody>
+          <a:bodyPr rtlCol="0" anchor="ctr"/>
+          <a:lstStyle/>
+          <a:p>
+            <a:pPr algn="ctr"/>
+            <a:endParaRPr lang="en-US"/>
+          </a:p>
+        </p:txBody>
+      </p:sp>
+      <p:sp>
+        <p:nvSpPr>
+          <p:cNvPr id="9" name="Rectangle 8"/>
+          <p:cNvSpPr/>
+          <p:nvPr/>
+        </p:nvSpPr>
+        <p:spPr>
+          <a:xfrm>
+            <a:off x="1093693" y="3455892"/>
+            <a:ext cx="4799684" cy="1187826"/>
+          </a:xfrm>
+          <a:prstGeom prst="rect">
+            <a:avLst/>
+          </a:prstGeom>
+          <a:solidFill>
+            <a:schemeClr val="accent1">
+              <a:lumMod val="20000"/>
+              <a:lumOff val="80000"/>
+            </a:schemeClr>
+          </a:solidFill>
+          <a:ln>
+            <a:solidFill>
+              <a:schemeClr val="tx1"/>
+            </a:solidFill>
+          </a:ln>
+        </p:spPr>
+        <p:style>
+          <a:lnRef idx="2">
+            <a:schemeClr val="accent1">
+              <a:shade val="50000"/>
+            </a:schemeClr>
+          </a:lnRef>
+          <a:fillRef idx="1">
+            <a:schemeClr val="accent1"/>
+          </a:fillRef>
+          <a:effectRef idx="0">
+            <a:schemeClr val="accent1"/>
+          </a:effectRef>
+          <a:fontRef idx="minor">
+            <a:schemeClr val="lt1"/>
+          </a:fontRef>
+        </p:style>
+        <p:txBody>
+          <a:bodyPr rtlCol="0" anchor="ctr"/>
+          <a:lstStyle/>
+          <a:p>
+            <a:pPr algn="ctr"/>
+            <a:endParaRPr lang="en-US"/>
+          </a:p>
+        </p:txBody>
+      </p:sp>
+      <p:sp>
+        <p:nvSpPr>
+          <p:cNvPr id="10" name="Rectangle 9"/>
+          <p:cNvSpPr/>
+          <p:nvPr/>
+        </p:nvSpPr>
+        <p:spPr>
+          <a:xfrm>
+            <a:off x="5893377" y="3455892"/>
+            <a:ext cx="4799684" cy="1187826"/>
+          </a:xfrm>
+          <a:prstGeom prst="rect">
+            <a:avLst/>
+          </a:prstGeom>
+          <a:solidFill>
+            <a:schemeClr val="accent1">
+              <a:lumMod val="20000"/>
+              <a:lumOff val="80000"/>
+            </a:schemeClr>
+          </a:solidFill>
+          <a:ln>
+            <a:solidFill>
+              <a:schemeClr val="tx1"/>
+            </a:solidFill>
+          </a:ln>
+        </p:spPr>
+        <p:style>
+          <a:lnRef idx="2">
+            <a:schemeClr val="accent1">
+              <a:shade val="50000"/>
+            </a:schemeClr>
+          </a:lnRef>
+          <a:fillRef idx="1">
+            <a:schemeClr val="accent1"/>
+          </a:fillRef>
+          <a:effectRef idx="0">
+            <a:schemeClr val="accent1"/>
+          </a:effectRef>
+          <a:fontRef idx="minor">
+            <a:schemeClr val="lt1"/>
+          </a:fontRef>
+        </p:style>
+        <p:txBody>
+          <a:bodyPr rtlCol="0" anchor="ctr"/>
+          <a:lstStyle/>
+          <a:p>
+            <a:pPr algn="ctr"/>
+            <a:endParaRPr lang="en-US"/>
+          </a:p>
+        </p:txBody>
+      </p:sp>
+      <p:sp>
+        <p:nvSpPr>
+          <p:cNvPr id="11" name="Rectangle 10"/>
+          <p:cNvSpPr/>
+          <p:nvPr/>
+        </p:nvSpPr>
+        <p:spPr>
+          <a:xfrm>
+            <a:off x="1093693" y="4643718"/>
+            <a:ext cx="4799684" cy="808007"/>
+          </a:xfrm>
+          <a:prstGeom prst="rect">
+            <a:avLst/>
+          </a:prstGeom>
+          <a:solidFill>
+            <a:schemeClr val="accent1">
+              <a:lumMod val="20000"/>
+              <a:lumOff val="80000"/>
+            </a:schemeClr>
+          </a:solidFill>
+          <a:ln>
+            <a:solidFill>
+              <a:schemeClr val="tx1"/>
+            </a:solidFill>
+          </a:ln>
+        </p:spPr>
+        <p:style>
+          <a:lnRef idx="2">
+            <a:schemeClr val="accent1">
+              <a:shade val="50000"/>
+            </a:schemeClr>
+          </a:lnRef>
+          <a:fillRef idx="1">
+            <a:schemeClr val="accent1"/>
+          </a:fillRef>
+          <a:effectRef idx="0">
+            <a:schemeClr val="accent1"/>
+          </a:effectRef>
+          <a:fontRef idx="minor">
+            <a:schemeClr val="lt1"/>
+          </a:fontRef>
+        </p:style>
+        <p:txBody>
+          <a:bodyPr rtlCol="0" anchor="ctr"/>
+          <a:lstStyle/>
+          <a:p>
+            <a:pPr algn="ctr"/>
+            <a:endParaRPr lang="en-US"/>
+          </a:p>
+        </p:txBody>
+      </p:sp>
+      <p:sp>
+        <p:nvSpPr>
+          <p:cNvPr id="12" name="Rectangle 11"/>
+          <p:cNvSpPr/>
+          <p:nvPr/>
+        </p:nvSpPr>
+        <p:spPr>
+          <a:xfrm>
+            <a:off x="5893377" y="4643717"/>
+            <a:ext cx="4799684" cy="808007"/>
+          </a:xfrm>
+          <a:prstGeom prst="rect">
+            <a:avLst/>
+          </a:prstGeom>
+          <a:solidFill>
+            <a:schemeClr val="accent1">
+              <a:lumMod val="20000"/>
+              <a:lumOff val="80000"/>
+            </a:schemeClr>
+          </a:solidFill>
+          <a:ln>
+            <a:solidFill>
+              <a:schemeClr val="tx1"/>
+            </a:solidFill>
+          </a:ln>
+        </p:spPr>
+        <p:style>
+          <a:lnRef idx="2">
+            <a:schemeClr val="accent1">
+              <a:shade val="50000"/>
+            </a:schemeClr>
+          </a:lnRef>
+          <a:fillRef idx="1">
+            <a:schemeClr val="accent1"/>
+          </a:fillRef>
+          <a:effectRef idx="0">
+            <a:schemeClr val="accent1"/>
+          </a:effectRef>
+          <a:fontRef idx="minor">
+            <a:schemeClr val="lt1"/>
+          </a:fontRef>
+        </p:style>
+        <p:txBody>
+          <a:bodyPr rtlCol="0" anchor="ctr"/>
+          <a:lstStyle/>
+          <a:p>
+            <a:pPr algn="ctr"/>
+            <a:endParaRPr lang="en-US"/>
+          </a:p>
+        </p:txBody>
+      </p:sp>
+      <p:sp>
+        <p:nvSpPr>
+          <p:cNvPr id="13" name="Rectangle 12"/>
+          <p:cNvSpPr/>
+          <p:nvPr/>
+        </p:nvSpPr>
+        <p:spPr>
+          <a:xfrm>
+            <a:off x="1080245" y="5451724"/>
+            <a:ext cx="4799684" cy="1214719"/>
+          </a:xfrm>
+          <a:prstGeom prst="rect">
+            <a:avLst/>
+          </a:prstGeom>
+          <a:solidFill>
+            <a:schemeClr val="accent1">
+              <a:lumMod val="20000"/>
+              <a:lumOff val="80000"/>
+            </a:schemeClr>
+          </a:solidFill>
+          <a:ln>
+            <a:solidFill>
+              <a:schemeClr val="tx1"/>
+            </a:solidFill>
+          </a:ln>
+        </p:spPr>
+        <p:style>
+          <a:lnRef idx="2">
+            <a:schemeClr val="accent1">
+              <a:shade val="50000"/>
+            </a:schemeClr>
+          </a:lnRef>
+          <a:fillRef idx="1">
+            <a:schemeClr val="accent1"/>
+          </a:fillRef>
+          <a:effectRef idx="0">
+            <a:schemeClr val="accent1"/>
+          </a:effectRef>
+          <a:fontRef idx="minor">
+            <a:schemeClr val="lt1"/>
+          </a:fontRef>
+        </p:style>
+        <p:txBody>
+          <a:bodyPr rtlCol="0" anchor="ctr"/>
+          <a:lstStyle/>
+          <a:p>
+            <a:pPr algn="ctr"/>
+            <a:endParaRPr lang="en-US"/>
+          </a:p>
+        </p:txBody>
+      </p:sp>
+      <p:sp>
+        <p:nvSpPr>
+          <p:cNvPr id="15" name="Rectangle 14"/>
+          <p:cNvSpPr/>
+          <p:nvPr/>
+        </p:nvSpPr>
+        <p:spPr>
+          <a:xfrm>
+            <a:off x="5879929" y="5451724"/>
+            <a:ext cx="4799684" cy="1214719"/>
+          </a:xfrm>
+          <a:prstGeom prst="rect">
+            <a:avLst/>
+          </a:prstGeom>
+          <a:solidFill>
+            <a:schemeClr val="accent1">
+              <a:lumMod val="20000"/>
+              <a:lumOff val="80000"/>
+            </a:schemeClr>
+          </a:solidFill>
+          <a:ln>
+            <a:solidFill>
+              <a:schemeClr val="tx1"/>
+            </a:solidFill>
+          </a:ln>
+        </p:spPr>
+        <p:style>
+          <a:lnRef idx="2">
+            <a:schemeClr val="accent1">
+              <a:shade val="50000"/>
+            </a:schemeClr>
+          </a:lnRef>
+          <a:fillRef idx="1">
+            <a:schemeClr val="accent1"/>
+          </a:fillRef>
+          <a:effectRef idx="0">
+            <a:schemeClr val="accent1"/>
+          </a:effectRef>
+          <a:fontRef idx="minor">
+            <a:schemeClr val="lt1"/>
+          </a:fontRef>
+        </p:style>
+        <p:txBody>
+          <a:bodyPr rtlCol="0" anchor="ctr"/>
+          <a:lstStyle/>
+          <a:p>
+            <a:pPr algn="ctr"/>
+            <a:endParaRPr lang="en-US"/>
+          </a:p>
+        </p:txBody>
+      </p:sp>
+    </p:spTree>
+    <p:extLst>
+      <p:ext uri="{BB962C8B-B14F-4D97-AF65-F5344CB8AC3E}">
+        <p14:creationId xmlns:p14="http://schemas.microsoft.com/office/powerpoint/2010/main" val="21914927"/>
+      </p:ext>
+    </p:extLst>
+  </p:cSld>
+  <p:clrMapOvr>
+    <a:overrideClrMapping bg1="dk1" tx1="lt1" bg2="dk2" tx2="lt2" accent1="accent1" accent2="accent2" accent3="accent3" accent4="accent4" accent5="accent5" accent6="accent6" hlink="hlink" folHlink="folHlink"/>
+  </p:clrMapOvr>
+  <p:timing>
+    <p:tnLst>
+      <p:par>
+        <p:cTn id="1" dur="indefinite" restart="never" nodeType="tmRoot">
+          <p:childTnLst>
+            <p:seq concurrent="1" nextAc="seek">
+              <p:cTn id="2" dur="indefinite" nodeType="mainSeq">
+                <p:childTnLst>
+                  <p:par>
+                    <p:cTn id="3" fill="hold">
+                      <p:stCondLst>
+                        <p:cond delay="indefinite"/>
+                      </p:stCondLst>
+                      <p:childTnLst>
+                        <p:par>
+                          <p:cTn id="4" fill="hold">
+                            <p:stCondLst>
+                              <p:cond delay="0"/>
+                            </p:stCondLst>
+                            <p:childTnLst>
+                              <p:par>
+                                <p:cTn id="5" presetID="10" presetClass="exit" presetSubtype="0" fill="hold" grpId="0" nodeType="clickEffect">
+                                  <p:stCondLst>
+                                    <p:cond delay="0"/>
+                                  </p:stCondLst>
+                                  <p:childTnLst>
+                                    <p:animEffect transition="out" filter="fade">
+                                      <p:cBhvr>
+                                        <p:cTn id="6" dur="500"/>
+                                        <p:tgtEl>
+                                          <p:spTgt spid="3"/>
+                                        </p:tgtEl>
+                                      </p:cBhvr>
+                                    </p:animEffect>
+                                    <p:set>
+                                      <p:cBhvr>
+                                        <p:cTn id="7" dur="1" fill="hold">
+                                          <p:stCondLst>
+                                            <p:cond delay="499"/>
+                                          </p:stCondLst>
+                                        </p:cTn>
+                                        <p:tgtEl>
+                                          <p:spTgt spid="3"/>
+                                        </p:tgtEl>
+                                        <p:attrNameLst>
+                                          <p:attrName>style.visibility</p:attrName>
+                                        </p:attrNameLst>
+                                      </p:cBhvr>
+                                      <p:to>
+                                        <p:strVal val="hidden"/>
+                                      </p:to>
+                                    </p:set>
+                                  </p:childTnLst>
+                                </p:cTn>
+                              </p:par>
+                              <p:par>
+                                <p:cTn id="8" presetID="10" presetClass="exit" presetSubtype="0" fill="hold" grpId="0" nodeType="withEffect">
+                                  <p:stCondLst>
+                                    <p:cond delay="0"/>
+                                  </p:stCondLst>
+                                  <p:childTnLst>
+                                    <p:animEffect transition="out" filter="fade">
+                                      <p:cBhvr>
+                                        <p:cTn id="9" dur="500"/>
+                                        <p:tgtEl>
+                                          <p:spTgt spid="8"/>
+                                        </p:tgtEl>
+                                      </p:cBhvr>
+                                    </p:animEffect>
+                                    <p:set>
+                                      <p:cBhvr>
+                                        <p:cTn id="10" dur="1" fill="hold">
+                                          <p:stCondLst>
+                                            <p:cond delay="499"/>
+                                          </p:stCondLst>
+                                        </p:cTn>
+                                        <p:tgtEl>
+                                          <p:spTgt spid="8"/>
+                                        </p:tgtEl>
+                                        <p:attrNameLst>
+                                          <p:attrName>style.visibility</p:attrName>
+                                        </p:attrNameLst>
+                                      </p:cBhvr>
+                                      <p:to>
+                                        <p:strVal val="hidden"/>
+                                      </p:to>
+                                    </p:set>
+                                  </p:childTnLst>
+                                </p:cTn>
+                              </p:par>
+                            </p:childTnLst>
+                          </p:cTn>
+                        </p:par>
+                      </p:childTnLst>
+                    </p:cTn>
+                  </p:par>
+                  <p:par>
+                    <p:cTn id="11" fill="hold">
+                      <p:stCondLst>
+                        <p:cond delay="indefinite"/>
+                      </p:stCondLst>
+                      <p:childTnLst>
+                        <p:par>
+                          <p:cTn id="12" fill="hold">
+                            <p:stCondLst>
+                              <p:cond delay="0"/>
+                            </p:stCondLst>
+                            <p:childTnLst>
+                              <p:par>
+                                <p:cTn id="13" presetID="10" presetClass="exit" presetSubtype="0" fill="hold" grpId="0" nodeType="clickEffect">
+                                  <p:stCondLst>
+                                    <p:cond delay="0"/>
+                                  </p:stCondLst>
+                                  <p:childTnLst>
+                                    <p:animEffect transition="out" filter="fade">
+                                      <p:cBhvr>
+                                        <p:cTn id="14" dur="500"/>
+                                        <p:tgtEl>
+                                          <p:spTgt spid="9"/>
+                                        </p:tgtEl>
+                                      </p:cBhvr>
+                                    </p:animEffect>
+                                    <p:set>
+                                      <p:cBhvr>
+                                        <p:cTn id="15" dur="1" fill="hold">
+                                          <p:stCondLst>
+                                            <p:cond delay="499"/>
+                                          </p:stCondLst>
+                                        </p:cTn>
+                                        <p:tgtEl>
+                                          <p:spTgt spid="9"/>
+                                        </p:tgtEl>
+                                        <p:attrNameLst>
+                                          <p:attrName>style.visibility</p:attrName>
+                                        </p:attrNameLst>
+                                      </p:cBhvr>
+                                      <p:to>
+                                        <p:strVal val="hidden"/>
+                                      </p:to>
+                                    </p:set>
+                                  </p:childTnLst>
+                                </p:cTn>
+                              </p:par>
+                              <p:par>
+                                <p:cTn id="16" presetID="10" presetClass="exit" presetSubtype="0" fill="hold" grpId="0" nodeType="withEffect">
+                                  <p:stCondLst>
+                                    <p:cond delay="0"/>
+                                  </p:stCondLst>
+                                  <p:childTnLst>
+                                    <p:animEffect transition="out" filter="fade">
+                                      <p:cBhvr>
+                                        <p:cTn id="17" dur="500"/>
+                                        <p:tgtEl>
+                                          <p:spTgt spid="10"/>
+                                        </p:tgtEl>
+                                      </p:cBhvr>
+                                    </p:animEffect>
+                                    <p:set>
+                                      <p:cBhvr>
+                                        <p:cTn id="18" dur="1" fill="hold">
+                                          <p:stCondLst>
+                                            <p:cond delay="499"/>
+                                          </p:stCondLst>
+                                        </p:cTn>
+                                        <p:tgtEl>
+                                          <p:spTgt spid="10"/>
+                                        </p:tgtEl>
+                                        <p:attrNameLst>
+                                          <p:attrName>style.visibility</p:attrName>
+                                        </p:attrNameLst>
+                                      </p:cBhvr>
+                                      <p:to>
+                                        <p:strVal val="hidden"/>
+                                      </p:to>
+                                    </p:set>
+                                  </p:childTnLst>
+                                </p:cTn>
+                              </p:par>
+                            </p:childTnLst>
+                          </p:cTn>
+                        </p:par>
+                      </p:childTnLst>
+                    </p:cTn>
+                  </p:par>
+                  <p:par>
+                    <p:cTn id="19" fill="hold">
+                      <p:stCondLst>
+                        <p:cond delay="indefinite"/>
+                      </p:stCondLst>
+                      <p:childTnLst>
+                        <p:par>
+                          <p:cTn id="20" fill="hold">
+                            <p:stCondLst>
+                              <p:cond delay="0"/>
+                            </p:stCondLst>
+                            <p:childTnLst>
+                              <p:par>
+                                <p:cTn id="21" presetID="10" presetClass="exit" presetSubtype="0" fill="hold" grpId="0" nodeType="clickEffect">
+                                  <p:stCondLst>
+                                    <p:cond delay="0"/>
+                                  </p:stCondLst>
+                                  <p:childTnLst>
+                                    <p:animEffect transition="out" filter="fade">
+                                      <p:cBhvr>
+                                        <p:cTn id="22" dur="500"/>
+                                        <p:tgtEl>
+                                          <p:spTgt spid="11"/>
+                                        </p:tgtEl>
+                                      </p:cBhvr>
+                                    </p:animEffect>
+                                    <p:set>
+                                      <p:cBhvr>
+                                        <p:cTn id="23" dur="1" fill="hold">
+                                          <p:stCondLst>
+                                            <p:cond delay="499"/>
+                                          </p:stCondLst>
+                                        </p:cTn>
+                                        <p:tgtEl>
+                                          <p:spTgt spid="11"/>
+                                        </p:tgtEl>
+                                        <p:attrNameLst>
+                                          <p:attrName>style.visibility</p:attrName>
+                                        </p:attrNameLst>
+                                      </p:cBhvr>
+                                      <p:to>
+                                        <p:strVal val="hidden"/>
+                                      </p:to>
+                                    </p:set>
+                                  </p:childTnLst>
+                                </p:cTn>
+                              </p:par>
+                              <p:par>
+                                <p:cTn id="24" presetID="10" presetClass="exit" presetSubtype="0" fill="hold" grpId="0" nodeType="withEffect">
+                                  <p:stCondLst>
+                                    <p:cond delay="0"/>
+                                  </p:stCondLst>
+                                  <p:childTnLst>
+                                    <p:animEffect transition="out" filter="fade">
+                                      <p:cBhvr>
+                                        <p:cTn id="25" dur="500"/>
+                                        <p:tgtEl>
+                                          <p:spTgt spid="12"/>
+                                        </p:tgtEl>
+                                      </p:cBhvr>
+                                    </p:animEffect>
+                                    <p:set>
+                                      <p:cBhvr>
+                                        <p:cTn id="26" dur="1" fill="hold">
+                                          <p:stCondLst>
+                                            <p:cond delay="499"/>
+                                          </p:stCondLst>
+                                        </p:cTn>
+                                        <p:tgtEl>
+                                          <p:spTgt spid="12"/>
+                                        </p:tgtEl>
+                                        <p:attrNameLst>
+                                          <p:attrName>style.visibility</p:attrName>
+                                        </p:attrNameLst>
+                                      </p:cBhvr>
+                                      <p:to>
+                                        <p:strVal val="hidden"/>
+                                      </p:to>
+                                    </p:set>
+                                  </p:childTnLst>
+                                </p:cTn>
+                              </p:par>
+                            </p:childTnLst>
+                          </p:cTn>
+                        </p:par>
+                      </p:childTnLst>
+                    </p:cTn>
+                  </p:par>
+                  <p:par>
+                    <p:cTn id="27" fill="hold">
+                      <p:stCondLst>
+                        <p:cond delay="indefinite"/>
+                      </p:stCondLst>
+                      <p:childTnLst>
+                        <p:par>
+                          <p:cTn id="28" fill="hold">
+                            <p:stCondLst>
+                              <p:cond delay="0"/>
+                            </p:stCondLst>
+                            <p:childTnLst>
+                              <p:par>
+                                <p:cTn id="29" presetID="10" presetClass="exit" presetSubtype="0" fill="hold" grpId="0" nodeType="clickEffect">
+                                  <p:stCondLst>
+                                    <p:cond delay="0"/>
+                                  </p:stCondLst>
+                                  <p:childTnLst>
+                                    <p:animEffect transition="out" filter="fade">
+                                      <p:cBhvr>
+                                        <p:cTn id="30" dur="500"/>
+                                        <p:tgtEl>
+                                          <p:spTgt spid="13"/>
+                                        </p:tgtEl>
+                                      </p:cBhvr>
+                                    </p:animEffect>
+                                    <p:set>
+                                      <p:cBhvr>
+                                        <p:cTn id="31" dur="1" fill="hold">
+                                          <p:stCondLst>
+                                            <p:cond delay="499"/>
+                                          </p:stCondLst>
+                                        </p:cTn>
+                                        <p:tgtEl>
+                                          <p:spTgt spid="13"/>
+                                        </p:tgtEl>
+                                        <p:attrNameLst>
+                                          <p:attrName>style.visibility</p:attrName>
+                                        </p:attrNameLst>
+                                      </p:cBhvr>
+                                      <p:to>
+                                        <p:strVal val="hidden"/>
+                                      </p:to>
+                                    </p:set>
+                                  </p:childTnLst>
+                                </p:cTn>
+                              </p:par>
+                              <p:par>
+                                <p:cTn id="32" presetID="10" presetClass="exit" presetSubtype="0" fill="hold" grpId="0" nodeType="withEffect">
+                                  <p:stCondLst>
+                                    <p:cond delay="0"/>
+                                  </p:stCondLst>
+                                  <p:childTnLst>
+                                    <p:animEffect transition="out" filter="fade">
+                                      <p:cBhvr>
+                                        <p:cTn id="33" dur="500"/>
+                                        <p:tgtEl>
+                                          <p:spTgt spid="15"/>
+                                        </p:tgtEl>
+                                      </p:cBhvr>
+                                    </p:animEffect>
+                                    <p:set>
+                                      <p:cBhvr>
+                                        <p:cTn id="34" dur="1" fill="hold">
+                                          <p:stCondLst>
+                                            <p:cond delay="499"/>
+                                          </p:stCondLst>
+                                        </p:cTn>
+                                        <p:tgtEl>
+                                          <p:spTgt spid="15"/>
+                                        </p:tgtEl>
+                                        <p:attrNameLst>
+                                          <p:attrName>style.visibility</p:attrName>
+                                        </p:attrNameLst>
+                                      </p:cBhvr>
+                                      <p:to>
+                                        <p:strVal val="hidden"/>
+                                      </p:to>
+                                    </p:set>
+                                  </p:childTnLst>
+                                </p:cTn>
+                              </p:par>
+                            </p:childTnLst>
+                          </p:cTn>
+                        </p:par>
+                      </p:childTnLst>
+                    </p:cTn>
+                  </p:par>
+                </p:childTnLst>
+              </p:cTn>
+              <p:prevCondLst>
+                <p:cond evt="onPrev" delay="0">
+                  <p:tgtEl>
+                    <p:sldTgt/>
+                  </p:tgtEl>
+                </p:cond>
+              </p:prevCondLst>
+              <p:nextCondLst>
+                <p:cond evt="onNext" delay="0">
+                  <p:tgtEl>
+                    <p:sldTgt/>
+                  </p:tgtEl>
+                </p:cond>
+              </p:nextCondLst>
+            </p:seq>
+          </p:childTnLst>
+        </p:cTn>
+      </p:par>
+    </p:tnLst>
+    <p:bldLst>
+      <p:bldP spid="3" grpId="0" animBg="1"/>
+      <p:bldP spid="8" grpId="0" animBg="1"/>
+      <p:bldP spid="9" grpId="0" animBg="1"/>
+      <p:bldP spid="10" grpId="0" animBg="1"/>
+      <p:bldP spid="11" grpId="0" animBg="1"/>
+      <p:bldP spid="12" grpId="0" animBg="1"/>
+      <p:bldP spid="13" grpId="0" animBg="1"/>
+      <p:bldP spid="15" grpId="0" animBg="1"/>
+    </p:bldLst>
+  </p:timing>
+</p:sld>
+</file>
+
+<file path=ppt/slides/slide12.xml><?xml version="1.0" encoding="utf-8"?>
 <p:sld xmlns:a="http://schemas.openxmlformats.org/drawingml/2006/main" xmlns:r="http://schemas.openxmlformats.org/officeDocument/2006/relationships" xmlns:p="http://schemas.openxmlformats.org/presentationml/2006/main">
   <p:cSld>
     <p:bg>
@@ -8252,10 +11064,10 @@
           <p:cNvPr id="23" name="Rectangle 22">
             <a:extLst>
               <a:ext uri="{FF2B5EF4-FFF2-40B4-BE49-F238E27FC236}">
-                <a16:creationId xmlns:a16="http://schemas.microsoft.com/office/drawing/2014/main" id="{56C20283-73E0-40EC-8AD8-057F581F64C2}"/>
+                <a16:creationId xmlns:a16="http://schemas.microsoft.com/office/drawing/2014/main" xmlns="" id="{56C20283-73E0-40EC-8AD8-057F581F64C2}"/>
               </a:ext>
               <a:ext uri="{C183D7F6-B498-43B3-948B-1728B52AA6E4}">
-                <adec:decorative xmlns:adec="http://schemas.microsoft.com/office/drawing/2017/decorative" val="1"/>
+                <adec:decorative xmlns:adec="http://schemas.microsoft.com/office/drawing/2017/decorative" xmlns="" val="1"/>
               </a:ext>
             </a:extLst>
           </p:cNvPr>
@@ -8265,7 +11077,7 @@
           <p:nvPr>
             <p:extLst>
               <p:ext uri="{386F3935-93C4-4BCD-93E2-E3B085C9AB24}">
-                <p16:designElem xmlns:p16="http://schemas.microsoft.com/office/powerpoint/2015/main" val="1"/>
+                <p16:designElem xmlns:p16="http://schemas.microsoft.com/office/powerpoint/2015/main" xmlns="" val="1"/>
               </p:ext>
             </p:extLst>
           </p:nvPr>
@@ -8315,10 +11127,10 @@
           <p:cNvPr id="25" name="Freeform 28">
             <a:extLst>
               <a:ext uri="{FF2B5EF4-FFF2-40B4-BE49-F238E27FC236}">
-                <a16:creationId xmlns:a16="http://schemas.microsoft.com/office/drawing/2014/main" id="{3FCC729B-E528-40C3-82D3-BA4375575E87}"/>
+                <a16:creationId xmlns:a16="http://schemas.microsoft.com/office/drawing/2014/main" xmlns="" id="{3FCC729B-E528-40C3-82D3-BA4375575E87}"/>
               </a:ext>
               <a:ext uri="{C183D7F6-B498-43B3-948B-1728B52AA6E4}">
-                <adec:decorative xmlns:adec="http://schemas.microsoft.com/office/drawing/2017/decorative" val="1"/>
+                <adec:decorative xmlns:adec="http://schemas.microsoft.com/office/drawing/2017/decorative" xmlns="" val="1"/>
               </a:ext>
             </a:extLst>
           </p:cNvPr>
@@ -8328,7 +11140,7 @@
           <p:nvPr>
             <p:extLst>
               <p:ext uri="{386F3935-93C4-4BCD-93E2-E3B085C9AB24}">
-                <p16:designElem xmlns:p16="http://schemas.microsoft.com/office/powerpoint/2015/main" val="1"/>
+                <p16:designElem xmlns:p16="http://schemas.microsoft.com/office/powerpoint/2015/main" xmlns="" val="1"/>
               </p:ext>
             </p:extLst>
           </p:nvPr>
@@ -8427,10 +11239,10 @@
           <p:cNvPr id="27" name="Freeform 26">
             <a:extLst>
               <a:ext uri="{FF2B5EF4-FFF2-40B4-BE49-F238E27FC236}">
-                <a16:creationId xmlns:a16="http://schemas.microsoft.com/office/drawing/2014/main" id="{58F1FB8D-1842-4A04-998D-6CF047AB2790}"/>
+                <a16:creationId xmlns:a16="http://schemas.microsoft.com/office/drawing/2014/main" xmlns="" id="{58F1FB8D-1842-4A04-998D-6CF047AB2790}"/>
               </a:ext>
               <a:ext uri="{C183D7F6-B498-43B3-948B-1728B52AA6E4}">
-                <adec:decorative xmlns:adec="http://schemas.microsoft.com/office/drawing/2017/decorative" val="1"/>
+                <adec:decorative xmlns:adec="http://schemas.microsoft.com/office/drawing/2017/decorative" xmlns="" val="1"/>
               </a:ext>
             </a:extLst>
           </p:cNvPr>
@@ -8440,7 +11252,7 @@
           <p:nvPr>
             <p:extLst>
               <p:ext uri="{386F3935-93C4-4BCD-93E2-E3B085C9AB24}">
-                <p16:designElem xmlns:p16="http://schemas.microsoft.com/office/powerpoint/2015/main" val="1"/>
+                <p16:designElem xmlns:p16="http://schemas.microsoft.com/office/powerpoint/2015/main" xmlns="" val="1"/>
               </p:ext>
             </p:extLst>
           </p:nvPr>
@@ -8538,7 +11350,7 @@
           <p:cNvPr id="13" name="Graphic 12" descr="Head with Gears">
             <a:extLst>
               <a:ext uri="{FF2B5EF4-FFF2-40B4-BE49-F238E27FC236}">
-                <a16:creationId xmlns:a16="http://schemas.microsoft.com/office/drawing/2014/main" id="{978E664A-2135-4FE3-92AF-8B9603AC4E79}"/>
+                <a16:creationId xmlns:a16="http://schemas.microsoft.com/office/drawing/2014/main" xmlns="" id="{978E664A-2135-4FE3-92AF-8B9603AC4E79}"/>
               </a:ext>
             </a:extLst>
           </p:cNvPr>
@@ -8554,7 +11366,7 @@
                 <a14:useLocalDpi xmlns:a14="http://schemas.microsoft.com/office/drawing/2010/main" val="0"/>
               </a:ext>
               <a:ext uri="{96DAC541-7B7A-43D3-8B79-37D633B846F1}">
-                <asvg:svgBlip xmlns:asvg="http://schemas.microsoft.com/office/drawing/2016/SVG/main" r:embed="rId3"/>
+                <asvg:svgBlip xmlns:asvg="http://schemas.microsoft.com/office/drawing/2016/SVG/main" xmlns="" r:embed="rId3"/>
               </a:ext>
             </a:extLst>
           </a:blip>
@@ -8665,10 +11477,17 @@
   <p:clrMapOvr>
     <a:overrideClrMapping bg1="dk1" tx1="lt1" bg2="dk2" tx2="lt2" accent1="accent1" accent2="accent2" accent3="accent3" accent4="accent4" accent5="accent5" accent6="accent6" hlink="hlink" folHlink="folHlink"/>
   </p:clrMapOvr>
+  <p:timing>
+    <p:tnLst>
+      <p:par>
+        <p:cTn id="1" dur="indefinite" restart="never" nodeType="tmRoot"/>
+      </p:par>
+    </p:tnLst>
+  </p:timing>
 </p:sld>
 </file>
 
-<file path=ppt/slides/slide11.xml><?xml version="1.0" encoding="utf-8"?>
+<file path=ppt/slides/slide13.xml><?xml version="1.0" encoding="utf-8"?>
 <p:sld xmlns:a="http://schemas.openxmlformats.org/drawingml/2006/main" xmlns:r="http://schemas.openxmlformats.org/officeDocument/2006/relationships" xmlns:p="http://schemas.openxmlformats.org/presentationml/2006/main">
   <p:cSld>
     <p:bg>
@@ -8698,7 +11517,7 @@
           <p:cNvPr id="1028" name="Picture 4" descr="Image result for thank you logo">
             <a:extLst>
               <a:ext uri="{FF2B5EF4-FFF2-40B4-BE49-F238E27FC236}">
-                <a16:creationId xmlns:a16="http://schemas.microsoft.com/office/drawing/2014/main" id="{C92C88EE-7F0E-4008-9DF5-2ECD2FFFA9F7}"/>
+                <a16:creationId xmlns:a16="http://schemas.microsoft.com/office/drawing/2014/main" xmlns="" id="{C92C88EE-7F0E-4008-9DF5-2ECD2FFFA9F7}"/>
               </a:ext>
             </a:extLst>
           </p:cNvPr>
@@ -8745,10 +11564,10 @@
           <p:cNvPr id="73" name="Straight Connector 72">
             <a:extLst>
               <a:ext uri="{FF2B5EF4-FFF2-40B4-BE49-F238E27FC236}">
-                <a16:creationId xmlns:a16="http://schemas.microsoft.com/office/drawing/2014/main" id="{1C6AAE25-BD23-41B5-AAE4-1DA5898C2ADB}"/>
+                <a16:creationId xmlns:a16="http://schemas.microsoft.com/office/drawing/2014/main" xmlns="" id="{1C6AAE25-BD23-41B5-AAE4-1DA5898C2ADB}"/>
               </a:ext>
               <a:ext uri="{C183D7F6-B498-43B3-948B-1728B52AA6E4}">
-                <adec:decorative xmlns:adec="http://schemas.microsoft.com/office/drawing/2017/decorative" val="1"/>
+                <adec:decorative xmlns:adec="http://schemas.microsoft.com/office/drawing/2017/decorative" xmlns="" val="1"/>
               </a:ext>
             </a:extLst>
           </p:cNvPr>
@@ -8758,7 +11577,7 @@
           <p:nvPr>
             <p:extLst>
               <p:ext uri="{386F3935-93C4-4BCD-93E2-E3B085C9AB24}">
-                <p16:designElem xmlns:p16="http://schemas.microsoft.com/office/powerpoint/2015/main" val="1"/>
+                <p16:designElem xmlns:p16="http://schemas.microsoft.com/office/powerpoint/2015/main" xmlns="" val="1"/>
               </p:ext>
             </p:extLst>
           </p:nvPr>
@@ -8797,7 +11616,7 @@
           <p:cNvPr id="1026" name="Picture 2" descr="Image result for new paltz logo">
             <a:extLst>
               <a:ext uri="{FF2B5EF4-FFF2-40B4-BE49-F238E27FC236}">
-                <a16:creationId xmlns:a16="http://schemas.microsoft.com/office/drawing/2014/main" id="{8A4613D5-A20B-4C44-905E-B6C7EA928853}"/>
+                <a16:creationId xmlns:a16="http://schemas.microsoft.com/office/drawing/2014/main" xmlns="" id="{8A4613D5-A20B-4C44-905E-B6C7EA928853}"/>
               </a:ext>
             </a:extLst>
           </p:cNvPr>
@@ -8849,6 +11668,13 @@
   <p:clrMapOvr>
     <a:masterClrMapping/>
   </p:clrMapOvr>
+  <p:timing>
+    <p:tnLst>
+      <p:par>
+        <p:cTn id="1" dur="indefinite" restart="never" nodeType="tmRoot"/>
+      </p:par>
+    </p:tnLst>
+  </p:timing>
 </p:sld>
 </file>
 
@@ -8882,10 +11708,10 @@
           <p:cNvPr id="139" name="Rectangle 138">
             <a:extLst>
               <a:ext uri="{FF2B5EF4-FFF2-40B4-BE49-F238E27FC236}">
-                <a16:creationId xmlns:a16="http://schemas.microsoft.com/office/drawing/2014/main" id="{AFA67CD3-AB4E-4A7A-BEB8-53C445D8C44E}"/>
+                <a16:creationId xmlns:a16="http://schemas.microsoft.com/office/drawing/2014/main" xmlns="" id="{AFA67CD3-AB4E-4A7A-BEB8-53C445D8C44E}"/>
               </a:ext>
               <a:ext uri="{C183D7F6-B498-43B3-948B-1728B52AA6E4}">
-                <adec:decorative xmlns:adec="http://schemas.microsoft.com/office/drawing/2017/decorative" val="1"/>
+                <adec:decorative xmlns:adec="http://schemas.microsoft.com/office/drawing/2017/decorative" xmlns="" val="1"/>
               </a:ext>
             </a:extLst>
           </p:cNvPr>
@@ -8895,7 +11721,7 @@
           <p:nvPr>
             <p:extLst>
               <p:ext uri="{386F3935-93C4-4BCD-93E2-E3B085C9AB24}">
-                <p16:designElem xmlns:p16="http://schemas.microsoft.com/office/powerpoint/2015/main" val="1"/>
+                <p16:designElem xmlns:p16="http://schemas.microsoft.com/office/powerpoint/2015/main" xmlns="" val="1"/>
               </p:ext>
             </p:extLst>
           </p:nvPr>
@@ -8968,10 +11794,10 @@
           <p:cNvPr id="141" name="Picture 140">
             <a:extLst>
               <a:ext uri="{FF2B5EF4-FFF2-40B4-BE49-F238E27FC236}">
-                <a16:creationId xmlns:a16="http://schemas.microsoft.com/office/drawing/2014/main" id="{07CF545F-9C2E-4446-97CD-AD92990C2B68}"/>
+                <a16:creationId xmlns:a16="http://schemas.microsoft.com/office/drawing/2014/main" xmlns="" id="{07CF545F-9C2E-4446-97CD-AD92990C2B68}"/>
               </a:ext>
               <a:ext uri="{C183D7F6-B498-43B3-948B-1728B52AA6E4}">
-                <adec:decorative xmlns:adec="http://schemas.microsoft.com/office/drawing/2017/decorative" val="1"/>
+                <adec:decorative xmlns:adec="http://schemas.microsoft.com/office/drawing/2017/decorative" xmlns="" val="1"/>
               </a:ext>
             </a:extLst>
           </p:cNvPr>
@@ -8981,7 +11807,7 @@
           <p:nvPr>
             <p:extLst>
               <p:ext uri="{386F3935-93C4-4BCD-93E2-E3B085C9AB24}">
-                <p16:designElem xmlns:p16="http://schemas.microsoft.com/office/powerpoint/2015/main" val="1"/>
+                <p16:designElem xmlns:p16="http://schemas.microsoft.com/office/powerpoint/2015/main" xmlns="" val="1"/>
               </p:ext>
             </p:extLst>
           </p:nvPr>
@@ -9013,10 +11839,10 @@
           <p:cNvPr id="143" name="Freeform 62">
             <a:extLst>
               <a:ext uri="{FF2B5EF4-FFF2-40B4-BE49-F238E27FC236}">
-                <a16:creationId xmlns:a16="http://schemas.microsoft.com/office/drawing/2014/main" id="{339C8D78-A644-462F-B674-F440635E5353}"/>
+                <a16:creationId xmlns:a16="http://schemas.microsoft.com/office/drawing/2014/main" xmlns="" id="{339C8D78-A644-462F-B674-F440635E5353}"/>
               </a:ext>
               <a:ext uri="{C183D7F6-B498-43B3-948B-1728B52AA6E4}">
-                <adec:decorative xmlns:adec="http://schemas.microsoft.com/office/drawing/2017/decorative" val="1"/>
+                <adec:decorative xmlns:adec="http://schemas.microsoft.com/office/drawing/2017/decorative" xmlns="" val="1"/>
               </a:ext>
             </a:extLst>
           </p:cNvPr>
@@ -9026,7 +11852,7 @@
           <p:nvPr>
             <p:extLst>
               <p:ext uri="{386F3935-93C4-4BCD-93E2-E3B085C9AB24}">
-                <p16:designElem xmlns:p16="http://schemas.microsoft.com/office/powerpoint/2015/main" val="1"/>
+                <p16:designElem xmlns:p16="http://schemas.microsoft.com/office/powerpoint/2015/main" xmlns="" val="1"/>
               </p:ext>
             </p:extLst>
           </p:nvPr>
@@ -9187,7 +12013,7 @@
           <p:cNvPr id="2054" name="Picture 6" descr="Image result for new paltz logo">
             <a:extLst>
               <a:ext uri="{FF2B5EF4-FFF2-40B4-BE49-F238E27FC236}">
-                <a16:creationId xmlns:a16="http://schemas.microsoft.com/office/drawing/2014/main" id="{545F0B0E-9B97-4020-949F-0656A0AFE374}"/>
+                <a16:creationId xmlns:a16="http://schemas.microsoft.com/office/drawing/2014/main" xmlns="" id="{545F0B0E-9B97-4020-949F-0656A0AFE374}"/>
               </a:ext>
             </a:extLst>
           </p:cNvPr>
@@ -10095,10 +12921,10 @@
           <p:cNvPr id="78" name="Rectangle 77">
             <a:extLst>
               <a:ext uri="{FF2B5EF4-FFF2-40B4-BE49-F238E27FC236}">
-                <a16:creationId xmlns:a16="http://schemas.microsoft.com/office/drawing/2014/main" id="{96918796-2918-40D6-BE3A-4600C47FCD42}"/>
+                <a16:creationId xmlns:a16="http://schemas.microsoft.com/office/drawing/2014/main" xmlns="" id="{96918796-2918-40D6-BE3A-4600C47FCD42}"/>
               </a:ext>
               <a:ext uri="{C183D7F6-B498-43B3-948B-1728B52AA6E4}">
-                <adec:decorative xmlns:adec="http://schemas.microsoft.com/office/drawing/2017/decorative" val="1"/>
+                <adec:decorative xmlns:adec="http://schemas.microsoft.com/office/drawing/2017/decorative" xmlns="" val="1"/>
               </a:ext>
             </a:extLst>
           </p:cNvPr>
@@ -10108,7 +12934,7 @@
           <p:nvPr>
             <p:extLst>
               <p:ext uri="{386F3935-93C4-4BCD-93E2-E3B085C9AB24}">
-                <p16:designElem xmlns:p16="http://schemas.microsoft.com/office/powerpoint/2015/main" val="1"/>
+                <p16:designElem xmlns:p16="http://schemas.microsoft.com/office/powerpoint/2015/main" xmlns="" val="1"/>
               </p:ext>
             </p:extLst>
           </p:nvPr>
@@ -10187,7 +13013,7 @@
           <p:cNvPr id="73" name="TextBox 8">
             <a:extLst>
               <a:ext uri="{FF2B5EF4-FFF2-40B4-BE49-F238E27FC236}">
-                <a16:creationId xmlns:a16="http://schemas.microsoft.com/office/drawing/2014/main" id="{9884A883-D992-49C9-834E-0C00EBEF11B8}"/>
+                <a16:creationId xmlns:a16="http://schemas.microsoft.com/office/drawing/2014/main" xmlns="" id="{9884A883-D992-49C9-834E-0C00EBEF11B8}"/>
               </a:ext>
             </a:extLst>
           </p:cNvPr>
@@ -10215,7 +13041,7 @@
           <p:cNvPr id="2" name="TextBox 1">
             <a:extLst>
               <a:ext uri="{FF2B5EF4-FFF2-40B4-BE49-F238E27FC236}">
-                <a16:creationId xmlns:a16="http://schemas.microsoft.com/office/drawing/2014/main" id="{D2D15A5F-6BE7-46C9-B27D-53F14ADB58C8}"/>
+                <a16:creationId xmlns:a16="http://schemas.microsoft.com/office/drawing/2014/main" xmlns="" id="{D2D15A5F-6BE7-46C9-B27D-53F14ADB58C8}"/>
               </a:ext>
             </a:extLst>
           </p:cNvPr>
@@ -10224,8 +13050,8 @@
         </p:nvSpPr>
         <p:spPr>
           <a:xfrm>
-            <a:off x="767080" y="651752"/>
-            <a:ext cx="6593840" cy="830997"/>
+            <a:off x="767080" y="678647"/>
+            <a:ext cx="9945744" cy="830997"/>
           </a:xfrm>
           <a:prstGeom prst="rect">
             <a:avLst/>
@@ -10239,14 +13065,20 @@
           <a:lstStyle/>
           <a:p>
             <a:r>
-              <a:rPr lang="en-US" sz="4800" dirty="0">
+              <a:rPr lang="en-US" sz="4800" dirty="0" smtClean="0">
                 <a:solidFill>
                   <a:schemeClr val="bg1"/>
                 </a:solidFill>
                 <a:latin typeface="Arial Black" panose="020B0A04020102020204" pitchFamily="34" charset="0"/>
               </a:rPr>
-              <a:t>Eligibility</a:t>
+              <a:t>Eligibility (OPT &amp; CPT)</a:t>
             </a:r>
+            <a:endParaRPr lang="en-US" sz="4800" dirty="0">
+              <a:solidFill>
+                <a:schemeClr val="bg1"/>
+              </a:solidFill>
+              <a:latin typeface="Arial Black" panose="020B0A04020102020204" pitchFamily="34" charset="0"/>
+            </a:endParaRPr>
           </a:p>
         </p:txBody>
       </p:sp>
@@ -10419,10 +13251,10 @@
           <p:cNvPr id="54" name="Freeform: Shape 40">
             <a:extLst>
               <a:ext uri="{FF2B5EF4-FFF2-40B4-BE49-F238E27FC236}">
-                <a16:creationId xmlns:a16="http://schemas.microsoft.com/office/drawing/2014/main" id="{42285737-90EE-47DC-AC80-8AE156B11969}"/>
+                <a16:creationId xmlns:a16="http://schemas.microsoft.com/office/drawing/2014/main" xmlns="" id="{42285737-90EE-47DC-AC80-8AE156B11969}"/>
               </a:ext>
               <a:ext uri="{C183D7F6-B498-43B3-948B-1728B52AA6E4}">
-                <adec:decorative xmlns:adec="http://schemas.microsoft.com/office/drawing/2017/decorative" val="1"/>
+                <adec:decorative xmlns:adec="http://schemas.microsoft.com/office/drawing/2017/decorative" xmlns="" val="1"/>
               </a:ext>
             </a:extLst>
           </p:cNvPr>
@@ -10432,7 +13264,7 @@
           <p:nvPr>
             <p:extLst>
               <p:ext uri="{386F3935-93C4-4BCD-93E2-E3B085C9AB24}">
-                <p16:designElem xmlns:p16="http://schemas.microsoft.com/office/powerpoint/2015/main" val="1"/>
+                <p16:designElem xmlns:p16="http://schemas.microsoft.com/office/powerpoint/2015/main" xmlns="" val="1"/>
               </p:ext>
             </p:extLst>
           </p:nvPr>
@@ -10599,10 +13431,10 @@
           <p:cNvPr id="43" name="Group 42">
             <a:extLst>
               <a:ext uri="{FF2B5EF4-FFF2-40B4-BE49-F238E27FC236}">
-                <a16:creationId xmlns:a16="http://schemas.microsoft.com/office/drawing/2014/main" id="{B57BDC17-F1B3-455F-BBF1-680AA1F25C06}"/>
+                <a16:creationId xmlns:a16="http://schemas.microsoft.com/office/drawing/2014/main" xmlns="" id="{B57BDC17-F1B3-455F-BBF1-680AA1F25C06}"/>
               </a:ext>
               <a:ext uri="{C183D7F6-B498-43B3-948B-1728B52AA6E4}">
-                <adec:decorative xmlns:adec="http://schemas.microsoft.com/office/drawing/2017/decorative" val="1"/>
+                <adec:decorative xmlns:adec="http://schemas.microsoft.com/office/drawing/2017/decorative" xmlns="" val="1"/>
               </a:ext>
             </a:extLst>
           </p:cNvPr>
@@ -10612,7 +13444,7 @@
           <p:nvPr>
             <p:extLst>
               <p:ext uri="{386F3935-93C4-4BCD-93E2-E3B085C9AB24}">
-                <p16:designElem xmlns:p16="http://schemas.microsoft.com/office/powerpoint/2015/main" val="1"/>
+                <p16:designElem xmlns:p16="http://schemas.microsoft.com/office/powerpoint/2015/main" xmlns="" val="1"/>
               </p:ext>
             </p:extLst>
           </p:nvPr>
@@ -10630,10 +13462,10 @@
             <p:cNvPr id="44" name="Freeform 6">
               <a:extLst>
                 <a:ext uri="{FF2B5EF4-FFF2-40B4-BE49-F238E27FC236}">
-                  <a16:creationId xmlns:a16="http://schemas.microsoft.com/office/drawing/2014/main" id="{64E2FA9A-FEF7-4501-B0EB-5E45EDD2177A}"/>
+                  <a16:creationId xmlns:a16="http://schemas.microsoft.com/office/drawing/2014/main" xmlns="" id="{64E2FA9A-FEF7-4501-B0EB-5E45EDD2177A}"/>
                 </a:ext>
                 <a:ext uri="{C183D7F6-B498-43B3-948B-1728B52AA6E4}">
-                  <adec:decorative xmlns:adec="http://schemas.microsoft.com/office/drawing/2017/decorative" val="1"/>
+                  <adec:decorative xmlns:adec="http://schemas.microsoft.com/office/drawing/2017/decorative" xmlns="" val="1"/>
                 </a:ext>
               </a:extLst>
             </p:cNvPr>
@@ -10641,7 +13473,7 @@
             <p:nvPr>
               <p:extLst>
                 <p:ext uri="{386F3935-93C4-4BCD-93E2-E3B085C9AB24}">
-                  <p16:designElem xmlns:p16="http://schemas.microsoft.com/office/powerpoint/2015/main" val="1"/>
+                  <p16:designElem xmlns:p16="http://schemas.microsoft.com/office/powerpoint/2015/main" xmlns="" val="1"/>
                 </p:ext>
               </p:extLst>
             </p:nvPr>
@@ -10691,10 +13523,10 @@
             <p:cNvPr id="45" name="Freeform 7">
               <a:extLst>
                 <a:ext uri="{FF2B5EF4-FFF2-40B4-BE49-F238E27FC236}">
-                  <a16:creationId xmlns:a16="http://schemas.microsoft.com/office/drawing/2014/main" id="{BC38192B-B4CB-47D4-A3B1-10010247F158}"/>
+                  <a16:creationId xmlns:a16="http://schemas.microsoft.com/office/drawing/2014/main" xmlns="" id="{BC38192B-B4CB-47D4-A3B1-10010247F158}"/>
                 </a:ext>
                 <a:ext uri="{C183D7F6-B498-43B3-948B-1728B52AA6E4}">
-                  <adec:decorative xmlns:adec="http://schemas.microsoft.com/office/drawing/2017/decorative" val="1"/>
+                  <adec:decorative xmlns:adec="http://schemas.microsoft.com/office/drawing/2017/decorative" xmlns="" val="1"/>
                 </a:ext>
               </a:extLst>
             </p:cNvPr>
@@ -10702,7 +13534,7 @@
             <p:nvPr>
               <p:extLst>
                 <p:ext uri="{386F3935-93C4-4BCD-93E2-E3B085C9AB24}">
-                  <p16:designElem xmlns:p16="http://schemas.microsoft.com/office/powerpoint/2015/main" val="1"/>
+                  <p16:designElem xmlns:p16="http://schemas.microsoft.com/office/powerpoint/2015/main" xmlns="" val="1"/>
                 </p:ext>
               </p:extLst>
             </p:nvPr>
@@ -10752,10 +13584,10 @@
             <p:cNvPr id="46" name="Freeform 8">
               <a:extLst>
                 <a:ext uri="{FF2B5EF4-FFF2-40B4-BE49-F238E27FC236}">
-                  <a16:creationId xmlns:a16="http://schemas.microsoft.com/office/drawing/2014/main" id="{96330E33-E171-4B0F-82B5-AF7230399B5C}"/>
+                  <a16:creationId xmlns:a16="http://schemas.microsoft.com/office/drawing/2014/main" xmlns="" id="{96330E33-E171-4B0F-82B5-AF7230399B5C}"/>
                 </a:ext>
                 <a:ext uri="{C183D7F6-B498-43B3-948B-1728B52AA6E4}">
-                  <adec:decorative xmlns:adec="http://schemas.microsoft.com/office/drawing/2017/decorative" val="1"/>
+                  <adec:decorative xmlns:adec="http://schemas.microsoft.com/office/drawing/2017/decorative" xmlns="" val="1"/>
                 </a:ext>
               </a:extLst>
             </p:cNvPr>
@@ -10763,7 +13595,7 @@
             <p:nvPr>
               <p:extLst>
                 <p:ext uri="{386F3935-93C4-4BCD-93E2-E3B085C9AB24}">
-                  <p16:designElem xmlns:p16="http://schemas.microsoft.com/office/powerpoint/2015/main" val="1"/>
+                  <p16:designElem xmlns:p16="http://schemas.microsoft.com/office/powerpoint/2015/main" xmlns="" val="1"/>
                 </p:ext>
               </p:extLst>
             </p:nvPr>
@@ -10810,10 +13642,10 @@
             <p:cNvPr id="47" name="Freeform 9">
               <a:extLst>
                 <a:ext uri="{FF2B5EF4-FFF2-40B4-BE49-F238E27FC236}">
-                  <a16:creationId xmlns:a16="http://schemas.microsoft.com/office/drawing/2014/main" id="{332B1723-69BF-42D7-B757-0FA059E15256}"/>
+                  <a16:creationId xmlns:a16="http://schemas.microsoft.com/office/drawing/2014/main" xmlns="" id="{332B1723-69BF-42D7-B757-0FA059E15256}"/>
                 </a:ext>
                 <a:ext uri="{C183D7F6-B498-43B3-948B-1728B52AA6E4}">
-                  <adec:decorative xmlns:adec="http://schemas.microsoft.com/office/drawing/2017/decorative" val="1"/>
+                  <adec:decorative xmlns:adec="http://schemas.microsoft.com/office/drawing/2017/decorative" xmlns="" val="1"/>
                 </a:ext>
               </a:extLst>
             </p:cNvPr>
@@ -10821,7 +13653,7 @@
             <p:nvPr>
               <p:extLst>
                 <p:ext uri="{386F3935-93C4-4BCD-93E2-E3B085C9AB24}">
-                  <p16:designElem xmlns:p16="http://schemas.microsoft.com/office/powerpoint/2015/main" val="1"/>
+                  <p16:designElem xmlns:p16="http://schemas.microsoft.com/office/powerpoint/2015/main" xmlns="" val="1"/>
                 </p:ext>
               </p:extLst>
             </p:nvPr>
@@ -10870,10 +13702,10 @@
             <p:cNvPr id="48" name="Freeform 10">
               <a:extLst>
                 <a:ext uri="{FF2B5EF4-FFF2-40B4-BE49-F238E27FC236}">
-                  <a16:creationId xmlns:a16="http://schemas.microsoft.com/office/drawing/2014/main" id="{F115D62D-1E96-48D1-A78D-D370A0BFB9B5}"/>
+                  <a16:creationId xmlns:a16="http://schemas.microsoft.com/office/drawing/2014/main" xmlns="" id="{F115D62D-1E96-48D1-A78D-D370A0BFB9B5}"/>
                 </a:ext>
                 <a:ext uri="{C183D7F6-B498-43B3-948B-1728B52AA6E4}">
-                  <adec:decorative xmlns:adec="http://schemas.microsoft.com/office/drawing/2017/decorative" val="1"/>
+                  <adec:decorative xmlns:adec="http://schemas.microsoft.com/office/drawing/2017/decorative" xmlns="" val="1"/>
                 </a:ext>
               </a:extLst>
             </p:cNvPr>
@@ -10881,7 +13713,7 @@
             <p:nvPr>
               <p:extLst>
                 <p:ext uri="{386F3935-93C4-4BCD-93E2-E3B085C9AB24}">
-                  <p16:designElem xmlns:p16="http://schemas.microsoft.com/office/powerpoint/2015/main" val="1"/>
+                  <p16:designElem xmlns:p16="http://schemas.microsoft.com/office/powerpoint/2015/main" xmlns="" val="1"/>
                 </p:ext>
               </p:extLst>
             </p:nvPr>
@@ -10936,10 +13768,10 @@
             <p:cNvPr id="49" name="Freeform 11">
               <a:extLst>
                 <a:ext uri="{FF2B5EF4-FFF2-40B4-BE49-F238E27FC236}">
-                  <a16:creationId xmlns:a16="http://schemas.microsoft.com/office/drawing/2014/main" id="{91C2876A-169D-4822-A766-C00578C88B4B}"/>
+                  <a16:creationId xmlns:a16="http://schemas.microsoft.com/office/drawing/2014/main" xmlns="" id="{91C2876A-169D-4822-A766-C00578C88B4B}"/>
                 </a:ext>
                 <a:ext uri="{C183D7F6-B498-43B3-948B-1728B52AA6E4}">
-                  <adec:decorative xmlns:adec="http://schemas.microsoft.com/office/drawing/2017/decorative" val="1"/>
+                  <adec:decorative xmlns:adec="http://schemas.microsoft.com/office/drawing/2017/decorative" xmlns="" val="1"/>
                 </a:ext>
               </a:extLst>
             </p:cNvPr>
@@ -10947,7 +13779,7 @@
             <p:nvPr>
               <p:extLst>
                 <p:ext uri="{386F3935-93C4-4BCD-93E2-E3B085C9AB24}">
-                  <p16:designElem xmlns:p16="http://schemas.microsoft.com/office/powerpoint/2015/main" val="1"/>
+                  <p16:designElem xmlns:p16="http://schemas.microsoft.com/office/powerpoint/2015/main" xmlns="" val="1"/>
                 </p:ext>
               </p:extLst>
             </p:nvPr>
@@ -11013,7 +13845,7 @@
           <p:cNvPr id="36" name="TextBox 8">
             <a:extLst>
               <a:ext uri="{FF2B5EF4-FFF2-40B4-BE49-F238E27FC236}">
-                <a16:creationId xmlns:a16="http://schemas.microsoft.com/office/drawing/2014/main" id="{11C2A129-7132-48B9-8092-F21C9BD03D01}"/>
+                <a16:creationId xmlns:a16="http://schemas.microsoft.com/office/drawing/2014/main" xmlns="" id="{11C2A129-7132-48B9-8092-F21C9BD03D01}"/>
               </a:ext>
             </a:extLst>
           </p:cNvPr>
@@ -11041,7 +13873,7 @@
           <p:cNvPr id="11" name="Group 10">
             <a:extLst>
               <a:ext uri="{FF2B5EF4-FFF2-40B4-BE49-F238E27FC236}">
-                <a16:creationId xmlns:a16="http://schemas.microsoft.com/office/drawing/2014/main" id="{8531F5AA-7EA4-4ED7-89B0-21600136ED63}"/>
+                <a16:creationId xmlns:a16="http://schemas.microsoft.com/office/drawing/2014/main" xmlns="" id="{8531F5AA-7EA4-4ED7-89B0-21600136ED63}"/>
               </a:ext>
             </a:extLst>
           </p:cNvPr>
@@ -11061,7 +13893,7 @@
             <p:cNvPr id="12" name="Rectangle: Rounded Corners 11">
               <a:extLst>
                 <a:ext uri="{FF2B5EF4-FFF2-40B4-BE49-F238E27FC236}">
-                  <a16:creationId xmlns:a16="http://schemas.microsoft.com/office/drawing/2014/main" id="{E4C7D113-2EE6-404B-ABAC-641A2FEE6A92}"/>
+                  <a16:creationId xmlns:a16="http://schemas.microsoft.com/office/drawing/2014/main" xmlns="" id="{E4C7D113-2EE6-404B-ABAC-641A2FEE6A92}"/>
                 </a:ext>
               </a:extLst>
             </p:cNvPr>
@@ -11112,7 +13944,7 @@
             <p:cNvPr id="13" name="Rectangle: Rounded Corners 4">
               <a:extLst>
                 <a:ext uri="{FF2B5EF4-FFF2-40B4-BE49-F238E27FC236}">
-                  <a16:creationId xmlns:a16="http://schemas.microsoft.com/office/drawing/2014/main" id="{739604F2-00A8-4994-8865-66A96775AFE9}"/>
+                  <a16:creationId xmlns:a16="http://schemas.microsoft.com/office/drawing/2014/main" xmlns="" id="{739604F2-00A8-4994-8865-66A96775AFE9}"/>
                 </a:ext>
               </a:extLst>
             </p:cNvPr>
@@ -11340,10 +14172,10 @@
           <p:cNvPr id="19" name="Rectangle 18">
             <a:extLst>
               <a:ext uri="{FF2B5EF4-FFF2-40B4-BE49-F238E27FC236}">
-                <a16:creationId xmlns:a16="http://schemas.microsoft.com/office/drawing/2014/main" id="{3A4F209C-C20E-4FA7-B241-1EF4F8D193B2}"/>
+                <a16:creationId xmlns:a16="http://schemas.microsoft.com/office/drawing/2014/main" xmlns="" id="{3A4F209C-C20E-4FA7-B241-1EF4F8D193B2}"/>
               </a:ext>
               <a:ext uri="{C183D7F6-B498-43B3-948B-1728B52AA6E4}">
-                <adec:decorative xmlns:adec="http://schemas.microsoft.com/office/drawing/2017/decorative" val="1"/>
+                <adec:decorative xmlns:adec="http://schemas.microsoft.com/office/drawing/2017/decorative" xmlns="" val="1"/>
               </a:ext>
             </a:extLst>
           </p:cNvPr>
@@ -11353,7 +14185,7 @@
           <p:nvPr>
             <p:extLst>
               <p:ext uri="{386F3935-93C4-4BCD-93E2-E3B085C9AB24}">
-                <p16:designElem xmlns:p16="http://schemas.microsoft.com/office/powerpoint/2015/main" val="1"/>
+                <p16:designElem xmlns:p16="http://schemas.microsoft.com/office/powerpoint/2015/main" xmlns="" val="1"/>
               </p:ext>
             </p:extLst>
           </p:nvPr>
@@ -11403,10 +14235,10 @@
           <p:cNvPr id="21" name="Rectangle 20">
             <a:extLst>
               <a:ext uri="{FF2B5EF4-FFF2-40B4-BE49-F238E27FC236}">
-                <a16:creationId xmlns:a16="http://schemas.microsoft.com/office/drawing/2014/main" id="{E4564234-45B0-4ED8-A9E2-199C00173276}"/>
+                <a16:creationId xmlns:a16="http://schemas.microsoft.com/office/drawing/2014/main" xmlns="" id="{E4564234-45B0-4ED8-A9E2-199C00173276}"/>
               </a:ext>
               <a:ext uri="{C183D7F6-B498-43B3-948B-1728B52AA6E4}">
-                <adec:decorative xmlns:adec="http://schemas.microsoft.com/office/drawing/2017/decorative" val="1"/>
+                <adec:decorative xmlns:adec="http://schemas.microsoft.com/office/drawing/2017/decorative" xmlns="" val="1"/>
               </a:ext>
             </a:extLst>
           </p:cNvPr>
@@ -11416,7 +14248,7 @@
           <p:nvPr>
             <p:extLst>
               <p:ext uri="{386F3935-93C4-4BCD-93E2-E3B085C9AB24}">
-                <p16:designElem xmlns:p16="http://schemas.microsoft.com/office/powerpoint/2015/main" val="1"/>
+                <p16:designElem xmlns:p16="http://schemas.microsoft.com/office/powerpoint/2015/main" xmlns="" val="1"/>
               </p:ext>
             </p:extLst>
           </p:nvPr>
@@ -11565,7 +14397,7 @@
           <p:cNvPr id="2" name="TextBox 1">
             <a:extLst>
               <a:ext uri="{FF2B5EF4-FFF2-40B4-BE49-F238E27FC236}">
-                <a16:creationId xmlns:a16="http://schemas.microsoft.com/office/drawing/2014/main" id="{6FE9E880-9F14-469D-82D1-385EC3BCE625}"/>
+                <a16:creationId xmlns:a16="http://schemas.microsoft.com/office/drawing/2014/main" xmlns="" id="{6FE9E880-9F14-469D-82D1-385EC3BCE625}"/>
               </a:ext>
             </a:extLst>
           </p:cNvPr>
@@ -12199,10 +15031,10 @@
           <p:cNvPr id="19" name="Rectangle 18">
             <a:extLst>
               <a:ext uri="{FF2B5EF4-FFF2-40B4-BE49-F238E27FC236}">
-                <a16:creationId xmlns:a16="http://schemas.microsoft.com/office/drawing/2014/main" id="{3A4F209C-C20E-4FA7-B241-1EF4F8D193B2}"/>
+                <a16:creationId xmlns:a16="http://schemas.microsoft.com/office/drawing/2014/main" xmlns="" id="{3A4F209C-C20E-4FA7-B241-1EF4F8D193B2}"/>
               </a:ext>
               <a:ext uri="{C183D7F6-B498-43B3-948B-1728B52AA6E4}">
-                <adec:decorative xmlns:adec="http://schemas.microsoft.com/office/drawing/2017/decorative" val="1"/>
+                <adec:decorative xmlns:adec="http://schemas.microsoft.com/office/drawing/2017/decorative" xmlns="" val="1"/>
               </a:ext>
             </a:extLst>
           </p:cNvPr>
@@ -12212,7 +15044,7 @@
           <p:nvPr>
             <p:extLst>
               <p:ext uri="{386F3935-93C4-4BCD-93E2-E3B085C9AB24}">
-                <p16:designElem xmlns:p16="http://schemas.microsoft.com/office/powerpoint/2015/main" val="1"/>
+                <p16:designElem xmlns:p16="http://schemas.microsoft.com/office/powerpoint/2015/main" xmlns="" val="1"/>
               </p:ext>
             </p:extLst>
           </p:nvPr>
@@ -12262,10 +15094,10 @@
           <p:cNvPr id="21" name="Rectangle 20">
             <a:extLst>
               <a:ext uri="{FF2B5EF4-FFF2-40B4-BE49-F238E27FC236}">
-                <a16:creationId xmlns:a16="http://schemas.microsoft.com/office/drawing/2014/main" id="{E4564234-45B0-4ED8-A9E2-199C00173276}"/>
+                <a16:creationId xmlns:a16="http://schemas.microsoft.com/office/drawing/2014/main" xmlns="" id="{E4564234-45B0-4ED8-A9E2-199C00173276}"/>
               </a:ext>
               <a:ext uri="{C183D7F6-B498-43B3-948B-1728B52AA6E4}">
-                <adec:decorative xmlns:adec="http://schemas.microsoft.com/office/drawing/2017/decorative" val="1"/>
+                <adec:decorative xmlns:adec="http://schemas.microsoft.com/office/drawing/2017/decorative" xmlns="" val="1"/>
               </a:ext>
             </a:extLst>
           </p:cNvPr>
@@ -12275,7 +15107,7 @@
           <p:nvPr>
             <p:extLst>
               <p:ext uri="{386F3935-93C4-4BCD-93E2-E3B085C9AB24}">
-                <p16:designElem xmlns:p16="http://schemas.microsoft.com/office/powerpoint/2015/main" val="1"/>
+                <p16:designElem xmlns:p16="http://schemas.microsoft.com/office/powerpoint/2015/main" xmlns="" val="1"/>
               </p:ext>
             </p:extLst>
           </p:nvPr>
@@ -12472,7 +15304,7 @@
           <p:cNvPr id="2" name="TextBox 1">
             <a:extLst>
               <a:ext uri="{FF2B5EF4-FFF2-40B4-BE49-F238E27FC236}">
-                <a16:creationId xmlns:a16="http://schemas.microsoft.com/office/drawing/2014/main" id="{6FE9E880-9F14-469D-82D1-385EC3BCE625}"/>
+                <a16:creationId xmlns:a16="http://schemas.microsoft.com/office/drawing/2014/main" xmlns="" id="{6FE9E880-9F14-469D-82D1-385EC3BCE625}"/>
               </a:ext>
             </a:extLst>
           </p:cNvPr>
@@ -13415,10 +16247,10 @@
           <p:cNvPr id="19" name="Rectangle 18">
             <a:extLst>
               <a:ext uri="{FF2B5EF4-FFF2-40B4-BE49-F238E27FC236}">
-                <a16:creationId xmlns:a16="http://schemas.microsoft.com/office/drawing/2014/main" id="{3A4F209C-C20E-4FA7-B241-1EF4F8D193B2}"/>
+                <a16:creationId xmlns:a16="http://schemas.microsoft.com/office/drawing/2014/main" xmlns="" id="{3A4F209C-C20E-4FA7-B241-1EF4F8D193B2}"/>
               </a:ext>
               <a:ext uri="{C183D7F6-B498-43B3-948B-1728B52AA6E4}">
-                <adec:decorative xmlns:adec="http://schemas.microsoft.com/office/drawing/2017/decorative" val="1"/>
+                <adec:decorative xmlns:adec="http://schemas.microsoft.com/office/drawing/2017/decorative" xmlns="" val="1"/>
               </a:ext>
             </a:extLst>
           </p:cNvPr>
@@ -13428,7 +16260,7 @@
           <p:nvPr>
             <p:extLst>
               <p:ext uri="{386F3935-93C4-4BCD-93E2-E3B085C9AB24}">
-                <p16:designElem xmlns:p16="http://schemas.microsoft.com/office/powerpoint/2015/main" val="1"/>
+                <p16:designElem xmlns:p16="http://schemas.microsoft.com/office/powerpoint/2015/main" xmlns="" val="1"/>
               </p:ext>
             </p:extLst>
           </p:nvPr>
@@ -13478,10 +16310,10 @@
           <p:cNvPr id="21" name="Rectangle 20">
             <a:extLst>
               <a:ext uri="{FF2B5EF4-FFF2-40B4-BE49-F238E27FC236}">
-                <a16:creationId xmlns:a16="http://schemas.microsoft.com/office/drawing/2014/main" id="{E4564234-45B0-4ED8-A9E2-199C00173276}"/>
+                <a16:creationId xmlns:a16="http://schemas.microsoft.com/office/drawing/2014/main" xmlns="" id="{E4564234-45B0-4ED8-A9E2-199C00173276}"/>
               </a:ext>
               <a:ext uri="{C183D7F6-B498-43B3-948B-1728B52AA6E4}">
-                <adec:decorative xmlns:adec="http://schemas.microsoft.com/office/drawing/2017/decorative" val="1"/>
+                <adec:decorative xmlns:adec="http://schemas.microsoft.com/office/drawing/2017/decorative" xmlns="" val="1"/>
               </a:ext>
             </a:extLst>
           </p:cNvPr>
@@ -13491,7 +16323,7 @@
           <p:nvPr>
             <p:extLst>
               <p:ext uri="{386F3935-93C4-4BCD-93E2-E3B085C9AB24}">
-                <p16:designElem xmlns:p16="http://schemas.microsoft.com/office/powerpoint/2015/main" val="1"/>
+                <p16:designElem xmlns:p16="http://schemas.microsoft.com/office/powerpoint/2015/main" xmlns="" val="1"/>
               </p:ext>
             </p:extLst>
           </p:nvPr>
@@ -13683,7 +16515,7 @@
           <p:cNvPr id="2" name="TextBox 1">
             <a:extLst>
               <a:ext uri="{FF2B5EF4-FFF2-40B4-BE49-F238E27FC236}">
-                <a16:creationId xmlns:a16="http://schemas.microsoft.com/office/drawing/2014/main" id="{6FE9E880-9F14-469D-82D1-385EC3BCE625}"/>
+                <a16:creationId xmlns:a16="http://schemas.microsoft.com/office/drawing/2014/main" xmlns="" id="{6FE9E880-9F14-469D-82D1-385EC3BCE625}"/>
               </a:ext>
             </a:extLst>
           </p:cNvPr>
@@ -14393,7 +17225,10 @@
     <p:bg>
       <p:bgPr>
         <a:solidFill>
-          <a:srgbClr val="404040"/>
+          <a:schemeClr val="bg1">
+            <a:tint val="95000"/>
+            <a:satMod val="170000"/>
+          </a:schemeClr>
         </a:solidFill>
         <a:effectLst/>
       </p:bgPr>
@@ -14414,13 +17249,13 @@
       </p:grpSpPr>
       <p:sp>
         <p:nvSpPr>
-          <p:cNvPr id="14" name="Rectangle 13">
+          <p:cNvPr id="19" name="Rectangle 18">
             <a:extLst>
               <a:ext uri="{FF2B5EF4-FFF2-40B4-BE49-F238E27FC236}">
-                <a16:creationId xmlns:a16="http://schemas.microsoft.com/office/drawing/2014/main" id="{EA67B5B4-3A24-436E-B663-1B2EBFF8A0CD}"/>
+                <a16:creationId xmlns:a16="http://schemas.microsoft.com/office/drawing/2014/main" xmlns="" id="{3A4F209C-C20E-4FA7-B241-1EF4F8D193B2}"/>
               </a:ext>
               <a:ext uri="{C183D7F6-B498-43B3-948B-1728B52AA6E4}">
-                <adec:decorative xmlns:adec="http://schemas.microsoft.com/office/drawing/2017/decorative" val="1"/>
+                <adec:decorative xmlns:adec="http://schemas.microsoft.com/office/drawing/2017/decorative" xmlns="" val="1"/>
               </a:ext>
             </a:extLst>
           </p:cNvPr>
@@ -14430,21 +17265,21 @@
           <p:nvPr>
             <p:extLst>
               <p:ext uri="{386F3935-93C4-4BCD-93E2-E3B085C9AB24}">
-                <p16:designElem xmlns:p16="http://schemas.microsoft.com/office/powerpoint/2015/main" val="1"/>
+                <p16:designElem xmlns:p16="http://schemas.microsoft.com/office/powerpoint/2015/main" xmlns="" val="1"/>
               </p:ext>
             </p:extLst>
           </p:nvPr>
         </p:nvSpPr>
         <p:spPr>
           <a:xfrm>
-            <a:off x="0" y="-3324"/>
-            <a:ext cx="12192000" cy="6861324"/>
+            <a:off x="0" y="0"/>
+            <a:ext cx="12192000" cy="1690688"/>
           </a:xfrm>
           <a:prstGeom prst="rect">
             <a:avLst/>
           </a:prstGeom>
           <a:solidFill>
-            <a:srgbClr val="404040"/>
+            <a:schemeClr val="tx1"/>
           </a:solidFill>
           <a:ln>
             <a:noFill/>
@@ -14475,15 +17310,15 @@
           </a:p>
         </p:txBody>
       </p:sp>
-      <p:sp>
+      <p:sp useBgFill="1">
         <p:nvSpPr>
-          <p:cNvPr id="16" name="Freeform 13">
+          <p:cNvPr id="21" name="Rectangle 20">
             <a:extLst>
               <a:ext uri="{FF2B5EF4-FFF2-40B4-BE49-F238E27FC236}">
-                <a16:creationId xmlns:a16="http://schemas.microsoft.com/office/drawing/2014/main" id="{987FDF89-C993-41F4-A1B8-DBAFF16008A9}"/>
+                <a16:creationId xmlns:a16="http://schemas.microsoft.com/office/drawing/2014/main" xmlns="" id="{E4564234-45B0-4ED8-A9E2-199C00173276}"/>
               </a:ext>
               <a:ext uri="{C183D7F6-B498-43B3-948B-1728B52AA6E4}">
-                <adec:decorative xmlns:adec="http://schemas.microsoft.com/office/drawing/2017/decorative" val="1"/>
+                <adec:decorative xmlns:adec="http://schemas.microsoft.com/office/drawing/2017/decorative" xmlns="" val="1"/>
               </a:ext>
             </a:extLst>
           </p:cNvPr>
@@ -14493,67 +17328,19 @@
           <p:nvPr>
             <p:extLst>
               <p:ext uri="{386F3935-93C4-4BCD-93E2-E3B085C9AB24}">
-                <p16:designElem xmlns:p16="http://schemas.microsoft.com/office/powerpoint/2015/main" val="1"/>
+                <p16:designElem xmlns:p16="http://schemas.microsoft.com/office/powerpoint/2015/main" xmlns="" val="1"/>
               </p:ext>
             </p:extLst>
           </p:nvPr>
         </p:nvSpPr>
         <p:spPr>
           <a:xfrm>
-            <a:off x="0" y="0"/>
-            <a:ext cx="11786754" cy="6858000"/>
+            <a:off x="0" y="1690688"/>
+            <a:ext cx="12192000" cy="5166360"/>
           </a:xfrm>
-          <a:custGeom>
+          <a:prstGeom prst="rect">
             <a:avLst/>
-            <a:gdLst>
-              <a:gd name="connsiteX0" fmla="*/ 0 w 11786754"/>
-              <a:gd name="connsiteY0" fmla="*/ 0 h 6858000"/>
-              <a:gd name="connsiteX1" fmla="*/ 8610600 w 11786754"/>
-              <a:gd name="connsiteY1" fmla="*/ 0 h 6858000"/>
-              <a:gd name="connsiteX2" fmla="*/ 11786754 w 11786754"/>
-              <a:gd name="connsiteY2" fmla="*/ 6858000 h 6858000"/>
-              <a:gd name="connsiteX3" fmla="*/ 0 w 11786754"/>
-              <a:gd name="connsiteY3" fmla="*/ 6858000 h 6858000"/>
-            </a:gdLst>
-            <a:ahLst/>
-            <a:cxnLst>
-              <a:cxn ang="0">
-                <a:pos x="connsiteX0" y="connsiteY0"/>
-              </a:cxn>
-              <a:cxn ang="0">
-                <a:pos x="connsiteX1" y="connsiteY1"/>
-              </a:cxn>
-              <a:cxn ang="0">
-                <a:pos x="connsiteX2" y="connsiteY2"/>
-              </a:cxn>
-              <a:cxn ang="0">
-                <a:pos x="connsiteX3" y="connsiteY3"/>
-              </a:cxn>
-            </a:cxnLst>
-            <a:rect l="l" t="t" r="r" b="b"/>
-            <a:pathLst>
-              <a:path w="11786754" h="6858000">
-                <a:moveTo>
-                  <a:pt x="0" y="0"/>
-                </a:moveTo>
-                <a:lnTo>
-                  <a:pt x="8610600" y="0"/>
-                </a:lnTo>
-                <a:lnTo>
-                  <a:pt x="11786754" y="6858000"/>
-                </a:lnTo>
-                <a:lnTo>
-                  <a:pt x="0" y="6858000"/>
-                </a:lnTo>
-                <a:close/>
-              </a:path>
-            </a:pathLst>
-          </a:custGeom>
-          <a:solidFill>
-            <a:srgbClr val="000000">
-              <a:alpha val="29804"/>
-            </a:srgbClr>
-          </a:solidFill>
+          </a:prstGeom>
           <a:ln>
             <a:noFill/>
           </a:ln>
@@ -14585,86 +17372,543 @@
       </p:sp>
       <p:sp>
         <p:nvSpPr>
-          <p:cNvPr id="18" name="Freeform 11">
+          <p:cNvPr id="2" name="TextBox 1">
             <a:extLst>
               <a:ext uri="{FF2B5EF4-FFF2-40B4-BE49-F238E27FC236}">
-                <a16:creationId xmlns:a16="http://schemas.microsoft.com/office/drawing/2014/main" id="{64E585EA-75FD-4025-8270-F66A58A15CDA}"/>
-              </a:ext>
-              <a:ext uri="{C183D7F6-B498-43B3-948B-1728B52AA6E4}">
-                <adec:decorative xmlns:adec="http://schemas.microsoft.com/office/drawing/2017/decorative" val="1"/>
+                <a16:creationId xmlns:a16="http://schemas.microsoft.com/office/drawing/2014/main" xmlns="" id="{6FE9E880-9F14-469D-82D1-385EC3BCE625}"/>
               </a:ext>
             </a:extLst>
           </p:cNvPr>
-          <p:cNvSpPr>
-            <a:spLocks noGrp="1" noRot="1" noChangeAspect="1" noMove="1" noResize="1" noEditPoints="1" noAdjustHandles="1" noChangeArrowheads="1" noChangeShapeType="1" noTextEdit="1"/>
-          </p:cNvSpPr>
+          <p:cNvSpPr txBox="1"/>
+          <p:nvPr/>
+        </p:nvSpPr>
+        <p:spPr>
+          <a:xfrm>
+            <a:off x="594957" y="209464"/>
+            <a:ext cx="8595360" cy="2308324"/>
+          </a:xfrm>
+          <a:prstGeom prst="rect">
+            <a:avLst/>
+          </a:prstGeom>
+          <a:noFill/>
+        </p:spPr>
+        <p:txBody>
+          <a:bodyPr wrap="square" rtlCol="0">
+            <a:spAutoFit/>
+          </a:bodyPr>
+          <a:lstStyle/>
+          <a:p>
+            <a:r>
+              <a:rPr lang="en-US" sz="3600" dirty="0">
+                <a:solidFill>
+                  <a:schemeClr val="bg1"/>
+                </a:solidFill>
+                <a:latin typeface="Arial Black" panose="020B0A04020102020204" pitchFamily="34" charset="0"/>
+              </a:rPr>
+              <a:t>Travel and Re-entry to the U.S. While on OPT</a:t>
+            </a:r>
+          </a:p>
+          <a:p>
+            <a:endParaRPr lang="en-US" sz="3600" dirty="0">
+              <a:solidFill>
+                <a:schemeClr val="bg1"/>
+              </a:solidFill>
+              <a:latin typeface="Arial Black" panose="020B0A04020102020204" pitchFamily="34" charset="0"/>
+            </a:endParaRPr>
+          </a:p>
+          <a:p>
+            <a:endParaRPr lang="en-US" sz="3600" dirty="0">
+              <a:solidFill>
+                <a:schemeClr val="bg1"/>
+              </a:solidFill>
+              <a:latin typeface="Arial Black" panose="020B0A04020102020204" pitchFamily="34" charset="0"/>
+            </a:endParaRPr>
+          </a:p>
+        </p:txBody>
+      </p:sp>
+      <p:graphicFrame>
+        <p:nvGraphicFramePr>
+          <p:cNvPr id="4" name="Table 3"/>
+          <p:cNvGraphicFramePr>
+            <a:graphicFrameLocks noGrp="1"/>
+          </p:cNvGraphicFramePr>
           <p:nvPr>
             <p:extLst>
-              <p:ext uri="{386F3935-93C4-4BCD-93E2-E3B085C9AB24}">
-                <p16:designElem xmlns:p16="http://schemas.microsoft.com/office/powerpoint/2015/main" val="1"/>
+              <p:ext uri="{D42A27DB-BD31-4B8C-83A1-F6EECF244321}">
+                <p14:modId xmlns:p14="http://schemas.microsoft.com/office/powerpoint/2010/main" val="1450710702"/>
               </p:ext>
             </p:extLst>
           </p:nvPr>
+        </p:nvGraphicFramePr>
+        <p:xfrm>
+          <a:off x="134471" y="1982041"/>
+          <a:ext cx="11896164" cy="4572000"/>
+        </p:xfrm>
+        <a:graphic>
+          <a:graphicData uri="http://schemas.openxmlformats.org/drawingml/2006/table">
+            <a:tbl>
+              <a:tblPr firstRow="1" bandRow="1">
+                <a:tableStyleId>{5C22544A-7EE6-4342-B048-85BDC9FD1C3A}</a:tableStyleId>
+              </a:tblPr>
+              <a:tblGrid>
+                <a:gridCol w="2974041"/>
+                <a:gridCol w="2974041"/>
+                <a:gridCol w="2974041"/>
+                <a:gridCol w="2974041"/>
+              </a:tblGrid>
+              <a:tr h="370840">
+                <a:tc>
+                  <a:txBody>
+                    <a:bodyPr/>
+                    <a:lstStyle/>
+                    <a:p>
+                      <a:pPr algn="l" fontAlgn="t"/>
+                      <a:r>
+                        <a:rPr lang="en-US" b="1" dirty="0">
+                          <a:effectLst/>
+                        </a:rPr>
+                        <a:t>Documents</a:t>
+                      </a:r>
+                    </a:p>
+                  </a:txBody>
+                  <a:tcPr marL="60960" marR="60960" marT="60960" marB="60960"/>
+                </a:tc>
+                <a:tc>
+                  <a:txBody>
+                    <a:bodyPr/>
+                    <a:lstStyle/>
+                    <a:p>
+                      <a:pPr algn="l" fontAlgn="t"/>
+                      <a:r>
+                        <a:rPr lang="en-US" b="1">
+                          <a:effectLst/>
+                        </a:rPr>
+                        <a:t>Before Completing Academic Program &amp; Before OPT EAD Approval*</a:t>
+                      </a:r>
+                    </a:p>
+                  </a:txBody>
+                  <a:tcPr marL="60960" marR="60960" marT="60960" marB="60960"/>
+                </a:tc>
+                <a:tc>
+                  <a:txBody>
+                    <a:bodyPr/>
+                    <a:lstStyle/>
+                    <a:p>
+                      <a:pPr algn="l" fontAlgn="t"/>
+                      <a:r>
+                        <a:rPr lang="en-US" b="1">
+                          <a:effectLst/>
+                        </a:rPr>
+                        <a:t>After Completing Academic Program &amp; Before OPT or STEM EAD Approval*</a:t>
+                      </a:r>
+                    </a:p>
+                  </a:txBody>
+                  <a:tcPr marL="60960" marR="60960" marT="60960" marB="60960"/>
+                </a:tc>
+                <a:tc>
+                  <a:txBody>
+                    <a:bodyPr/>
+                    <a:lstStyle/>
+                    <a:p>
+                      <a:pPr algn="l" fontAlgn="t"/>
+                      <a:r>
+                        <a:rPr lang="en-US" b="1">
+                          <a:effectLst/>
+                        </a:rPr>
+                        <a:t>After Completing Program &amp; After  OPT or STEM EAD Approval</a:t>
+                      </a:r>
+                    </a:p>
+                  </a:txBody>
+                  <a:tcPr marL="60960" marR="60960" marT="60960" marB="60960"/>
+                </a:tc>
+              </a:tr>
+              <a:tr h="370840">
+                <a:tc>
+                  <a:txBody>
+                    <a:bodyPr/>
+                    <a:lstStyle/>
+                    <a:p>
+                      <a:pPr algn="l" fontAlgn="t"/>
+                      <a:r>
+                        <a:rPr lang="en-US">
+                          <a:effectLst/>
+                        </a:rPr>
+                        <a:t>Valid passport</a:t>
+                      </a:r>
+                    </a:p>
+                  </a:txBody>
+                  <a:tcPr marL="60960" marR="60960" marT="60960" marB="60960"/>
+                </a:tc>
+                <a:tc>
+                  <a:txBody>
+                    <a:bodyPr/>
+                    <a:lstStyle/>
+                    <a:p>
+                      <a:pPr algn="l" fontAlgn="t"/>
+                      <a:r>
+                        <a:rPr lang="en-US" b="1">
+                          <a:effectLst/>
+                        </a:rPr>
+                        <a:t>✔</a:t>
+                      </a:r>
+                      <a:endParaRPr lang="en-US">
+                        <a:effectLst/>
+                      </a:endParaRPr>
+                    </a:p>
+                  </a:txBody>
+                  <a:tcPr marL="60960" marR="60960" marT="60960" marB="60960"/>
+                </a:tc>
+                <a:tc>
+                  <a:txBody>
+                    <a:bodyPr/>
+                    <a:lstStyle/>
+                    <a:p>
+                      <a:pPr algn="l" fontAlgn="t"/>
+                      <a:r>
+                        <a:rPr lang="en-US" b="1">
+                          <a:effectLst/>
+                        </a:rPr>
+                        <a:t>✔</a:t>
+                      </a:r>
+                      <a:endParaRPr lang="en-US">
+                        <a:effectLst/>
+                      </a:endParaRPr>
+                    </a:p>
+                  </a:txBody>
+                  <a:tcPr marL="60960" marR="60960" marT="60960" marB="60960"/>
+                </a:tc>
+                <a:tc>
+                  <a:txBody>
+                    <a:bodyPr/>
+                    <a:lstStyle/>
+                    <a:p>
+                      <a:pPr algn="l" fontAlgn="t"/>
+                      <a:r>
+                        <a:rPr lang="en-US" b="1">
+                          <a:effectLst/>
+                        </a:rPr>
+                        <a:t>✔</a:t>
+                      </a:r>
+                      <a:endParaRPr lang="en-US">
+                        <a:effectLst/>
+                      </a:endParaRPr>
+                    </a:p>
+                  </a:txBody>
+                  <a:tcPr marL="60960" marR="60960" marT="60960" marB="60960"/>
+                </a:tc>
+              </a:tr>
+              <a:tr h="370840">
+                <a:tc>
+                  <a:txBody>
+                    <a:bodyPr/>
+                    <a:lstStyle/>
+                    <a:p>
+                      <a:pPr algn="l" fontAlgn="t"/>
+                      <a:r>
+                        <a:rPr lang="en-US">
+                          <a:effectLst/>
+                        </a:rPr>
+                        <a:t>Valid F-1 visa stamp (if applicable)</a:t>
+                      </a:r>
+                    </a:p>
+                  </a:txBody>
+                  <a:tcPr marL="60960" marR="60960" marT="60960" marB="60960"/>
+                </a:tc>
+                <a:tc>
+                  <a:txBody>
+                    <a:bodyPr/>
+                    <a:lstStyle/>
+                    <a:p>
+                      <a:pPr algn="l" fontAlgn="t"/>
+                      <a:r>
+                        <a:rPr lang="en-US" b="1">
+                          <a:effectLst/>
+                        </a:rPr>
+                        <a:t>✔</a:t>
+                      </a:r>
+                      <a:endParaRPr lang="en-US">
+                        <a:effectLst/>
+                      </a:endParaRPr>
+                    </a:p>
+                  </a:txBody>
+                  <a:tcPr marL="60960" marR="60960" marT="60960" marB="60960"/>
+                </a:tc>
+                <a:tc>
+                  <a:txBody>
+                    <a:bodyPr/>
+                    <a:lstStyle/>
+                    <a:p>
+                      <a:pPr algn="l" fontAlgn="t"/>
+                      <a:r>
+                        <a:rPr lang="en-US" b="1">
+                          <a:effectLst/>
+                        </a:rPr>
+                        <a:t>✔</a:t>
+                      </a:r>
+                      <a:endParaRPr lang="en-US">
+                        <a:effectLst/>
+                      </a:endParaRPr>
+                    </a:p>
+                  </a:txBody>
+                  <a:tcPr marL="60960" marR="60960" marT="60960" marB="60960"/>
+                </a:tc>
+                <a:tc>
+                  <a:txBody>
+                    <a:bodyPr/>
+                    <a:lstStyle/>
+                    <a:p>
+                      <a:pPr algn="l" fontAlgn="t"/>
+                      <a:r>
+                        <a:rPr lang="en-US" b="1">
+                          <a:effectLst/>
+                        </a:rPr>
+                        <a:t>✔</a:t>
+                      </a:r>
+                      <a:endParaRPr lang="en-US">
+                        <a:effectLst/>
+                      </a:endParaRPr>
+                    </a:p>
+                  </a:txBody>
+                  <a:tcPr marL="60960" marR="60960" marT="60960" marB="60960"/>
+                </a:tc>
+              </a:tr>
+              <a:tr h="370840">
+                <a:tc>
+                  <a:txBody>
+                    <a:bodyPr/>
+                    <a:lstStyle/>
+                    <a:p>
+                      <a:pPr algn="l" fontAlgn="t"/>
+                      <a:r>
+                        <a:rPr lang="en-US">
+                          <a:effectLst/>
+                        </a:rPr>
+                        <a:t>OPT I-20 with a valid travel endorsement signed within 6 months by a BIO Advisor (page 3)</a:t>
+                      </a:r>
+                    </a:p>
+                  </a:txBody>
+                  <a:tcPr marL="60960" marR="60960" marT="60960" marB="60960"/>
+                </a:tc>
+                <a:tc>
+                  <a:txBody>
+                    <a:bodyPr/>
+                    <a:lstStyle/>
+                    <a:p>
+                      <a:pPr algn="l" fontAlgn="t"/>
+                      <a:r>
+                        <a:rPr lang="en-US" b="1">
+                          <a:effectLst/>
+                        </a:rPr>
+                        <a:t>✔</a:t>
+                      </a:r>
+                      <a:endParaRPr lang="en-US">
+                        <a:effectLst/>
+                      </a:endParaRPr>
+                    </a:p>
+                  </a:txBody>
+                  <a:tcPr marL="60960" marR="60960" marT="60960" marB="60960"/>
+                </a:tc>
+                <a:tc>
+                  <a:txBody>
+                    <a:bodyPr/>
+                    <a:lstStyle/>
+                    <a:p>
+                      <a:pPr algn="l" fontAlgn="t"/>
+                      <a:r>
+                        <a:rPr lang="en-US" b="1">
+                          <a:effectLst/>
+                        </a:rPr>
+                        <a:t>✔</a:t>
+                      </a:r>
+                      <a:endParaRPr lang="en-US">
+                        <a:effectLst/>
+                      </a:endParaRPr>
+                    </a:p>
+                  </a:txBody>
+                  <a:tcPr marL="60960" marR="60960" marT="60960" marB="60960"/>
+                </a:tc>
+                <a:tc>
+                  <a:txBody>
+                    <a:bodyPr/>
+                    <a:lstStyle/>
+                    <a:p>
+                      <a:pPr algn="l" fontAlgn="t"/>
+                      <a:r>
+                        <a:rPr lang="en-US" b="1">
+                          <a:effectLst/>
+                        </a:rPr>
+                        <a:t>✔</a:t>
+                      </a:r>
+                      <a:endParaRPr lang="en-US">
+                        <a:effectLst/>
+                      </a:endParaRPr>
+                    </a:p>
+                  </a:txBody>
+                  <a:tcPr marL="60960" marR="60960" marT="60960" marB="60960"/>
+                </a:tc>
+              </a:tr>
+              <a:tr h="370840">
+                <a:tc>
+                  <a:txBody>
+                    <a:bodyPr/>
+                    <a:lstStyle/>
+                    <a:p>
+                      <a:pPr algn="l" fontAlgn="t"/>
+                      <a:r>
+                        <a:rPr lang="en-US">
+                          <a:effectLst/>
+                        </a:rPr>
+                        <a:t>Evidence of continued enrollment (e.g. Enrollment Verification from Cal Central)</a:t>
+                      </a:r>
+                    </a:p>
+                  </a:txBody>
+                  <a:tcPr marL="60960" marR="60960" marT="60960" marB="60960"/>
+                </a:tc>
+                <a:tc>
+                  <a:txBody>
+                    <a:bodyPr/>
+                    <a:lstStyle/>
+                    <a:p>
+                      <a:pPr algn="l" fontAlgn="t"/>
+                      <a:r>
+                        <a:rPr lang="en-US" b="1">
+                          <a:effectLst/>
+                        </a:rPr>
+                        <a:t>✔</a:t>
+                      </a:r>
+                      <a:endParaRPr lang="en-US">
+                        <a:effectLst/>
+                      </a:endParaRPr>
+                    </a:p>
+                  </a:txBody>
+                  <a:tcPr marL="60960" marR="60960" marT="60960" marB="60960"/>
+                </a:tc>
+                <a:tc>
+                  <a:txBody>
+                    <a:bodyPr/>
+                    <a:lstStyle/>
+                    <a:p>
+                      <a:pPr algn="l" fontAlgn="t"/>
+                      <a:endParaRPr lang="en-US">
+                        <a:effectLst/>
+                      </a:endParaRPr>
+                    </a:p>
+                  </a:txBody>
+                  <a:tcPr marL="60960" marR="60960" marT="60960" marB="60960"/>
+                </a:tc>
+                <a:tc>
+                  <a:txBody>
+                    <a:bodyPr/>
+                    <a:lstStyle/>
+                    <a:p>
+                      <a:pPr algn="l" fontAlgn="t"/>
+                      <a:endParaRPr lang="en-US">
+                        <a:effectLst/>
+                      </a:endParaRPr>
+                    </a:p>
+                  </a:txBody>
+                  <a:tcPr marL="60960" marR="60960" marT="60960" marB="60960"/>
+                </a:tc>
+              </a:tr>
+              <a:tr h="370840">
+                <a:tc>
+                  <a:txBody>
+                    <a:bodyPr/>
+                    <a:lstStyle/>
+                    <a:p>
+                      <a:pPr algn="l" fontAlgn="t"/>
+                      <a:r>
+                        <a:rPr lang="en-US">
+                          <a:effectLst/>
+                        </a:rPr>
+                        <a:t>Evidence of financial support</a:t>
+                      </a:r>
+                    </a:p>
+                  </a:txBody>
+                  <a:tcPr marL="60960" marR="60960" marT="60960" marB="60960"/>
+                </a:tc>
+                <a:tc>
+                  <a:txBody>
+                    <a:bodyPr/>
+                    <a:lstStyle/>
+                    <a:p>
+                      <a:pPr algn="l" fontAlgn="t"/>
+                      <a:r>
+                        <a:rPr lang="en-US" b="1">
+                          <a:effectLst/>
+                        </a:rPr>
+                        <a:t>strongly recommended</a:t>
+                      </a:r>
+                      <a:endParaRPr lang="en-US">
+                        <a:effectLst/>
+                      </a:endParaRPr>
+                    </a:p>
+                  </a:txBody>
+                  <a:tcPr marL="60960" marR="60960" marT="60960" marB="60960"/>
+                </a:tc>
+                <a:tc>
+                  <a:txBody>
+                    <a:bodyPr/>
+                    <a:lstStyle/>
+                    <a:p>
+                      <a:pPr algn="l" fontAlgn="t"/>
+                      <a:r>
+                        <a:rPr lang="en-US" b="1" dirty="0">
+                          <a:effectLst/>
+                        </a:rPr>
+                        <a:t>strongly recommended</a:t>
+                      </a:r>
+                      <a:endParaRPr lang="en-US" dirty="0">
+                        <a:effectLst/>
+                      </a:endParaRPr>
+                    </a:p>
+                  </a:txBody>
+                  <a:tcPr marL="60960" marR="60960" marT="60960" marB="60960"/>
+                </a:tc>
+                <a:tc>
+                  <a:txBody>
+                    <a:bodyPr/>
+                    <a:lstStyle/>
+                    <a:p>
+                      <a:pPr algn="l" fontAlgn="t"/>
+                      <a:r>
+                        <a:rPr lang="en-US" b="1" dirty="0">
+                          <a:effectLst/>
+                        </a:rPr>
+                        <a:t>strongly recommended</a:t>
+                      </a:r>
+                      <a:endParaRPr lang="en-US" dirty="0">
+                        <a:effectLst/>
+                      </a:endParaRPr>
+                    </a:p>
+                  </a:txBody>
+                  <a:tcPr marL="60960" marR="60960" marT="60960" marB="60960"/>
+                </a:tc>
+              </a:tr>
+            </a:tbl>
+          </a:graphicData>
+        </a:graphic>
+      </p:graphicFrame>
+      <p:sp>
+        <p:nvSpPr>
+          <p:cNvPr id="5" name="Rectangle 4"/>
+          <p:cNvSpPr/>
+          <p:nvPr/>
         </p:nvSpPr>
         <p:spPr>
           <a:xfrm>
-            <a:off x="0" y="0"/>
-            <a:ext cx="3581400" cy="6858000"/>
+            <a:off x="170329" y="2886635"/>
+            <a:ext cx="11842376" cy="403413"/>
           </a:xfrm>
-          <a:custGeom>
+          <a:prstGeom prst="rect">
             <a:avLst/>
-            <a:gdLst>
-              <a:gd name="connsiteX0" fmla="*/ 0 w 3581400"/>
-              <a:gd name="connsiteY0" fmla="*/ 0 h 6858000"/>
-              <a:gd name="connsiteX1" fmla="*/ 405246 w 3581400"/>
-              <a:gd name="connsiteY1" fmla="*/ 0 h 6858000"/>
-              <a:gd name="connsiteX2" fmla="*/ 3581400 w 3581400"/>
-              <a:gd name="connsiteY2" fmla="*/ 6858000 h 6858000"/>
-              <a:gd name="connsiteX3" fmla="*/ 0 w 3581400"/>
-              <a:gd name="connsiteY3" fmla="*/ 6858000 h 6858000"/>
-            </a:gdLst>
-            <a:ahLst/>
-            <a:cxnLst>
-              <a:cxn ang="0">
-                <a:pos x="connsiteX0" y="connsiteY0"/>
-              </a:cxn>
-              <a:cxn ang="0">
-                <a:pos x="connsiteX1" y="connsiteY1"/>
-              </a:cxn>
-              <a:cxn ang="0">
-                <a:pos x="connsiteX2" y="connsiteY2"/>
-              </a:cxn>
-              <a:cxn ang="0">
-                <a:pos x="connsiteX3" y="connsiteY3"/>
-              </a:cxn>
-            </a:cxnLst>
-            <a:rect l="l" t="t" r="r" b="b"/>
-            <a:pathLst>
-              <a:path w="3581400" h="6858000">
-                <a:moveTo>
-                  <a:pt x="0" y="0"/>
-                </a:moveTo>
-                <a:lnTo>
-                  <a:pt x="405246" y="0"/>
-                </a:lnTo>
-                <a:lnTo>
-                  <a:pt x="3581400" y="6858000"/>
-                </a:lnTo>
-                <a:lnTo>
-                  <a:pt x="0" y="6858000"/>
-                </a:lnTo>
-                <a:close/>
-              </a:path>
-            </a:pathLst>
-          </a:custGeom>
+          </a:prstGeom>
           <a:solidFill>
-            <a:srgbClr val="000000">
-              <a:alpha val="29804"/>
-            </a:srgbClr>
+            <a:schemeClr val="accent1">
+              <a:lumMod val="60000"/>
+              <a:lumOff val="40000"/>
+            </a:schemeClr>
           </a:solidFill>
-          <a:ln>
-            <a:noFill/>
-          </a:ln>
         </p:spPr>
         <p:style>
           <a:lnRef idx="2">
@@ -14683,9 +17927,7 @@
           </a:fontRef>
         </p:style>
         <p:txBody>
-          <a:bodyPr wrap="square" rtlCol="0" anchor="ctr">
-            <a:noAutofit/>
-          </a:bodyPr>
+          <a:bodyPr rtlCol="0" anchor="ctr"/>
           <a:lstStyle/>
           <a:p>
             <a:pPr algn="ctr"/>
@@ -14695,212 +17937,192 @@
       </p:sp>
       <p:sp>
         <p:nvSpPr>
-          <p:cNvPr id="9" name="TextBox 8"/>
-          <p:cNvSpPr txBox="1"/>
+          <p:cNvPr id="10" name="Rectangle 9"/>
+          <p:cNvSpPr/>
           <p:nvPr/>
         </p:nvSpPr>
         <p:spPr>
           <a:xfrm>
-            <a:off x="555099" y="1393714"/>
-            <a:ext cx="10515598" cy="4989976"/>
+            <a:off x="170329" y="3290049"/>
+            <a:ext cx="11842376" cy="708210"/>
           </a:xfrm>
           <a:prstGeom prst="rect">
             <a:avLst/>
           </a:prstGeom>
+          <a:solidFill>
+            <a:schemeClr val="accent1">
+              <a:lumMod val="60000"/>
+              <a:lumOff val="40000"/>
+            </a:schemeClr>
+          </a:solidFill>
         </p:spPr>
+        <p:style>
+          <a:lnRef idx="2">
+            <a:schemeClr val="accent1">
+              <a:shade val="50000"/>
+            </a:schemeClr>
+          </a:lnRef>
+          <a:fillRef idx="1">
+            <a:schemeClr val="accent1"/>
+          </a:fillRef>
+          <a:effectRef idx="0">
+            <a:schemeClr val="accent1"/>
+          </a:effectRef>
+          <a:fontRef idx="minor">
+            <a:schemeClr val="lt1"/>
+          </a:fontRef>
+        </p:style>
         <p:txBody>
-          <a:bodyPr vert="horz" lIns="91440" tIns="45720" rIns="91440" bIns="45720" rtlCol="0">
-            <a:noAutofit/>
-          </a:bodyPr>
+          <a:bodyPr rtlCol="0" anchor="ctr"/>
           <a:lstStyle/>
           <a:p>
-            <a:pPr marL="514350" indent="-228600">
-              <a:lnSpc>
-                <a:spcPct val="90000"/>
-              </a:lnSpc>
-              <a:spcAft>
-                <a:spcPts val="600"/>
-              </a:spcAft>
-              <a:buFont typeface="Arial" panose="020B0604020202020204" pitchFamily="34" charset="0"/>
-              <a:buChar char="•"/>
-            </a:pPr>
-            <a:r>
-              <a:rPr lang="en-US" sz="3200" dirty="0">
-                <a:solidFill>
-                  <a:srgbClr val="FFFFFF"/>
-                </a:solidFill>
-              </a:rPr>
-              <a:t>Maximum 20 hours per week</a:t>
-            </a:r>
-          </a:p>
-          <a:p>
-            <a:pPr marL="514350" indent="-228600">
-              <a:lnSpc>
-                <a:spcPct val="90000"/>
-              </a:lnSpc>
-              <a:spcAft>
-                <a:spcPts val="600"/>
-              </a:spcAft>
-              <a:buFont typeface="Arial" panose="020B0604020202020204" pitchFamily="34" charset="0"/>
-              <a:buChar char="•"/>
-            </a:pPr>
-            <a:r>
-              <a:rPr lang="en-US" sz="3200" dirty="0">
-                <a:solidFill>
-                  <a:srgbClr val="FFFFFF"/>
-                </a:solidFill>
-              </a:rPr>
-              <a:t>Must have completed one academic year</a:t>
-            </a:r>
-          </a:p>
-          <a:p>
-            <a:pPr marL="514350" indent="-228600">
-              <a:lnSpc>
-                <a:spcPct val="90000"/>
-              </a:lnSpc>
-              <a:spcAft>
-                <a:spcPts val="600"/>
-              </a:spcAft>
-              <a:buFont typeface="Arial" panose="020B0604020202020204" pitchFamily="34" charset="0"/>
-              <a:buChar char="•"/>
-            </a:pPr>
-            <a:r>
-              <a:rPr lang="en-US" sz="3200" dirty="0">
-                <a:solidFill>
-                  <a:srgbClr val="FFFFFF"/>
-                </a:solidFill>
-              </a:rPr>
-              <a:t>Must be enrolled full-time</a:t>
-            </a:r>
-          </a:p>
-          <a:p>
-            <a:pPr marL="514350" indent="-228600">
-              <a:lnSpc>
-                <a:spcPct val="90000"/>
-              </a:lnSpc>
-              <a:spcAft>
-                <a:spcPts val="600"/>
-              </a:spcAft>
-              <a:buFont typeface="Arial" panose="020B0604020202020204" pitchFamily="34" charset="0"/>
-              <a:buChar char="•"/>
-            </a:pPr>
-            <a:r>
-              <a:rPr lang="en-US" sz="3200" dirty="0">
-                <a:solidFill>
-                  <a:srgbClr val="FFFFFF"/>
-                </a:solidFill>
-              </a:rPr>
-              <a:t>Employment must be a required part of degree requirements, ex: Internship course, practicum project</a:t>
-            </a:r>
-          </a:p>
-          <a:p>
-            <a:pPr marL="514350" indent="-228600">
-              <a:lnSpc>
-                <a:spcPct val="90000"/>
-              </a:lnSpc>
-              <a:spcAft>
-                <a:spcPts val="600"/>
-              </a:spcAft>
-              <a:buFont typeface="Arial" panose="020B0604020202020204" pitchFamily="34" charset="0"/>
-              <a:buChar char="•"/>
-            </a:pPr>
-            <a:r>
-              <a:rPr lang="en-US" sz="3200" dirty="0">
-                <a:solidFill>
-                  <a:srgbClr val="FFFFFF"/>
-                </a:solidFill>
-              </a:rPr>
-              <a:t>Must have letter/form from advisor and employer</a:t>
-            </a:r>
-          </a:p>
-          <a:p>
-            <a:pPr marL="514350" indent="-228600">
-              <a:lnSpc>
-                <a:spcPct val="90000"/>
-              </a:lnSpc>
-              <a:spcAft>
-                <a:spcPts val="600"/>
-              </a:spcAft>
-              <a:buFont typeface="Arial" panose="020B0604020202020204" pitchFamily="34" charset="0"/>
-              <a:buChar char="•"/>
-            </a:pPr>
-            <a:r>
-              <a:rPr lang="en-US" sz="3200" dirty="0">
-                <a:solidFill>
-                  <a:srgbClr val="FFFFFF"/>
-                </a:solidFill>
-              </a:rPr>
-              <a:t>IA will add authorization to I-20</a:t>
-            </a:r>
-          </a:p>
-          <a:p>
-            <a:pPr marL="514350" indent="-228600">
-              <a:lnSpc>
-                <a:spcPct val="90000"/>
-              </a:lnSpc>
-              <a:spcAft>
-                <a:spcPts val="600"/>
-              </a:spcAft>
-              <a:buFont typeface="Arial" panose="020B0604020202020204" pitchFamily="34" charset="0"/>
-              <a:buChar char="•"/>
-            </a:pPr>
-            <a:r>
-              <a:rPr lang="en-US" sz="3200" dirty="0">
-                <a:solidFill>
-                  <a:srgbClr val="FFFFFF"/>
-                </a:solidFill>
-              </a:rPr>
-              <a:t>No limit on part-time CPT.  12 month limit on full-time CPT.  FT will effect OPT eligibility.</a:t>
-            </a:r>
+            <a:pPr algn="ctr"/>
+            <a:endParaRPr lang="en-US"/>
           </a:p>
         </p:txBody>
       </p:sp>
       <p:sp>
         <p:nvSpPr>
-          <p:cNvPr id="2" name="TextBox 1">
-            <a:extLst>
-              <a:ext uri="{FF2B5EF4-FFF2-40B4-BE49-F238E27FC236}">
-                <a16:creationId xmlns:a16="http://schemas.microsoft.com/office/drawing/2014/main" id="{3614BBA4-F862-41F0-912E-6FABB413CA74}"/>
-              </a:ext>
-            </a:extLst>
-          </p:cNvPr>
-          <p:cNvSpPr txBox="1"/>
+          <p:cNvPr id="11" name="Rectangle 10"/>
+          <p:cNvSpPr/>
           <p:nvPr/>
         </p:nvSpPr>
         <p:spPr>
           <a:xfrm>
-            <a:off x="1330729" y="410792"/>
-            <a:ext cx="9493942" cy="1046440"/>
+            <a:off x="170329" y="3998258"/>
+            <a:ext cx="11842376" cy="1253763"/>
           </a:xfrm>
           <a:prstGeom prst="rect">
             <a:avLst/>
           </a:prstGeom>
-          <a:noFill/>
+          <a:solidFill>
+            <a:schemeClr val="accent1">
+              <a:lumMod val="60000"/>
+              <a:lumOff val="40000"/>
+            </a:schemeClr>
+          </a:solidFill>
         </p:spPr>
+        <p:style>
+          <a:lnRef idx="2">
+            <a:schemeClr val="accent1">
+              <a:shade val="50000"/>
+            </a:schemeClr>
+          </a:lnRef>
+          <a:fillRef idx="1">
+            <a:schemeClr val="accent1"/>
+          </a:fillRef>
+          <a:effectRef idx="0">
+            <a:schemeClr val="accent1"/>
+          </a:effectRef>
+          <a:fontRef idx="minor">
+            <a:schemeClr val="lt1"/>
+          </a:fontRef>
+        </p:style>
         <p:txBody>
-          <a:bodyPr wrap="square" rtlCol="0">
-            <a:spAutoFit/>
-          </a:bodyPr>
+          <a:bodyPr rtlCol="0" anchor="ctr"/>
           <a:lstStyle/>
           <a:p>
-            <a:r>
-              <a:rPr lang="en-US" sz="4400" dirty="0">
-                <a:solidFill>
-                  <a:srgbClr val="FFFFFF"/>
-                </a:solidFill>
-              </a:rPr>
-              <a:t>Curricular Practical Training</a:t>
-            </a:r>
-          </a:p>
-          <a:p>
-            <a:endParaRPr lang="en-US" dirty="0"/>
+            <a:pPr algn="ctr"/>
+            <a:endParaRPr lang="en-US"/>
+          </a:p>
+        </p:txBody>
+      </p:sp>
+      <p:sp>
+        <p:nvSpPr>
+          <p:cNvPr id="12" name="Rectangle 11"/>
+          <p:cNvSpPr/>
+          <p:nvPr/>
+        </p:nvSpPr>
+        <p:spPr>
+          <a:xfrm>
+            <a:off x="170329" y="5252022"/>
+            <a:ext cx="11842376" cy="924660"/>
+          </a:xfrm>
+          <a:prstGeom prst="rect">
+            <a:avLst/>
+          </a:prstGeom>
+          <a:solidFill>
+            <a:schemeClr val="accent1">
+              <a:lumMod val="60000"/>
+              <a:lumOff val="40000"/>
+            </a:schemeClr>
+          </a:solidFill>
+        </p:spPr>
+        <p:style>
+          <a:lnRef idx="2">
+            <a:schemeClr val="accent1">
+              <a:shade val="50000"/>
+            </a:schemeClr>
+          </a:lnRef>
+          <a:fillRef idx="1">
+            <a:schemeClr val="accent1"/>
+          </a:fillRef>
+          <a:effectRef idx="0">
+            <a:schemeClr val="accent1"/>
+          </a:effectRef>
+          <a:fontRef idx="minor">
+            <a:schemeClr val="lt1"/>
+          </a:fontRef>
+        </p:style>
+        <p:txBody>
+          <a:bodyPr rtlCol="0" anchor="ctr"/>
+          <a:lstStyle/>
+          <a:p>
+            <a:pPr algn="ctr"/>
+            <a:endParaRPr lang="en-US"/>
+          </a:p>
+        </p:txBody>
+      </p:sp>
+      <p:sp>
+        <p:nvSpPr>
+          <p:cNvPr id="13" name="Rectangle 12"/>
+          <p:cNvSpPr/>
+          <p:nvPr/>
+        </p:nvSpPr>
+        <p:spPr>
+          <a:xfrm>
+            <a:off x="170329" y="6176682"/>
+            <a:ext cx="11842376" cy="367553"/>
+          </a:xfrm>
+          <a:prstGeom prst="rect">
+            <a:avLst/>
+          </a:prstGeom>
+          <a:solidFill>
+            <a:schemeClr val="accent1">
+              <a:lumMod val="60000"/>
+              <a:lumOff val="40000"/>
+            </a:schemeClr>
+          </a:solidFill>
+        </p:spPr>
+        <p:style>
+          <a:lnRef idx="2">
+            <a:schemeClr val="accent1">
+              <a:shade val="50000"/>
+            </a:schemeClr>
+          </a:lnRef>
+          <a:fillRef idx="1">
+            <a:schemeClr val="accent1"/>
+          </a:fillRef>
+          <a:effectRef idx="0">
+            <a:schemeClr val="accent1"/>
+          </a:effectRef>
+          <a:fontRef idx="minor">
+            <a:schemeClr val="lt1"/>
+          </a:fontRef>
+        </p:style>
+        <p:txBody>
+          <a:bodyPr rtlCol="0" anchor="ctr"/>
+          <a:lstStyle/>
+          <a:p>
+            <a:pPr algn="ctr"/>
+            <a:endParaRPr lang="en-US"/>
           </a:p>
         </p:txBody>
       </p:sp>
     </p:spTree>
     <p:extLst>
       <p:ext uri="{BB962C8B-B14F-4D97-AF65-F5344CB8AC3E}">
-        <p14:creationId xmlns:p14="http://schemas.microsoft.com/office/powerpoint/2010/main" val="2952571430"/>
+        <p14:creationId xmlns:p14="http://schemas.microsoft.com/office/powerpoint/2010/main" val="4156166423"/>
       </p:ext>
     </p:extLst>
   </p:cSld>
@@ -14928,87 +18150,37 @@
                             </p:stCondLst>
                             <p:childTnLst>
                               <p:par>
-                                <p:cTn id="5" presetID="2" presetClass="entr" presetSubtype="4" fill="hold" nodeType="clickEffect">
+                                <p:cTn id="5" presetID="10" presetClass="exit" presetSubtype="0" fill="hold" grpId="0" nodeType="clickEffect">
                                   <p:stCondLst>
                                     <p:cond delay="0"/>
                                   </p:stCondLst>
                                   <p:childTnLst>
+                                    <p:animEffect transition="out" filter="fade">
+                                      <p:cBhvr>
+                                        <p:cTn id="6" dur="500"/>
+                                        <p:tgtEl>
+                                          <p:spTgt spid="5"/>
+                                        </p:tgtEl>
+                                      </p:cBhvr>
+                                    </p:animEffect>
                                     <p:set>
                                       <p:cBhvr>
-                                        <p:cTn id="6" dur="1" fill="hold">
+                                        <p:cTn id="7" dur="1" fill="hold">
                                           <p:stCondLst>
-                                            <p:cond delay="0"/>
+                                            <p:cond delay="499"/>
                                           </p:stCondLst>
                                         </p:cTn>
                                         <p:tgtEl>
-                                          <p:spTgt spid="9">
-                                            <p:txEl>
-                                              <p:pRg st="0" end="0"/>
-                                            </p:txEl>
-                                          </p:spTgt>
+                                          <p:spTgt spid="5"/>
                                         </p:tgtEl>
                                         <p:attrNameLst>
                                           <p:attrName>style.visibility</p:attrName>
                                         </p:attrNameLst>
                                       </p:cBhvr>
                                       <p:to>
-                                        <p:strVal val="visible"/>
+                                        <p:strVal val="hidden"/>
                                       </p:to>
                                     </p:set>
-                                    <p:anim calcmode="lin" valueType="num">
-                                      <p:cBhvr additive="base">
-                                        <p:cTn id="7" dur="500" fill="hold"/>
-                                        <p:tgtEl>
-                                          <p:spTgt spid="9">
-                                            <p:txEl>
-                                              <p:pRg st="0" end="0"/>
-                                            </p:txEl>
-                                          </p:spTgt>
-                                        </p:tgtEl>
-                                        <p:attrNameLst>
-                                          <p:attrName>ppt_x</p:attrName>
-                                        </p:attrNameLst>
-                                      </p:cBhvr>
-                                      <p:tavLst>
-                                        <p:tav tm="0">
-                                          <p:val>
-                                            <p:strVal val="#ppt_x"/>
-                                          </p:val>
-                                        </p:tav>
-                                        <p:tav tm="100000">
-                                          <p:val>
-                                            <p:strVal val="#ppt_x"/>
-                                          </p:val>
-                                        </p:tav>
-                                      </p:tavLst>
-                                    </p:anim>
-                                    <p:anim calcmode="lin" valueType="num">
-                                      <p:cBhvr additive="base">
-                                        <p:cTn id="8" dur="500" fill="hold"/>
-                                        <p:tgtEl>
-                                          <p:spTgt spid="9">
-                                            <p:txEl>
-                                              <p:pRg st="0" end="0"/>
-                                            </p:txEl>
-                                          </p:spTgt>
-                                        </p:tgtEl>
-                                        <p:attrNameLst>
-                                          <p:attrName>ppt_y</p:attrName>
-                                        </p:attrNameLst>
-                                      </p:cBhvr>
-                                      <p:tavLst>
-                                        <p:tav tm="0">
-                                          <p:val>
-                                            <p:strVal val="1+#ppt_h/2"/>
-                                          </p:val>
-                                        </p:tav>
-                                        <p:tav tm="100000">
-                                          <p:val>
-                                            <p:strVal val="#ppt_y"/>
-                                          </p:val>
-                                        </p:tav>
-                                      </p:tavLst>
-                                    </p:anim>
                                   </p:childTnLst>
                                 </p:cTn>
                               </p:par>
@@ -15019,99 +18191,49 @@
                     </p:cTn>
                   </p:par>
                   <p:par>
-                    <p:cTn id="9" fill="hold">
+                    <p:cTn id="8" fill="hold">
                       <p:stCondLst>
                         <p:cond delay="indefinite"/>
                       </p:stCondLst>
                       <p:childTnLst>
                         <p:par>
-                          <p:cTn id="10" fill="hold">
+                          <p:cTn id="9" fill="hold">
                             <p:stCondLst>
                               <p:cond delay="0"/>
                             </p:stCondLst>
                             <p:childTnLst>
                               <p:par>
-                                <p:cTn id="11" presetID="2" presetClass="entr" presetSubtype="4" fill="hold" nodeType="clickEffect">
+                                <p:cTn id="10" presetID="10" presetClass="exit" presetSubtype="0" fill="hold" grpId="0" nodeType="clickEffect">
                                   <p:stCondLst>
                                     <p:cond delay="0"/>
                                   </p:stCondLst>
                                   <p:childTnLst>
+                                    <p:animEffect transition="out" filter="fade">
+                                      <p:cBhvr>
+                                        <p:cTn id="11" dur="500"/>
+                                        <p:tgtEl>
+                                          <p:spTgt spid="10"/>
+                                        </p:tgtEl>
+                                      </p:cBhvr>
+                                    </p:animEffect>
                                     <p:set>
                                       <p:cBhvr>
                                         <p:cTn id="12" dur="1" fill="hold">
                                           <p:stCondLst>
-                                            <p:cond delay="0"/>
+                                            <p:cond delay="499"/>
                                           </p:stCondLst>
                                         </p:cTn>
                                         <p:tgtEl>
-                                          <p:spTgt spid="9">
-                                            <p:txEl>
-                                              <p:pRg st="1" end="1"/>
-                                            </p:txEl>
-                                          </p:spTgt>
+                                          <p:spTgt spid="10"/>
                                         </p:tgtEl>
                                         <p:attrNameLst>
                                           <p:attrName>style.visibility</p:attrName>
                                         </p:attrNameLst>
                                       </p:cBhvr>
                                       <p:to>
-                                        <p:strVal val="visible"/>
+                                        <p:strVal val="hidden"/>
                                       </p:to>
                                     </p:set>
-                                    <p:anim calcmode="lin" valueType="num">
-                                      <p:cBhvr additive="base">
-                                        <p:cTn id="13" dur="500" fill="hold"/>
-                                        <p:tgtEl>
-                                          <p:spTgt spid="9">
-                                            <p:txEl>
-                                              <p:pRg st="1" end="1"/>
-                                            </p:txEl>
-                                          </p:spTgt>
-                                        </p:tgtEl>
-                                        <p:attrNameLst>
-                                          <p:attrName>ppt_x</p:attrName>
-                                        </p:attrNameLst>
-                                      </p:cBhvr>
-                                      <p:tavLst>
-                                        <p:tav tm="0">
-                                          <p:val>
-                                            <p:strVal val="#ppt_x"/>
-                                          </p:val>
-                                        </p:tav>
-                                        <p:tav tm="100000">
-                                          <p:val>
-                                            <p:strVal val="#ppt_x"/>
-                                          </p:val>
-                                        </p:tav>
-                                      </p:tavLst>
-                                    </p:anim>
-                                    <p:anim calcmode="lin" valueType="num">
-                                      <p:cBhvr additive="base">
-                                        <p:cTn id="14" dur="500" fill="hold"/>
-                                        <p:tgtEl>
-                                          <p:spTgt spid="9">
-                                            <p:txEl>
-                                              <p:pRg st="1" end="1"/>
-                                            </p:txEl>
-                                          </p:spTgt>
-                                        </p:tgtEl>
-                                        <p:attrNameLst>
-                                          <p:attrName>ppt_y</p:attrName>
-                                        </p:attrNameLst>
-                                      </p:cBhvr>
-                                      <p:tavLst>
-                                        <p:tav tm="0">
-                                          <p:val>
-                                            <p:strVal val="1+#ppt_h/2"/>
-                                          </p:val>
-                                        </p:tav>
-                                        <p:tav tm="100000">
-                                          <p:val>
-                                            <p:strVal val="#ppt_y"/>
-                                          </p:val>
-                                        </p:tav>
-                                      </p:tavLst>
-                                    </p:anim>
                                   </p:childTnLst>
                                 </p:cTn>
                               </p:par>
@@ -15122,99 +18244,49 @@
                     </p:cTn>
                   </p:par>
                   <p:par>
-                    <p:cTn id="15" fill="hold">
+                    <p:cTn id="13" fill="hold">
                       <p:stCondLst>
                         <p:cond delay="indefinite"/>
                       </p:stCondLst>
                       <p:childTnLst>
                         <p:par>
-                          <p:cTn id="16" fill="hold">
+                          <p:cTn id="14" fill="hold">
                             <p:stCondLst>
                               <p:cond delay="0"/>
                             </p:stCondLst>
                             <p:childTnLst>
                               <p:par>
-                                <p:cTn id="17" presetID="2" presetClass="entr" presetSubtype="4" fill="hold" nodeType="clickEffect">
+                                <p:cTn id="15" presetID="10" presetClass="exit" presetSubtype="0" fill="hold" grpId="0" nodeType="clickEffect">
                                   <p:stCondLst>
                                     <p:cond delay="0"/>
                                   </p:stCondLst>
                                   <p:childTnLst>
+                                    <p:animEffect transition="out" filter="fade">
+                                      <p:cBhvr>
+                                        <p:cTn id="16" dur="500"/>
+                                        <p:tgtEl>
+                                          <p:spTgt spid="11"/>
+                                        </p:tgtEl>
+                                      </p:cBhvr>
+                                    </p:animEffect>
                                     <p:set>
                                       <p:cBhvr>
-                                        <p:cTn id="18" dur="1" fill="hold">
+                                        <p:cTn id="17" dur="1" fill="hold">
                                           <p:stCondLst>
-                                            <p:cond delay="0"/>
+                                            <p:cond delay="499"/>
                                           </p:stCondLst>
                                         </p:cTn>
                                         <p:tgtEl>
-                                          <p:spTgt spid="9">
-                                            <p:txEl>
-                                              <p:pRg st="2" end="2"/>
-                                            </p:txEl>
-                                          </p:spTgt>
+                                          <p:spTgt spid="11"/>
                                         </p:tgtEl>
                                         <p:attrNameLst>
                                           <p:attrName>style.visibility</p:attrName>
                                         </p:attrNameLst>
                                       </p:cBhvr>
                                       <p:to>
-                                        <p:strVal val="visible"/>
+                                        <p:strVal val="hidden"/>
                                       </p:to>
                                     </p:set>
-                                    <p:anim calcmode="lin" valueType="num">
-                                      <p:cBhvr additive="base">
-                                        <p:cTn id="19" dur="500" fill="hold"/>
-                                        <p:tgtEl>
-                                          <p:spTgt spid="9">
-                                            <p:txEl>
-                                              <p:pRg st="2" end="2"/>
-                                            </p:txEl>
-                                          </p:spTgt>
-                                        </p:tgtEl>
-                                        <p:attrNameLst>
-                                          <p:attrName>ppt_x</p:attrName>
-                                        </p:attrNameLst>
-                                      </p:cBhvr>
-                                      <p:tavLst>
-                                        <p:tav tm="0">
-                                          <p:val>
-                                            <p:strVal val="#ppt_x"/>
-                                          </p:val>
-                                        </p:tav>
-                                        <p:tav tm="100000">
-                                          <p:val>
-                                            <p:strVal val="#ppt_x"/>
-                                          </p:val>
-                                        </p:tav>
-                                      </p:tavLst>
-                                    </p:anim>
-                                    <p:anim calcmode="lin" valueType="num">
-                                      <p:cBhvr additive="base">
-                                        <p:cTn id="20" dur="500" fill="hold"/>
-                                        <p:tgtEl>
-                                          <p:spTgt spid="9">
-                                            <p:txEl>
-                                              <p:pRg st="2" end="2"/>
-                                            </p:txEl>
-                                          </p:spTgt>
-                                        </p:tgtEl>
-                                        <p:attrNameLst>
-                                          <p:attrName>ppt_y</p:attrName>
-                                        </p:attrNameLst>
-                                      </p:cBhvr>
-                                      <p:tavLst>
-                                        <p:tav tm="0">
-                                          <p:val>
-                                            <p:strVal val="1+#ppt_h/2"/>
-                                          </p:val>
-                                        </p:tav>
-                                        <p:tav tm="100000">
-                                          <p:val>
-                                            <p:strVal val="#ppt_y"/>
-                                          </p:val>
-                                        </p:tav>
-                                      </p:tavLst>
-                                    </p:anim>
                                   </p:childTnLst>
                                 </p:cTn>
                               </p:par>
@@ -15225,99 +18297,49 @@
                     </p:cTn>
                   </p:par>
                   <p:par>
-                    <p:cTn id="21" fill="hold">
+                    <p:cTn id="18" fill="hold">
                       <p:stCondLst>
                         <p:cond delay="indefinite"/>
                       </p:stCondLst>
                       <p:childTnLst>
                         <p:par>
-                          <p:cTn id="22" fill="hold">
+                          <p:cTn id="19" fill="hold">
                             <p:stCondLst>
                               <p:cond delay="0"/>
                             </p:stCondLst>
                             <p:childTnLst>
                               <p:par>
-                                <p:cTn id="23" presetID="2" presetClass="entr" presetSubtype="4" fill="hold" nodeType="clickEffect">
+                                <p:cTn id="20" presetID="10" presetClass="exit" presetSubtype="0" fill="hold" grpId="0" nodeType="clickEffect">
                                   <p:stCondLst>
                                     <p:cond delay="0"/>
                                   </p:stCondLst>
                                   <p:childTnLst>
+                                    <p:animEffect transition="out" filter="fade">
+                                      <p:cBhvr>
+                                        <p:cTn id="21" dur="500"/>
+                                        <p:tgtEl>
+                                          <p:spTgt spid="12"/>
+                                        </p:tgtEl>
+                                      </p:cBhvr>
+                                    </p:animEffect>
                                     <p:set>
                                       <p:cBhvr>
-                                        <p:cTn id="24" dur="1" fill="hold">
+                                        <p:cTn id="22" dur="1" fill="hold">
                                           <p:stCondLst>
-                                            <p:cond delay="0"/>
+                                            <p:cond delay="499"/>
                                           </p:stCondLst>
                                         </p:cTn>
                                         <p:tgtEl>
-                                          <p:spTgt spid="9">
-                                            <p:txEl>
-                                              <p:pRg st="3" end="3"/>
-                                            </p:txEl>
-                                          </p:spTgt>
+                                          <p:spTgt spid="12"/>
                                         </p:tgtEl>
                                         <p:attrNameLst>
                                           <p:attrName>style.visibility</p:attrName>
                                         </p:attrNameLst>
                                       </p:cBhvr>
                                       <p:to>
-                                        <p:strVal val="visible"/>
+                                        <p:strVal val="hidden"/>
                                       </p:to>
                                     </p:set>
-                                    <p:anim calcmode="lin" valueType="num">
-                                      <p:cBhvr additive="base">
-                                        <p:cTn id="25" dur="500" fill="hold"/>
-                                        <p:tgtEl>
-                                          <p:spTgt spid="9">
-                                            <p:txEl>
-                                              <p:pRg st="3" end="3"/>
-                                            </p:txEl>
-                                          </p:spTgt>
-                                        </p:tgtEl>
-                                        <p:attrNameLst>
-                                          <p:attrName>ppt_x</p:attrName>
-                                        </p:attrNameLst>
-                                      </p:cBhvr>
-                                      <p:tavLst>
-                                        <p:tav tm="0">
-                                          <p:val>
-                                            <p:strVal val="#ppt_x"/>
-                                          </p:val>
-                                        </p:tav>
-                                        <p:tav tm="100000">
-                                          <p:val>
-                                            <p:strVal val="#ppt_x"/>
-                                          </p:val>
-                                        </p:tav>
-                                      </p:tavLst>
-                                    </p:anim>
-                                    <p:anim calcmode="lin" valueType="num">
-                                      <p:cBhvr additive="base">
-                                        <p:cTn id="26" dur="500" fill="hold"/>
-                                        <p:tgtEl>
-                                          <p:spTgt spid="9">
-                                            <p:txEl>
-                                              <p:pRg st="3" end="3"/>
-                                            </p:txEl>
-                                          </p:spTgt>
-                                        </p:tgtEl>
-                                        <p:attrNameLst>
-                                          <p:attrName>ppt_y</p:attrName>
-                                        </p:attrNameLst>
-                                      </p:cBhvr>
-                                      <p:tavLst>
-                                        <p:tav tm="0">
-                                          <p:val>
-                                            <p:strVal val="1+#ppt_h/2"/>
-                                          </p:val>
-                                        </p:tav>
-                                        <p:tav tm="100000">
-                                          <p:val>
-                                            <p:strVal val="#ppt_y"/>
-                                          </p:val>
-                                        </p:tav>
-                                      </p:tavLst>
-                                    </p:anim>
                                   </p:childTnLst>
                                 </p:cTn>
                               </p:par>
@@ -15328,305 +18350,49 @@
                     </p:cTn>
                   </p:par>
                   <p:par>
-                    <p:cTn id="27" fill="hold">
+                    <p:cTn id="23" fill="hold">
                       <p:stCondLst>
                         <p:cond delay="indefinite"/>
                       </p:stCondLst>
                       <p:childTnLst>
                         <p:par>
-                          <p:cTn id="28" fill="hold">
+                          <p:cTn id="24" fill="hold">
                             <p:stCondLst>
                               <p:cond delay="0"/>
                             </p:stCondLst>
                             <p:childTnLst>
                               <p:par>
-                                <p:cTn id="29" presetID="2" presetClass="entr" presetSubtype="4" fill="hold" nodeType="clickEffect">
+                                <p:cTn id="25" presetID="10" presetClass="exit" presetSubtype="0" fill="hold" grpId="0" nodeType="clickEffect">
                                   <p:stCondLst>
                                     <p:cond delay="0"/>
                                   </p:stCondLst>
                                   <p:childTnLst>
+                                    <p:animEffect transition="out" filter="fade">
+                                      <p:cBhvr>
+                                        <p:cTn id="26" dur="500"/>
+                                        <p:tgtEl>
+                                          <p:spTgt spid="13"/>
+                                        </p:tgtEl>
+                                      </p:cBhvr>
+                                    </p:animEffect>
                                     <p:set>
                                       <p:cBhvr>
-                                        <p:cTn id="30" dur="1" fill="hold">
+                                        <p:cTn id="27" dur="1" fill="hold">
                                           <p:stCondLst>
-                                            <p:cond delay="0"/>
+                                            <p:cond delay="499"/>
                                           </p:stCondLst>
                                         </p:cTn>
                                         <p:tgtEl>
-                                          <p:spTgt spid="9">
-                                            <p:txEl>
-                                              <p:pRg st="4" end="4"/>
-                                            </p:txEl>
-                                          </p:spTgt>
+                                          <p:spTgt spid="13"/>
                                         </p:tgtEl>
                                         <p:attrNameLst>
                                           <p:attrName>style.visibility</p:attrName>
                                         </p:attrNameLst>
                                       </p:cBhvr>
                                       <p:to>
-                                        <p:strVal val="visible"/>
+                                        <p:strVal val="hidden"/>
                                       </p:to>
                                     </p:set>
-                                    <p:anim calcmode="lin" valueType="num">
-                                      <p:cBhvr additive="base">
-                                        <p:cTn id="31" dur="500" fill="hold"/>
-                                        <p:tgtEl>
-                                          <p:spTgt spid="9">
-                                            <p:txEl>
-                                              <p:pRg st="4" end="4"/>
-                                            </p:txEl>
-                                          </p:spTgt>
-                                        </p:tgtEl>
-                                        <p:attrNameLst>
-                                          <p:attrName>ppt_x</p:attrName>
-                                        </p:attrNameLst>
-                                      </p:cBhvr>
-                                      <p:tavLst>
-                                        <p:tav tm="0">
-                                          <p:val>
-                                            <p:strVal val="#ppt_x"/>
-                                          </p:val>
-                                        </p:tav>
-                                        <p:tav tm="100000">
-                                          <p:val>
-                                            <p:strVal val="#ppt_x"/>
-                                          </p:val>
-                                        </p:tav>
-                                      </p:tavLst>
-                                    </p:anim>
-                                    <p:anim calcmode="lin" valueType="num">
-                                      <p:cBhvr additive="base">
-                                        <p:cTn id="32" dur="500" fill="hold"/>
-                                        <p:tgtEl>
-                                          <p:spTgt spid="9">
-                                            <p:txEl>
-                                              <p:pRg st="4" end="4"/>
-                                            </p:txEl>
-                                          </p:spTgt>
-                                        </p:tgtEl>
-                                        <p:attrNameLst>
-                                          <p:attrName>ppt_y</p:attrName>
-                                        </p:attrNameLst>
-                                      </p:cBhvr>
-                                      <p:tavLst>
-                                        <p:tav tm="0">
-                                          <p:val>
-                                            <p:strVal val="1+#ppt_h/2"/>
-                                          </p:val>
-                                        </p:tav>
-                                        <p:tav tm="100000">
-                                          <p:val>
-                                            <p:strVal val="#ppt_y"/>
-                                          </p:val>
-                                        </p:tav>
-                                      </p:tavLst>
-                                    </p:anim>
-                                  </p:childTnLst>
-                                </p:cTn>
-                              </p:par>
-                            </p:childTnLst>
-                          </p:cTn>
-                        </p:par>
-                      </p:childTnLst>
-                    </p:cTn>
-                  </p:par>
-                  <p:par>
-                    <p:cTn id="33" fill="hold">
-                      <p:stCondLst>
-                        <p:cond delay="indefinite"/>
-                      </p:stCondLst>
-                      <p:childTnLst>
-                        <p:par>
-                          <p:cTn id="34" fill="hold">
-                            <p:stCondLst>
-                              <p:cond delay="0"/>
-                            </p:stCondLst>
-                            <p:childTnLst>
-                              <p:par>
-                                <p:cTn id="35" presetID="2" presetClass="entr" presetSubtype="4" fill="hold" nodeType="clickEffect">
-                                  <p:stCondLst>
-                                    <p:cond delay="0"/>
-                                  </p:stCondLst>
-                                  <p:childTnLst>
-                                    <p:set>
-                                      <p:cBhvr>
-                                        <p:cTn id="36" dur="1" fill="hold">
-                                          <p:stCondLst>
-                                            <p:cond delay="0"/>
-                                          </p:stCondLst>
-                                        </p:cTn>
-                                        <p:tgtEl>
-                                          <p:spTgt spid="9">
-                                            <p:txEl>
-                                              <p:pRg st="5" end="5"/>
-                                            </p:txEl>
-                                          </p:spTgt>
-                                        </p:tgtEl>
-                                        <p:attrNameLst>
-                                          <p:attrName>style.visibility</p:attrName>
-                                        </p:attrNameLst>
-                                      </p:cBhvr>
-                                      <p:to>
-                                        <p:strVal val="visible"/>
-                                      </p:to>
-                                    </p:set>
-                                    <p:anim calcmode="lin" valueType="num">
-                                      <p:cBhvr additive="base">
-                                        <p:cTn id="37" dur="500" fill="hold"/>
-                                        <p:tgtEl>
-                                          <p:spTgt spid="9">
-                                            <p:txEl>
-                                              <p:pRg st="5" end="5"/>
-                                            </p:txEl>
-                                          </p:spTgt>
-                                        </p:tgtEl>
-                                        <p:attrNameLst>
-                                          <p:attrName>ppt_x</p:attrName>
-                                        </p:attrNameLst>
-                                      </p:cBhvr>
-                                      <p:tavLst>
-                                        <p:tav tm="0">
-                                          <p:val>
-                                            <p:strVal val="#ppt_x"/>
-                                          </p:val>
-                                        </p:tav>
-                                        <p:tav tm="100000">
-                                          <p:val>
-                                            <p:strVal val="#ppt_x"/>
-                                          </p:val>
-                                        </p:tav>
-                                      </p:tavLst>
-                                    </p:anim>
-                                    <p:anim calcmode="lin" valueType="num">
-                                      <p:cBhvr additive="base">
-                                        <p:cTn id="38" dur="500" fill="hold"/>
-                                        <p:tgtEl>
-                                          <p:spTgt spid="9">
-                                            <p:txEl>
-                                              <p:pRg st="5" end="5"/>
-                                            </p:txEl>
-                                          </p:spTgt>
-                                        </p:tgtEl>
-                                        <p:attrNameLst>
-                                          <p:attrName>ppt_y</p:attrName>
-                                        </p:attrNameLst>
-                                      </p:cBhvr>
-                                      <p:tavLst>
-                                        <p:tav tm="0">
-                                          <p:val>
-                                            <p:strVal val="1+#ppt_h/2"/>
-                                          </p:val>
-                                        </p:tav>
-                                        <p:tav tm="100000">
-                                          <p:val>
-                                            <p:strVal val="#ppt_y"/>
-                                          </p:val>
-                                        </p:tav>
-                                      </p:tavLst>
-                                    </p:anim>
-                                  </p:childTnLst>
-                                </p:cTn>
-                              </p:par>
-                            </p:childTnLst>
-                          </p:cTn>
-                        </p:par>
-                      </p:childTnLst>
-                    </p:cTn>
-                  </p:par>
-                  <p:par>
-                    <p:cTn id="39" fill="hold">
-                      <p:stCondLst>
-                        <p:cond delay="indefinite"/>
-                      </p:stCondLst>
-                      <p:childTnLst>
-                        <p:par>
-                          <p:cTn id="40" fill="hold">
-                            <p:stCondLst>
-                              <p:cond delay="0"/>
-                            </p:stCondLst>
-                            <p:childTnLst>
-                              <p:par>
-                                <p:cTn id="41" presetID="2" presetClass="entr" presetSubtype="4" fill="hold" nodeType="clickEffect">
-                                  <p:stCondLst>
-                                    <p:cond delay="0"/>
-                                  </p:stCondLst>
-                                  <p:childTnLst>
-                                    <p:set>
-                                      <p:cBhvr>
-                                        <p:cTn id="42" dur="1" fill="hold">
-                                          <p:stCondLst>
-                                            <p:cond delay="0"/>
-                                          </p:stCondLst>
-                                        </p:cTn>
-                                        <p:tgtEl>
-                                          <p:spTgt spid="9">
-                                            <p:txEl>
-                                              <p:pRg st="6" end="6"/>
-                                            </p:txEl>
-                                          </p:spTgt>
-                                        </p:tgtEl>
-                                        <p:attrNameLst>
-                                          <p:attrName>style.visibility</p:attrName>
-                                        </p:attrNameLst>
-                                      </p:cBhvr>
-                                      <p:to>
-                                        <p:strVal val="visible"/>
-                                      </p:to>
-                                    </p:set>
-                                    <p:anim calcmode="lin" valueType="num">
-                                      <p:cBhvr additive="base">
-                                        <p:cTn id="43" dur="500" fill="hold"/>
-                                        <p:tgtEl>
-                                          <p:spTgt spid="9">
-                                            <p:txEl>
-                                              <p:pRg st="6" end="6"/>
-                                            </p:txEl>
-                                          </p:spTgt>
-                                        </p:tgtEl>
-                                        <p:attrNameLst>
-                                          <p:attrName>ppt_x</p:attrName>
-                                        </p:attrNameLst>
-                                      </p:cBhvr>
-                                      <p:tavLst>
-                                        <p:tav tm="0">
-                                          <p:val>
-                                            <p:strVal val="#ppt_x"/>
-                                          </p:val>
-                                        </p:tav>
-                                        <p:tav tm="100000">
-                                          <p:val>
-                                            <p:strVal val="#ppt_x"/>
-                                          </p:val>
-                                        </p:tav>
-                                      </p:tavLst>
-                                    </p:anim>
-                                    <p:anim calcmode="lin" valueType="num">
-                                      <p:cBhvr additive="base">
-                                        <p:cTn id="44" dur="500" fill="hold"/>
-                                        <p:tgtEl>
-                                          <p:spTgt spid="9">
-                                            <p:txEl>
-                                              <p:pRg st="6" end="6"/>
-                                            </p:txEl>
-                                          </p:spTgt>
-                                        </p:tgtEl>
-                                        <p:attrNameLst>
-                                          <p:attrName>ppt_y</p:attrName>
-                                        </p:attrNameLst>
-                                      </p:cBhvr>
-                                      <p:tavLst>
-                                        <p:tav tm="0">
-                                          <p:val>
-                                            <p:strVal val="1+#ppt_h/2"/>
-                                          </p:val>
-                                        </p:tav>
-                                        <p:tav tm="100000">
-                                          <p:val>
-                                            <p:strVal val="#ppt_y"/>
-                                          </p:val>
-                                        </p:tav>
-                                      </p:tavLst>
-                                    </p:anim>
                                   </p:childTnLst>
                                 </p:cTn>
                               </p:par>
@@ -15657,6 +18423,13 @@
         </p:cTn>
       </p:par>
     </p:tnLst>
+    <p:bldLst>
+      <p:bldP spid="5" grpId="0" animBg="1"/>
+      <p:bldP spid="10" grpId="0" animBg="1"/>
+      <p:bldP spid="11" grpId="0" animBg="1"/>
+      <p:bldP spid="12" grpId="0" animBg="1"/>
+      <p:bldP spid="13" grpId="0" animBg="1"/>
+    </p:bldLst>
   </p:timing>
 </p:sld>
 </file>
@@ -15667,7 +18440,10 @@
     <p:bg>
       <p:bgPr>
         <a:solidFill>
-          <a:srgbClr val="404040"/>
+          <a:schemeClr val="bg1">
+            <a:tint val="95000"/>
+            <a:satMod val="170000"/>
+          </a:schemeClr>
         </a:solidFill>
         <a:effectLst/>
       </p:bgPr>
@@ -15688,13 +18464,13 @@
       </p:grpSpPr>
       <p:sp>
         <p:nvSpPr>
-          <p:cNvPr id="14" name="Rectangle 13">
+          <p:cNvPr id="19" name="Rectangle 18">
             <a:extLst>
               <a:ext uri="{FF2B5EF4-FFF2-40B4-BE49-F238E27FC236}">
-                <a16:creationId xmlns:a16="http://schemas.microsoft.com/office/drawing/2014/main" id="{EA67B5B4-3A24-436E-B663-1B2EBFF8A0CD}"/>
+                <a16:creationId xmlns:a16="http://schemas.microsoft.com/office/drawing/2014/main" xmlns="" id="{3A4F209C-C20E-4FA7-B241-1EF4F8D193B2}"/>
               </a:ext>
               <a:ext uri="{C183D7F6-B498-43B3-948B-1728B52AA6E4}">
-                <adec:decorative xmlns:adec="http://schemas.microsoft.com/office/drawing/2017/decorative" val="1"/>
+                <adec:decorative xmlns:adec="http://schemas.microsoft.com/office/drawing/2017/decorative" xmlns="" val="1"/>
               </a:ext>
             </a:extLst>
           </p:cNvPr>
@@ -15704,21 +18480,21 @@
           <p:nvPr>
             <p:extLst>
               <p:ext uri="{386F3935-93C4-4BCD-93E2-E3B085C9AB24}">
-                <p16:designElem xmlns:p16="http://schemas.microsoft.com/office/powerpoint/2015/main" val="1"/>
+                <p16:designElem xmlns:p16="http://schemas.microsoft.com/office/powerpoint/2015/main" xmlns="" val="1"/>
               </p:ext>
             </p:extLst>
           </p:nvPr>
         </p:nvSpPr>
         <p:spPr>
           <a:xfrm>
-            <a:off x="0" y="-3324"/>
-            <a:ext cx="12192000" cy="6861324"/>
+            <a:off x="0" y="0"/>
+            <a:ext cx="12192000" cy="1690688"/>
           </a:xfrm>
           <a:prstGeom prst="rect">
             <a:avLst/>
           </a:prstGeom>
           <a:solidFill>
-            <a:srgbClr val="404040"/>
+            <a:schemeClr val="tx1"/>
           </a:solidFill>
           <a:ln>
             <a:noFill/>
@@ -15749,15 +18525,15 @@
           </a:p>
         </p:txBody>
       </p:sp>
-      <p:sp>
+      <p:sp useBgFill="1">
         <p:nvSpPr>
-          <p:cNvPr id="16" name="Freeform 13">
+          <p:cNvPr id="21" name="Rectangle 20">
             <a:extLst>
               <a:ext uri="{FF2B5EF4-FFF2-40B4-BE49-F238E27FC236}">
-                <a16:creationId xmlns:a16="http://schemas.microsoft.com/office/drawing/2014/main" id="{987FDF89-C993-41F4-A1B8-DBAFF16008A9}"/>
+                <a16:creationId xmlns:a16="http://schemas.microsoft.com/office/drawing/2014/main" xmlns="" id="{E4564234-45B0-4ED8-A9E2-199C00173276}"/>
               </a:ext>
               <a:ext uri="{C183D7F6-B498-43B3-948B-1728B52AA6E4}">
-                <adec:decorative xmlns:adec="http://schemas.microsoft.com/office/drawing/2017/decorative" val="1"/>
+                <adec:decorative xmlns:adec="http://schemas.microsoft.com/office/drawing/2017/decorative" xmlns="" val="1"/>
               </a:ext>
             </a:extLst>
           </p:cNvPr>
@@ -15767,67 +18543,19 @@
           <p:nvPr>
             <p:extLst>
               <p:ext uri="{386F3935-93C4-4BCD-93E2-E3B085C9AB24}">
-                <p16:designElem xmlns:p16="http://schemas.microsoft.com/office/powerpoint/2015/main" val="1"/>
+                <p16:designElem xmlns:p16="http://schemas.microsoft.com/office/powerpoint/2015/main" xmlns="" val="1"/>
               </p:ext>
             </p:extLst>
           </p:nvPr>
         </p:nvSpPr>
         <p:spPr>
           <a:xfrm>
-            <a:off x="0" y="0"/>
-            <a:ext cx="11786754" cy="6858000"/>
+            <a:off x="0" y="1690688"/>
+            <a:ext cx="12192000" cy="5166360"/>
           </a:xfrm>
-          <a:custGeom>
+          <a:prstGeom prst="rect">
             <a:avLst/>
-            <a:gdLst>
-              <a:gd name="connsiteX0" fmla="*/ 0 w 11786754"/>
-              <a:gd name="connsiteY0" fmla="*/ 0 h 6858000"/>
-              <a:gd name="connsiteX1" fmla="*/ 8610600 w 11786754"/>
-              <a:gd name="connsiteY1" fmla="*/ 0 h 6858000"/>
-              <a:gd name="connsiteX2" fmla="*/ 11786754 w 11786754"/>
-              <a:gd name="connsiteY2" fmla="*/ 6858000 h 6858000"/>
-              <a:gd name="connsiteX3" fmla="*/ 0 w 11786754"/>
-              <a:gd name="connsiteY3" fmla="*/ 6858000 h 6858000"/>
-            </a:gdLst>
-            <a:ahLst/>
-            <a:cxnLst>
-              <a:cxn ang="0">
-                <a:pos x="connsiteX0" y="connsiteY0"/>
-              </a:cxn>
-              <a:cxn ang="0">
-                <a:pos x="connsiteX1" y="connsiteY1"/>
-              </a:cxn>
-              <a:cxn ang="0">
-                <a:pos x="connsiteX2" y="connsiteY2"/>
-              </a:cxn>
-              <a:cxn ang="0">
-                <a:pos x="connsiteX3" y="connsiteY3"/>
-              </a:cxn>
-            </a:cxnLst>
-            <a:rect l="l" t="t" r="r" b="b"/>
-            <a:pathLst>
-              <a:path w="11786754" h="6858000">
-                <a:moveTo>
-                  <a:pt x="0" y="0"/>
-                </a:moveTo>
-                <a:lnTo>
-                  <a:pt x="8610600" y="0"/>
-                </a:lnTo>
-                <a:lnTo>
-                  <a:pt x="11786754" y="6858000"/>
-                </a:lnTo>
-                <a:lnTo>
-                  <a:pt x="0" y="6858000"/>
-                </a:lnTo>
-                <a:close/>
-              </a:path>
-            </a:pathLst>
-          </a:custGeom>
-          <a:solidFill>
-            <a:srgbClr val="000000">
-              <a:alpha val="29804"/>
-            </a:srgbClr>
-          </a:solidFill>
+          </a:prstGeom>
           <a:ln>
             <a:noFill/>
           </a:ln>
@@ -15859,86 +18587,381 @@
       </p:sp>
       <p:sp>
         <p:nvSpPr>
-          <p:cNvPr id="18" name="Freeform 11">
+          <p:cNvPr id="2" name="TextBox 1">
             <a:extLst>
               <a:ext uri="{FF2B5EF4-FFF2-40B4-BE49-F238E27FC236}">
-                <a16:creationId xmlns:a16="http://schemas.microsoft.com/office/drawing/2014/main" id="{64E585EA-75FD-4025-8270-F66A58A15CDA}"/>
-              </a:ext>
-              <a:ext uri="{C183D7F6-B498-43B3-948B-1728B52AA6E4}">
-                <adec:decorative xmlns:adec="http://schemas.microsoft.com/office/drawing/2017/decorative" val="1"/>
+                <a16:creationId xmlns:a16="http://schemas.microsoft.com/office/drawing/2014/main" xmlns="" id="{6FE9E880-9F14-469D-82D1-385EC3BCE625}"/>
               </a:ext>
             </a:extLst>
           </p:cNvPr>
-          <p:cNvSpPr>
-            <a:spLocks noGrp="1" noRot="1" noChangeAspect="1" noMove="1" noResize="1" noEditPoints="1" noAdjustHandles="1" noChangeArrowheads="1" noChangeShapeType="1" noTextEdit="1"/>
-          </p:cNvSpPr>
+          <p:cNvSpPr txBox="1"/>
+          <p:nvPr/>
+        </p:nvSpPr>
+        <p:spPr>
+          <a:xfrm>
+            <a:off x="594957" y="209464"/>
+            <a:ext cx="8595360" cy="2308324"/>
+          </a:xfrm>
+          <a:prstGeom prst="rect">
+            <a:avLst/>
+          </a:prstGeom>
+          <a:noFill/>
+        </p:spPr>
+        <p:txBody>
+          <a:bodyPr wrap="square" rtlCol="0">
+            <a:spAutoFit/>
+          </a:bodyPr>
+          <a:lstStyle/>
+          <a:p>
+            <a:r>
+              <a:rPr lang="en-US" sz="3600" dirty="0">
+                <a:solidFill>
+                  <a:schemeClr val="bg1"/>
+                </a:solidFill>
+                <a:latin typeface="Arial Black" panose="020B0A04020102020204" pitchFamily="34" charset="0"/>
+              </a:rPr>
+              <a:t>Travel and Re-entry to the U.S. While on OPT</a:t>
+            </a:r>
+          </a:p>
+          <a:p>
+            <a:endParaRPr lang="en-US" sz="3600" dirty="0">
+              <a:solidFill>
+                <a:schemeClr val="bg1"/>
+              </a:solidFill>
+              <a:latin typeface="Arial Black" panose="020B0A04020102020204" pitchFamily="34" charset="0"/>
+            </a:endParaRPr>
+          </a:p>
+          <a:p>
+            <a:endParaRPr lang="en-US" sz="3600" dirty="0">
+              <a:solidFill>
+                <a:schemeClr val="bg1"/>
+              </a:solidFill>
+              <a:latin typeface="Arial Black" panose="020B0A04020102020204" pitchFamily="34" charset="0"/>
+            </a:endParaRPr>
+          </a:p>
+        </p:txBody>
+      </p:sp>
+      <p:graphicFrame>
+        <p:nvGraphicFramePr>
+          <p:cNvPr id="4" name="Table 3"/>
+          <p:cNvGraphicFramePr>
+            <a:graphicFrameLocks noGrp="1"/>
+          </p:cNvGraphicFramePr>
           <p:nvPr>
             <p:extLst>
-              <p:ext uri="{386F3935-93C4-4BCD-93E2-E3B085C9AB24}">
-                <p16:designElem xmlns:p16="http://schemas.microsoft.com/office/powerpoint/2015/main" val="1"/>
+              <p:ext uri="{D42A27DB-BD31-4B8C-83A1-F6EECF244321}">
+                <p14:modId xmlns:p14="http://schemas.microsoft.com/office/powerpoint/2010/main" val="1058736671"/>
               </p:ext>
             </p:extLst>
           </p:nvPr>
+        </p:nvGraphicFramePr>
+        <p:xfrm>
+          <a:off x="134471" y="1982041"/>
+          <a:ext cx="11896164" cy="3779520"/>
+        </p:xfrm>
+        <a:graphic>
+          <a:graphicData uri="http://schemas.openxmlformats.org/drawingml/2006/table">
+            <a:tbl>
+              <a:tblPr firstRow="1" bandRow="1">
+                <a:tableStyleId>{5C22544A-7EE6-4342-B048-85BDC9FD1C3A}</a:tableStyleId>
+              </a:tblPr>
+              <a:tblGrid>
+                <a:gridCol w="2974041"/>
+                <a:gridCol w="2974041"/>
+                <a:gridCol w="2974041"/>
+                <a:gridCol w="2974041"/>
+              </a:tblGrid>
+              <a:tr h="370840">
+                <a:tc>
+                  <a:txBody>
+                    <a:bodyPr/>
+                    <a:lstStyle/>
+                    <a:p>
+                      <a:pPr algn="l" fontAlgn="t"/>
+                      <a:r>
+                        <a:rPr lang="en-US" b="1" dirty="0">
+                          <a:effectLst/>
+                        </a:rPr>
+                        <a:t>Documents</a:t>
+                      </a:r>
+                    </a:p>
+                  </a:txBody>
+                  <a:tcPr marL="60960" marR="60960" marT="60960" marB="60960"/>
+                </a:tc>
+                <a:tc>
+                  <a:txBody>
+                    <a:bodyPr/>
+                    <a:lstStyle/>
+                    <a:p>
+                      <a:pPr algn="l" fontAlgn="t"/>
+                      <a:r>
+                        <a:rPr lang="en-US" b="1">
+                          <a:effectLst/>
+                        </a:rPr>
+                        <a:t>Before Completing Academic Program &amp; Before OPT EAD Approval*</a:t>
+                      </a:r>
+                    </a:p>
+                  </a:txBody>
+                  <a:tcPr marL="60960" marR="60960" marT="60960" marB="60960"/>
+                </a:tc>
+                <a:tc>
+                  <a:txBody>
+                    <a:bodyPr/>
+                    <a:lstStyle/>
+                    <a:p>
+                      <a:pPr algn="l" fontAlgn="t"/>
+                      <a:r>
+                        <a:rPr lang="en-US" b="1">
+                          <a:effectLst/>
+                        </a:rPr>
+                        <a:t>After Completing Academic Program &amp; Before OPT or STEM EAD Approval*</a:t>
+                      </a:r>
+                    </a:p>
+                  </a:txBody>
+                  <a:tcPr marL="60960" marR="60960" marT="60960" marB="60960"/>
+                </a:tc>
+                <a:tc>
+                  <a:txBody>
+                    <a:bodyPr/>
+                    <a:lstStyle/>
+                    <a:p>
+                      <a:pPr algn="l" fontAlgn="t"/>
+                      <a:r>
+                        <a:rPr lang="en-US" b="1" dirty="0">
+                          <a:effectLst/>
+                        </a:rPr>
+                        <a:t>After Completing Program &amp; After  OPT or STEM EAD Approval</a:t>
+                      </a:r>
+                    </a:p>
+                  </a:txBody>
+                  <a:tcPr marL="60960" marR="60960" marT="60960" marB="60960"/>
+                </a:tc>
+              </a:tr>
+              <a:tr h="370840">
+                <a:tc>
+                  <a:txBody>
+                    <a:bodyPr/>
+                    <a:lstStyle/>
+                    <a:p>
+                      <a:pPr algn="l" fontAlgn="t"/>
+                      <a:r>
+                        <a:rPr lang="en-US" dirty="0">
+                          <a:effectLst/>
+                        </a:rPr>
+                        <a:t>OPT receipt: I-797 Notice of Action</a:t>
+                      </a:r>
+                    </a:p>
+                  </a:txBody>
+                  <a:tcPr marL="60960" marR="60960" marT="60960" marB="60960"/>
+                </a:tc>
+                <a:tc>
+                  <a:txBody>
+                    <a:bodyPr/>
+                    <a:lstStyle/>
+                    <a:p>
+                      <a:pPr algn="l" fontAlgn="t"/>
+                      <a:endParaRPr lang="en-US">
+                        <a:effectLst/>
+                      </a:endParaRPr>
+                    </a:p>
+                  </a:txBody>
+                  <a:tcPr marL="60960" marR="60960" marT="60960" marB="60960"/>
+                </a:tc>
+                <a:tc>
+                  <a:txBody>
+                    <a:bodyPr/>
+                    <a:lstStyle/>
+                    <a:p>
+                      <a:pPr algn="l" fontAlgn="t"/>
+                      <a:r>
+                        <a:rPr lang="en-US" b="1">
+                          <a:effectLst/>
+                        </a:rPr>
+                        <a:t>✔</a:t>
+                      </a:r>
+                      <a:endParaRPr lang="en-US">
+                        <a:effectLst/>
+                      </a:endParaRPr>
+                    </a:p>
+                  </a:txBody>
+                  <a:tcPr marL="60960" marR="60960" marT="60960" marB="60960"/>
+                </a:tc>
+                <a:tc>
+                  <a:txBody>
+                    <a:bodyPr/>
+                    <a:lstStyle/>
+                    <a:p>
+                      <a:pPr algn="l" fontAlgn="t"/>
+                      <a:endParaRPr lang="en-US">
+                        <a:effectLst/>
+                      </a:endParaRPr>
+                    </a:p>
+                  </a:txBody>
+                  <a:tcPr marL="60960" marR="60960" marT="60960" marB="60960"/>
+                </a:tc>
+              </a:tr>
+              <a:tr h="370840">
+                <a:tc>
+                  <a:txBody>
+                    <a:bodyPr/>
+                    <a:lstStyle/>
+                    <a:p>
+                      <a:pPr algn="l" fontAlgn="t"/>
+                      <a:r>
+                        <a:rPr lang="en-US">
+                          <a:effectLst/>
+                        </a:rPr>
+                        <a:t>Job offer letter from employer OR current employment verification letter</a:t>
+                      </a:r>
+                    </a:p>
+                  </a:txBody>
+                  <a:tcPr marL="60960" marR="60960" marT="60960" marB="60960"/>
+                </a:tc>
+                <a:tc>
+                  <a:txBody>
+                    <a:bodyPr/>
+                    <a:lstStyle/>
+                    <a:p>
+                      <a:pPr algn="l" fontAlgn="t"/>
+                      <a:endParaRPr lang="en-US">
+                        <a:effectLst/>
+                      </a:endParaRPr>
+                    </a:p>
+                  </a:txBody>
+                  <a:tcPr marL="60960" marR="60960" marT="60960" marB="60960"/>
+                </a:tc>
+                <a:tc>
+                  <a:txBody>
+                    <a:bodyPr/>
+                    <a:lstStyle/>
+                    <a:p>
+                      <a:pPr algn="l" fontAlgn="t"/>
+                      <a:r>
+                        <a:rPr lang="en-US" b="1">
+                          <a:effectLst/>
+                        </a:rPr>
+                        <a:t>strongly recommended</a:t>
+                      </a:r>
+                      <a:endParaRPr lang="en-US">
+                        <a:effectLst/>
+                      </a:endParaRPr>
+                    </a:p>
+                  </a:txBody>
+                  <a:tcPr marL="60960" marR="60960" marT="60960" marB="60960"/>
+                </a:tc>
+                <a:tc>
+                  <a:txBody>
+                    <a:bodyPr/>
+                    <a:lstStyle/>
+                    <a:p>
+                      <a:pPr algn="l" fontAlgn="t"/>
+                      <a:r>
+                        <a:rPr lang="en-US" b="1">
+                          <a:effectLst/>
+                        </a:rPr>
+                        <a:t>✔</a:t>
+                      </a:r>
+                      <a:endParaRPr lang="en-US">
+                        <a:effectLst/>
+                      </a:endParaRPr>
+                    </a:p>
+                  </a:txBody>
+                  <a:tcPr marL="60960" marR="60960" marT="60960" marB="60960"/>
+                </a:tc>
+              </a:tr>
+              <a:tr h="370840">
+                <a:tc>
+                  <a:txBody>
+                    <a:bodyPr/>
+                    <a:lstStyle/>
+                    <a:p>
+                      <a:pPr algn="l" fontAlgn="t"/>
+                      <a:r>
+                        <a:rPr lang="en-US">
+                          <a:effectLst/>
+                        </a:rPr>
+                        <a:t>EAD (Employment Authorization Document)</a:t>
+                      </a:r>
+                    </a:p>
+                  </a:txBody>
+                  <a:tcPr marL="60960" marR="60960" marT="60960" marB="60960"/>
+                </a:tc>
+                <a:tc>
+                  <a:txBody>
+                    <a:bodyPr/>
+                    <a:lstStyle/>
+                    <a:p>
+                      <a:pPr algn="l" fontAlgn="t"/>
+                      <a:endParaRPr lang="en-US">
+                        <a:effectLst/>
+                      </a:endParaRPr>
+                    </a:p>
+                  </a:txBody>
+                  <a:tcPr marL="60960" marR="60960" marT="60960" marB="60960"/>
+                </a:tc>
+                <a:tc>
+                  <a:txBody>
+                    <a:bodyPr/>
+                    <a:lstStyle/>
+                    <a:p>
+                      <a:pPr algn="l" fontAlgn="t"/>
+                      <a:r>
+                        <a:rPr lang="en-US" b="1">
+                          <a:effectLst/>
+                        </a:rPr>
+                        <a:t>STEM OPT students whose original 12-Month EAD has expired should check with BIO about travel. </a:t>
+                      </a:r>
+                      <a:endParaRPr lang="en-US">
+                        <a:effectLst/>
+                      </a:endParaRPr>
+                    </a:p>
+                  </a:txBody>
+                  <a:tcPr marL="60960" marR="60960" marT="60960" marB="60960"/>
+                </a:tc>
+                <a:tc>
+                  <a:txBody>
+                    <a:bodyPr/>
+                    <a:lstStyle/>
+                    <a:p>
+                      <a:pPr algn="l" fontAlgn="t"/>
+                      <a:r>
+                        <a:rPr lang="en-US" b="1" dirty="0">
+                          <a:effectLst/>
+                        </a:rPr>
+                        <a:t>✔</a:t>
+                      </a:r>
+                      <a:endParaRPr lang="en-US" dirty="0">
+                        <a:effectLst/>
+                      </a:endParaRPr>
+                    </a:p>
+                  </a:txBody>
+                  <a:tcPr marL="60960" marR="60960" marT="60960" marB="60960"/>
+                </a:tc>
+              </a:tr>
+            </a:tbl>
+          </a:graphicData>
+        </a:graphic>
+      </p:graphicFrame>
+      <p:sp>
+        <p:nvSpPr>
+          <p:cNvPr id="6" name="Rectangle 5"/>
+          <p:cNvSpPr/>
+          <p:nvPr/>
         </p:nvSpPr>
         <p:spPr>
           <a:xfrm>
-            <a:off x="0" y="0"/>
-            <a:ext cx="3581400" cy="6858000"/>
+            <a:off x="174812" y="2904565"/>
+            <a:ext cx="11842376" cy="651601"/>
           </a:xfrm>
-          <a:custGeom>
+          <a:prstGeom prst="rect">
             <a:avLst/>
-            <a:gdLst>
-              <a:gd name="connsiteX0" fmla="*/ 0 w 3581400"/>
-              <a:gd name="connsiteY0" fmla="*/ 0 h 6858000"/>
-              <a:gd name="connsiteX1" fmla="*/ 405246 w 3581400"/>
-              <a:gd name="connsiteY1" fmla="*/ 0 h 6858000"/>
-              <a:gd name="connsiteX2" fmla="*/ 3581400 w 3581400"/>
-              <a:gd name="connsiteY2" fmla="*/ 6858000 h 6858000"/>
-              <a:gd name="connsiteX3" fmla="*/ 0 w 3581400"/>
-              <a:gd name="connsiteY3" fmla="*/ 6858000 h 6858000"/>
-            </a:gdLst>
-            <a:ahLst/>
-            <a:cxnLst>
-              <a:cxn ang="0">
-                <a:pos x="connsiteX0" y="connsiteY0"/>
-              </a:cxn>
-              <a:cxn ang="0">
-                <a:pos x="connsiteX1" y="connsiteY1"/>
-              </a:cxn>
-              <a:cxn ang="0">
-                <a:pos x="connsiteX2" y="connsiteY2"/>
-              </a:cxn>
-              <a:cxn ang="0">
-                <a:pos x="connsiteX3" y="connsiteY3"/>
-              </a:cxn>
-            </a:cxnLst>
-            <a:rect l="l" t="t" r="r" b="b"/>
-            <a:pathLst>
-              <a:path w="3581400" h="6858000">
-                <a:moveTo>
-                  <a:pt x="0" y="0"/>
-                </a:moveTo>
-                <a:lnTo>
-                  <a:pt x="405246" y="0"/>
-                </a:lnTo>
-                <a:lnTo>
-                  <a:pt x="3581400" y="6858000"/>
-                </a:lnTo>
-                <a:lnTo>
-                  <a:pt x="0" y="6858000"/>
-                </a:lnTo>
-                <a:close/>
-              </a:path>
-            </a:pathLst>
-          </a:custGeom>
+          </a:prstGeom>
           <a:solidFill>
-            <a:srgbClr val="000000">
-              <a:alpha val="29804"/>
-            </a:srgbClr>
+            <a:schemeClr val="accent1">
+              <a:lumMod val="60000"/>
+              <a:lumOff val="40000"/>
+            </a:schemeClr>
           </a:solidFill>
-          <a:ln>
-            <a:noFill/>
-          </a:ln>
         </p:spPr>
         <p:style>
           <a:lnRef idx="2">
@@ -15957,9 +18980,7 @@
           </a:fontRef>
         </p:style>
         <p:txBody>
-          <a:bodyPr wrap="square" rtlCol="0" anchor="ctr">
-            <a:noAutofit/>
-          </a:bodyPr>
+          <a:bodyPr rtlCol="0" anchor="ctr"/>
           <a:lstStyle/>
           <a:p>
             <a:pPr algn="ctr"/>
@@ -15969,387 +18990,300 @@
       </p:sp>
       <p:sp>
         <p:nvSpPr>
-          <p:cNvPr id="6" name="Title 4">
-            <a:extLst>
-              <a:ext uri="{FF2B5EF4-FFF2-40B4-BE49-F238E27FC236}">
-                <a16:creationId xmlns:a16="http://schemas.microsoft.com/office/drawing/2014/main" id="{206590B4-9C02-4A55-871E-7F56D35DA76A}"/>
-              </a:ext>
-            </a:extLst>
-          </p:cNvPr>
-          <p:cNvSpPr>
-            <a:spLocks noGrp="1"/>
-          </p:cNvSpPr>
-          <p:nvPr>
-            <p:ph type="title"/>
-          </p:nvPr>
+          <p:cNvPr id="7" name="Rectangle 6"/>
+          <p:cNvSpPr/>
+          <p:nvPr/>
         </p:nvSpPr>
         <p:spPr>
           <a:xfrm>
-            <a:off x="635577" y="53816"/>
-            <a:ext cx="10515600" cy="1325563"/>
+            <a:off x="174812" y="3556166"/>
+            <a:ext cx="11842376" cy="988940"/>
           </a:xfrm>
+          <a:prstGeom prst="rect">
+            <a:avLst/>
+          </a:prstGeom>
+          <a:solidFill>
+            <a:schemeClr val="accent1">
+              <a:lumMod val="60000"/>
+              <a:lumOff val="40000"/>
+            </a:schemeClr>
+          </a:solidFill>
         </p:spPr>
+        <p:style>
+          <a:lnRef idx="2">
+            <a:schemeClr val="accent1">
+              <a:shade val="50000"/>
+            </a:schemeClr>
+          </a:lnRef>
+          <a:fillRef idx="1">
+            <a:schemeClr val="accent1"/>
+          </a:fillRef>
+          <a:effectRef idx="0">
+            <a:schemeClr val="accent1"/>
+          </a:effectRef>
+          <a:fontRef idx="minor">
+            <a:schemeClr val="lt1"/>
+          </a:fontRef>
+        </p:style>
         <p:txBody>
-          <a:bodyPr/>
+          <a:bodyPr rtlCol="0" anchor="ctr"/>
           <a:lstStyle/>
           <a:p>
             <a:pPr algn="ctr"/>
-            <a:r>
-              <a:rPr lang="en-US" dirty="0"/>
-              <a:t>CPT &amp; OPT for F-1 Visa Students</a:t>
-            </a:r>
+            <a:endParaRPr lang="en-US"/>
           </a:p>
         </p:txBody>
       </p:sp>
-      <p:graphicFrame>
-        <p:nvGraphicFramePr>
-          <p:cNvPr id="2" name="Table 1">
-            <a:extLst>
-              <a:ext uri="{FF2B5EF4-FFF2-40B4-BE49-F238E27FC236}">
-                <a16:creationId xmlns:a16="http://schemas.microsoft.com/office/drawing/2014/main" id="{70054709-7A81-4160-A4BC-C9CC114C87A9}"/>
-              </a:ext>
-            </a:extLst>
-          </p:cNvPr>
-          <p:cNvGraphicFramePr>
-            <a:graphicFrameLocks noGrp="1"/>
-          </p:cNvGraphicFramePr>
-          <p:nvPr>
-            <p:extLst>
-              <p:ext uri="{D42A27DB-BD31-4B8C-83A1-F6EECF244321}">
-                <p14:modId xmlns:p14="http://schemas.microsoft.com/office/powerpoint/2010/main" val="899920821"/>
-              </p:ext>
-            </p:extLst>
-          </p:nvPr>
-        </p:nvGraphicFramePr>
-        <p:xfrm>
-          <a:off x="1509337" y="1453515"/>
-          <a:ext cx="8768080" cy="5059680"/>
-        </p:xfrm>
-        <a:graphic>
-          <a:graphicData uri="http://schemas.openxmlformats.org/drawingml/2006/table">
-            <a:tbl>
-              <a:tblPr firstRow="1" bandRow="1">
-                <a:tableStyleId>{5C22544A-7EE6-4342-B048-85BDC9FD1C3A}</a:tableStyleId>
-              </a:tblPr>
-              <a:tblGrid>
-                <a:gridCol w="4384040">
-                  <a:extLst>
-                    <a:ext uri="{9D8B030D-6E8A-4147-A177-3AD203B41FA5}">
-                      <a16:colId xmlns:a16="http://schemas.microsoft.com/office/drawing/2014/main" val="3423524140"/>
-                    </a:ext>
-                  </a:extLst>
-                </a:gridCol>
-                <a:gridCol w="4384040">
-                  <a:extLst>
-                    <a:ext uri="{9D8B030D-6E8A-4147-A177-3AD203B41FA5}">
-                      <a16:colId xmlns:a16="http://schemas.microsoft.com/office/drawing/2014/main" val="574161364"/>
-                    </a:ext>
-                  </a:extLst>
-                </a:gridCol>
-              </a:tblGrid>
-              <a:tr h="806767">
-                <a:tc>
-                  <a:txBody>
-                    <a:bodyPr/>
-                    <a:lstStyle/>
-                    <a:p>
-                      <a:pPr marL="0" marR="0" lvl="0" indent="0" algn="l" defTabSz="914400" rtl="0" eaLnBrk="1" fontAlgn="auto" latinLnBrk="0" hangingPunct="1">
-                        <a:lnSpc>
-                          <a:spcPct val="100000"/>
-                        </a:lnSpc>
-                        <a:spcBef>
-                          <a:spcPts val="0"/>
-                        </a:spcBef>
-                        <a:spcAft>
-                          <a:spcPts val="0"/>
-                        </a:spcAft>
-                        <a:buClrTx/>
-                        <a:buSzTx/>
-                        <a:buFontTx/>
-                        <a:buNone/>
-                        <a:tabLst/>
-                        <a:defRPr/>
-                      </a:pPr>
-                      <a:r>
-                        <a:rPr lang="en-US" sz="2800" i="1" dirty="0"/>
-                        <a:t>Curricular Practical Training (CPT)</a:t>
-                      </a:r>
-                    </a:p>
-                    <a:p>
-                      <a:endParaRPr lang="en-US" sz="2800" dirty="0"/>
-                    </a:p>
-                  </a:txBody>
-                  <a:tcPr/>
-                </a:tc>
-                <a:tc>
-                  <a:txBody>
-                    <a:bodyPr/>
-                    <a:lstStyle/>
-                    <a:p>
-                      <a:pPr marL="0" marR="0" lvl="0" indent="0" algn="l" defTabSz="914400" rtl="0" eaLnBrk="1" fontAlgn="auto" latinLnBrk="0" hangingPunct="1">
-                        <a:lnSpc>
-                          <a:spcPct val="100000"/>
-                        </a:lnSpc>
-                        <a:spcBef>
-                          <a:spcPts val="0"/>
-                        </a:spcBef>
-                        <a:spcAft>
-                          <a:spcPts val="0"/>
-                        </a:spcAft>
-                        <a:buClrTx/>
-                        <a:buSzTx/>
-                        <a:buFontTx/>
-                        <a:buNone/>
-                        <a:tabLst/>
-                        <a:defRPr/>
-                      </a:pPr>
-                      <a:r>
-                        <a:rPr lang="en-US" sz="2800" i="1" dirty="0"/>
-                        <a:t>Optional Practical Training (OPT)</a:t>
-                      </a:r>
-                    </a:p>
-                    <a:p>
-                      <a:endParaRPr lang="en-US" sz="2800" dirty="0"/>
-                    </a:p>
-                  </a:txBody>
-                  <a:tcPr/>
-                </a:tc>
-                <a:extLst>
-                  <a:ext uri="{0D108BD9-81ED-4DB2-BD59-A6C34878D82A}">
-                    <a16:rowId xmlns:a16="http://schemas.microsoft.com/office/drawing/2014/main" val="1463514421"/>
-                  </a:ext>
-                </a:extLst>
-              </a:tr>
-              <a:tr h="806767">
-                <a:tc>
-                  <a:txBody>
-                    <a:bodyPr/>
-                    <a:lstStyle/>
-                    <a:p>
-                      <a:pPr marL="0" marR="0" lvl="0" indent="0" algn="l" defTabSz="914400" rtl="0" eaLnBrk="1" fontAlgn="auto" latinLnBrk="0" hangingPunct="1">
-                        <a:lnSpc>
-                          <a:spcPct val="100000"/>
-                        </a:lnSpc>
-                        <a:spcBef>
-                          <a:spcPts val="0"/>
-                        </a:spcBef>
-                        <a:spcAft>
-                          <a:spcPts val="0"/>
-                        </a:spcAft>
-                        <a:buClrTx/>
-                        <a:buSzTx/>
-                        <a:buFontTx/>
-                        <a:buNone/>
-                        <a:tabLst/>
-                        <a:defRPr/>
-                      </a:pPr>
-                      <a:r>
-                        <a:rPr lang="en-US" sz="2800" dirty="0"/>
-                        <a:t>Only BEFORE you complete your degree</a:t>
-                      </a:r>
-                    </a:p>
-                    <a:p>
-                      <a:endParaRPr lang="en-US" sz="2800" dirty="0"/>
-                    </a:p>
-                  </a:txBody>
-                  <a:tcPr/>
-                </a:tc>
-                <a:tc>
-                  <a:txBody>
-                    <a:bodyPr/>
-                    <a:lstStyle/>
-                    <a:p>
-                      <a:pPr marL="0" marR="0" lvl="0" indent="0" algn="l" defTabSz="914400" rtl="0" eaLnBrk="1" fontAlgn="auto" latinLnBrk="0" hangingPunct="1">
-                        <a:lnSpc>
-                          <a:spcPct val="100000"/>
-                        </a:lnSpc>
-                        <a:spcBef>
-                          <a:spcPts val="0"/>
-                        </a:spcBef>
-                        <a:spcAft>
-                          <a:spcPts val="0"/>
-                        </a:spcAft>
-                        <a:buClrTx/>
-                        <a:buSzTx/>
-                        <a:buFontTx/>
-                        <a:buNone/>
-                        <a:tabLst/>
-                        <a:defRPr/>
-                      </a:pPr>
-                      <a:r>
-                        <a:rPr lang="en-US" sz="2800" dirty="0"/>
-                        <a:t>Usually AFTER you complete your degree</a:t>
-                      </a:r>
-                    </a:p>
-                    <a:p>
-                      <a:endParaRPr lang="en-US" sz="2800" dirty="0"/>
-                    </a:p>
-                  </a:txBody>
-                  <a:tcPr/>
-                </a:tc>
-                <a:extLst>
-                  <a:ext uri="{0D108BD9-81ED-4DB2-BD59-A6C34878D82A}">
-                    <a16:rowId xmlns:a16="http://schemas.microsoft.com/office/drawing/2014/main" val="2469953183"/>
-                  </a:ext>
-                </a:extLst>
-              </a:tr>
-              <a:tr h="1152526">
-                <a:tc>
-                  <a:txBody>
-                    <a:bodyPr/>
-                    <a:lstStyle/>
-                    <a:p>
-                      <a:pPr marL="0" marR="0" lvl="0" indent="0" algn="l" defTabSz="914400" rtl="0" eaLnBrk="1" fontAlgn="auto" latinLnBrk="0" hangingPunct="1">
-                        <a:lnSpc>
-                          <a:spcPct val="100000"/>
-                        </a:lnSpc>
-                        <a:spcBef>
-                          <a:spcPts val="0"/>
-                        </a:spcBef>
-                        <a:spcAft>
-                          <a:spcPts val="0"/>
-                        </a:spcAft>
-                        <a:buClrTx/>
-                        <a:buSzTx/>
-                        <a:buFontTx/>
-                        <a:buNone/>
-                        <a:tabLst/>
-                        <a:defRPr/>
-                      </a:pPr>
-                      <a:r>
-                        <a:rPr lang="en-US" sz="2800" dirty="0"/>
-                        <a:t>Can have many part-time CPTs before students graduate</a:t>
-                      </a:r>
-                    </a:p>
-                  </a:txBody>
-                  <a:tcPr/>
-                </a:tc>
-                <a:tc>
-                  <a:txBody>
-                    <a:bodyPr/>
-                    <a:lstStyle/>
-                    <a:p>
-                      <a:pPr marL="0" marR="0" lvl="0" indent="0" algn="l" defTabSz="914400" rtl="0" eaLnBrk="1" fontAlgn="auto" latinLnBrk="0" hangingPunct="1">
-                        <a:lnSpc>
-                          <a:spcPct val="100000"/>
-                        </a:lnSpc>
-                        <a:spcBef>
-                          <a:spcPts val="0"/>
-                        </a:spcBef>
-                        <a:spcAft>
-                          <a:spcPts val="0"/>
-                        </a:spcAft>
-                        <a:buClrTx/>
-                        <a:buSzTx/>
-                        <a:buFontTx/>
-                        <a:buNone/>
-                        <a:tabLst/>
-                        <a:defRPr/>
-                      </a:pPr>
-                      <a:r>
-                        <a:rPr lang="en-US" sz="2800" dirty="0"/>
-                        <a:t>12 months after completion of degree requirements</a:t>
-                      </a:r>
-                    </a:p>
-                    <a:p>
-                      <a:endParaRPr lang="en-US" sz="2800" dirty="0"/>
-                    </a:p>
-                  </a:txBody>
-                  <a:tcPr/>
-                </a:tc>
-                <a:extLst>
-                  <a:ext uri="{0D108BD9-81ED-4DB2-BD59-A6C34878D82A}">
-                    <a16:rowId xmlns:a16="http://schemas.microsoft.com/office/drawing/2014/main" val="3098398895"/>
-                  </a:ext>
-                </a:extLst>
-              </a:tr>
-              <a:tr h="806767">
-                <a:tc>
-                  <a:txBody>
-                    <a:bodyPr/>
-                    <a:lstStyle/>
-                    <a:p>
-                      <a:pPr marL="0" marR="0" lvl="0" indent="0" algn="l" defTabSz="914400" rtl="0" eaLnBrk="1" fontAlgn="auto" latinLnBrk="0" hangingPunct="1">
-                        <a:lnSpc>
-                          <a:spcPct val="100000"/>
-                        </a:lnSpc>
-                        <a:spcBef>
-                          <a:spcPts val="0"/>
-                        </a:spcBef>
-                        <a:spcAft>
-                          <a:spcPts val="0"/>
-                        </a:spcAft>
-                        <a:buClrTx/>
-                        <a:buSzTx/>
-                        <a:buFontTx/>
-                        <a:buNone/>
-                        <a:tabLst/>
-                        <a:defRPr/>
-                      </a:pPr>
-                      <a:r>
-                        <a:rPr lang="en-US" sz="2800" dirty="0"/>
-                        <a:t>Requires Job offer</a:t>
-                      </a:r>
-                    </a:p>
-                    <a:p>
-                      <a:endParaRPr lang="en-US" sz="2800" dirty="0"/>
-                    </a:p>
-                  </a:txBody>
-                  <a:tcPr/>
-                </a:tc>
-                <a:tc>
-                  <a:txBody>
-                    <a:bodyPr/>
-                    <a:lstStyle/>
-                    <a:p>
-                      <a:pPr marL="0" marR="0" lvl="0" indent="0" algn="l" defTabSz="914400" rtl="0" eaLnBrk="1" fontAlgn="auto" latinLnBrk="0" hangingPunct="1">
-                        <a:lnSpc>
-                          <a:spcPct val="100000"/>
-                        </a:lnSpc>
-                        <a:spcBef>
-                          <a:spcPts val="0"/>
-                        </a:spcBef>
-                        <a:spcAft>
-                          <a:spcPts val="0"/>
-                        </a:spcAft>
-                        <a:buClrTx/>
-                        <a:buSzTx/>
-                        <a:buFontTx/>
-                        <a:buNone/>
-                        <a:tabLst/>
-                        <a:defRPr/>
-                      </a:pPr>
-                      <a:r>
-                        <a:rPr lang="en-US" sz="2800" dirty="0"/>
-                        <a:t>No Job offer requires</a:t>
-                      </a:r>
-                    </a:p>
-                    <a:p>
-                      <a:endParaRPr lang="en-US" sz="2800" dirty="0"/>
-                    </a:p>
-                  </a:txBody>
-                  <a:tcPr/>
-                </a:tc>
-                <a:extLst>
-                  <a:ext uri="{0D108BD9-81ED-4DB2-BD59-A6C34878D82A}">
-                    <a16:rowId xmlns:a16="http://schemas.microsoft.com/office/drawing/2014/main" val="4123979802"/>
-                  </a:ext>
-                </a:extLst>
-              </a:tr>
-            </a:tbl>
-          </a:graphicData>
-        </a:graphic>
-      </p:graphicFrame>
+      <p:sp>
+        <p:nvSpPr>
+          <p:cNvPr id="8" name="Rectangle 7"/>
+          <p:cNvSpPr/>
+          <p:nvPr/>
+        </p:nvSpPr>
+        <p:spPr>
+          <a:xfrm>
+            <a:off x="174812" y="4545106"/>
+            <a:ext cx="11842376" cy="1192305"/>
+          </a:xfrm>
+          <a:prstGeom prst="rect">
+            <a:avLst/>
+          </a:prstGeom>
+          <a:solidFill>
+            <a:schemeClr val="accent1">
+              <a:lumMod val="60000"/>
+              <a:lumOff val="40000"/>
+            </a:schemeClr>
+          </a:solidFill>
+        </p:spPr>
+        <p:style>
+          <a:lnRef idx="2">
+            <a:schemeClr val="accent1">
+              <a:shade val="50000"/>
+            </a:schemeClr>
+          </a:lnRef>
+          <a:fillRef idx="1">
+            <a:schemeClr val="accent1"/>
+          </a:fillRef>
+          <a:effectRef idx="0">
+            <a:schemeClr val="accent1"/>
+          </a:effectRef>
+          <a:fontRef idx="minor">
+            <a:schemeClr val="lt1"/>
+          </a:fontRef>
+        </p:style>
+        <p:txBody>
+          <a:bodyPr rtlCol="0" anchor="ctr"/>
+          <a:lstStyle/>
+          <a:p>
+            <a:pPr algn="ctr"/>
+            <a:endParaRPr lang="en-US"/>
+          </a:p>
+        </p:txBody>
+      </p:sp>
     </p:spTree>
     <p:extLst>
       <p:ext uri="{BB962C8B-B14F-4D97-AF65-F5344CB8AC3E}">
-        <p14:creationId xmlns:p14="http://schemas.microsoft.com/office/powerpoint/2010/main" val="21914927"/>
+        <p14:creationId xmlns:p14="http://schemas.microsoft.com/office/powerpoint/2010/main" val="272632250"/>
       </p:ext>
     </p:extLst>
   </p:cSld>
   <p:clrMapOvr>
     <a:overrideClrMapping bg1="dk1" tx1="lt1" bg2="dk2" tx2="lt2" accent1="accent1" accent2="accent2" accent3="accent3" accent4="accent4" accent5="accent5" accent6="accent6" hlink="hlink" folHlink="folHlink"/>
   </p:clrMapOvr>
+  <p:timing>
+    <p:tnLst>
+      <p:par>
+        <p:cTn id="1" dur="indefinite" restart="never" nodeType="tmRoot">
+          <p:childTnLst>
+            <p:seq concurrent="1" nextAc="seek">
+              <p:cTn id="2" dur="indefinite" nodeType="mainSeq">
+                <p:childTnLst>
+                  <p:par>
+                    <p:cTn id="3" fill="hold">
+                      <p:stCondLst>
+                        <p:cond delay="indefinite"/>
+                      </p:stCondLst>
+                      <p:childTnLst>
+                        <p:par>
+                          <p:cTn id="4" fill="hold">
+                            <p:stCondLst>
+                              <p:cond delay="0"/>
+                            </p:stCondLst>
+                            <p:childTnLst>
+                              <p:par>
+                                <p:cTn id="5" presetID="10" presetClass="exit" presetSubtype="0" fill="hold" grpId="0" nodeType="clickEffect">
+                                  <p:stCondLst>
+                                    <p:cond delay="0"/>
+                                  </p:stCondLst>
+                                  <p:childTnLst>
+                                    <p:animEffect transition="out" filter="fade">
+                                      <p:cBhvr>
+                                        <p:cTn id="6" dur="500"/>
+                                        <p:tgtEl>
+                                          <p:spTgt spid="6"/>
+                                        </p:tgtEl>
+                                      </p:cBhvr>
+                                    </p:animEffect>
+                                    <p:set>
+                                      <p:cBhvr>
+                                        <p:cTn id="7" dur="1" fill="hold">
+                                          <p:stCondLst>
+                                            <p:cond delay="499"/>
+                                          </p:stCondLst>
+                                        </p:cTn>
+                                        <p:tgtEl>
+                                          <p:spTgt spid="6"/>
+                                        </p:tgtEl>
+                                        <p:attrNameLst>
+                                          <p:attrName>style.visibility</p:attrName>
+                                        </p:attrNameLst>
+                                      </p:cBhvr>
+                                      <p:to>
+                                        <p:strVal val="hidden"/>
+                                      </p:to>
+                                    </p:set>
+                                  </p:childTnLst>
+                                </p:cTn>
+                              </p:par>
+                            </p:childTnLst>
+                          </p:cTn>
+                        </p:par>
+                      </p:childTnLst>
+                    </p:cTn>
+                  </p:par>
+                  <p:par>
+                    <p:cTn id="8" fill="hold">
+                      <p:stCondLst>
+                        <p:cond delay="indefinite"/>
+                      </p:stCondLst>
+                      <p:childTnLst>
+                        <p:par>
+                          <p:cTn id="9" fill="hold">
+                            <p:stCondLst>
+                              <p:cond delay="0"/>
+                            </p:stCondLst>
+                            <p:childTnLst>
+                              <p:par>
+                                <p:cTn id="10" presetID="10" presetClass="exit" presetSubtype="0" fill="hold" grpId="0" nodeType="clickEffect">
+                                  <p:stCondLst>
+                                    <p:cond delay="0"/>
+                                  </p:stCondLst>
+                                  <p:childTnLst>
+                                    <p:animEffect transition="out" filter="fade">
+                                      <p:cBhvr>
+                                        <p:cTn id="11" dur="500"/>
+                                        <p:tgtEl>
+                                          <p:spTgt spid="7"/>
+                                        </p:tgtEl>
+                                      </p:cBhvr>
+                                    </p:animEffect>
+                                    <p:set>
+                                      <p:cBhvr>
+                                        <p:cTn id="12" dur="1" fill="hold">
+                                          <p:stCondLst>
+                                            <p:cond delay="499"/>
+                                          </p:stCondLst>
+                                        </p:cTn>
+                                        <p:tgtEl>
+                                          <p:spTgt spid="7"/>
+                                        </p:tgtEl>
+                                        <p:attrNameLst>
+                                          <p:attrName>style.visibility</p:attrName>
+                                        </p:attrNameLst>
+                                      </p:cBhvr>
+                                      <p:to>
+                                        <p:strVal val="hidden"/>
+                                      </p:to>
+                                    </p:set>
+                                  </p:childTnLst>
+                                </p:cTn>
+                              </p:par>
+                            </p:childTnLst>
+                          </p:cTn>
+                        </p:par>
+                      </p:childTnLst>
+                    </p:cTn>
+                  </p:par>
+                  <p:par>
+                    <p:cTn id="13" fill="hold">
+                      <p:stCondLst>
+                        <p:cond delay="indefinite"/>
+                      </p:stCondLst>
+                      <p:childTnLst>
+                        <p:par>
+                          <p:cTn id="14" fill="hold">
+                            <p:stCondLst>
+                              <p:cond delay="0"/>
+                            </p:stCondLst>
+                            <p:childTnLst>
+                              <p:par>
+                                <p:cTn id="15" presetID="10" presetClass="exit" presetSubtype="0" fill="hold" grpId="0" nodeType="clickEffect">
+                                  <p:stCondLst>
+                                    <p:cond delay="0"/>
+                                  </p:stCondLst>
+                                  <p:childTnLst>
+                                    <p:animEffect transition="out" filter="fade">
+                                      <p:cBhvr>
+                                        <p:cTn id="16" dur="500"/>
+                                        <p:tgtEl>
+                                          <p:spTgt spid="8"/>
+                                        </p:tgtEl>
+                                      </p:cBhvr>
+                                    </p:animEffect>
+                                    <p:set>
+                                      <p:cBhvr>
+                                        <p:cTn id="17" dur="1" fill="hold">
+                                          <p:stCondLst>
+                                            <p:cond delay="499"/>
+                                          </p:stCondLst>
+                                        </p:cTn>
+                                        <p:tgtEl>
+                                          <p:spTgt spid="8"/>
+                                        </p:tgtEl>
+                                        <p:attrNameLst>
+                                          <p:attrName>style.visibility</p:attrName>
+                                        </p:attrNameLst>
+                                      </p:cBhvr>
+                                      <p:to>
+                                        <p:strVal val="hidden"/>
+                                      </p:to>
+                                    </p:set>
+                                  </p:childTnLst>
+                                </p:cTn>
+                              </p:par>
+                            </p:childTnLst>
+                          </p:cTn>
+                        </p:par>
+                      </p:childTnLst>
+                    </p:cTn>
+                  </p:par>
+                </p:childTnLst>
+              </p:cTn>
+              <p:prevCondLst>
+                <p:cond evt="onPrev" delay="0">
+                  <p:tgtEl>
+                    <p:sldTgt/>
+                  </p:tgtEl>
+                </p:cond>
+              </p:prevCondLst>
+              <p:nextCondLst>
+                <p:cond evt="onNext" delay="0">
+                  <p:tgtEl>
+                    <p:sldTgt/>
+                  </p:tgtEl>
+                </p:cond>
+              </p:nextCondLst>
+            </p:seq>
+          </p:childTnLst>
+        </p:cTn>
+      </p:par>
+    </p:tnLst>
+    <p:bldLst>
+      <p:bldP spid="6" grpId="0" animBg="1"/>
+      <p:bldP spid="7" grpId="0" animBg="1"/>
+      <p:bldP spid="8" grpId="0" animBg="1"/>
+    </p:bldLst>
+  </p:timing>
 </p:sld>
 </file>
 
